--- a/lections/cpp_craft_lec_1_part_2_v1_2.pptx
+++ b/lections/cpp_craft_lec_1_part_2_v1_2.pptx
@@ -303,6 +303,7 @@
           <a:p>
             <a:fld id="{CD089F79-30FC-44C4-83E6-141ED3CABBF5}" type="datetimeFigureOut">
               <a:rPr lang="en-US" smtClean="0"/>
+              <a:pPr/>
               <a:t>10/3/2013</a:t>
             </a:fld>
             <a:endParaRPr lang="en-US"/>
@@ -345,6 +346,7 @@
           <a:p>
             <a:fld id="{73A38FA6-A180-4040-906A-B210CB831C1F}" type="slidenum">
               <a:rPr lang="en-US" smtClean="0"/>
+              <a:pPr/>
               <a:t>‹#›</a:t>
             </a:fld>
             <a:endParaRPr lang="en-US"/>
@@ -468,6 +470,7 @@
           <a:p>
             <a:fld id="{CD089F79-30FC-44C4-83E6-141ED3CABBF5}" type="datetimeFigureOut">
               <a:rPr lang="en-US" smtClean="0"/>
+              <a:pPr/>
               <a:t>10/3/2013</a:t>
             </a:fld>
             <a:endParaRPr lang="en-US"/>
@@ -510,6 +513,7 @@
           <a:p>
             <a:fld id="{73A38FA6-A180-4040-906A-B210CB831C1F}" type="slidenum">
               <a:rPr lang="en-US" smtClean="0"/>
+              <a:pPr/>
               <a:t>‹#›</a:t>
             </a:fld>
             <a:endParaRPr lang="en-US"/>
@@ -643,6 +647,7 @@
           <a:p>
             <a:fld id="{CD089F79-30FC-44C4-83E6-141ED3CABBF5}" type="datetimeFigureOut">
               <a:rPr lang="en-US" smtClean="0"/>
+              <a:pPr/>
               <a:t>10/3/2013</a:t>
             </a:fld>
             <a:endParaRPr lang="en-US"/>
@@ -685,6 +690,7 @@
           <a:p>
             <a:fld id="{73A38FA6-A180-4040-906A-B210CB831C1F}" type="slidenum">
               <a:rPr lang="en-US" smtClean="0"/>
+              <a:pPr/>
               <a:t>‹#›</a:t>
             </a:fld>
             <a:endParaRPr lang="en-US"/>
@@ -808,6 +814,7 @@
           <a:p>
             <a:fld id="{CD089F79-30FC-44C4-83E6-141ED3CABBF5}" type="datetimeFigureOut">
               <a:rPr lang="en-US" smtClean="0"/>
+              <a:pPr/>
               <a:t>10/3/2013</a:t>
             </a:fld>
             <a:endParaRPr lang="en-US"/>
@@ -850,6 +857,7 @@
           <a:p>
             <a:fld id="{73A38FA6-A180-4040-906A-B210CB831C1F}" type="slidenum">
               <a:rPr lang="en-US" smtClean="0"/>
+              <a:pPr/>
               <a:t>‹#›</a:t>
             </a:fld>
             <a:endParaRPr lang="en-US"/>
@@ -1049,6 +1057,7 @@
           <a:p>
             <a:fld id="{CD089F79-30FC-44C4-83E6-141ED3CABBF5}" type="datetimeFigureOut">
               <a:rPr lang="en-US" smtClean="0"/>
+              <a:pPr/>
               <a:t>10/3/2013</a:t>
             </a:fld>
             <a:endParaRPr lang="en-US"/>
@@ -1091,6 +1100,7 @@
           <a:p>
             <a:fld id="{73A38FA6-A180-4040-906A-B210CB831C1F}" type="slidenum">
               <a:rPr lang="en-US" smtClean="0"/>
+              <a:pPr/>
               <a:t>‹#›</a:t>
             </a:fld>
             <a:endParaRPr lang="en-US"/>
@@ -1332,6 +1342,7 @@
           <a:p>
             <a:fld id="{CD089F79-30FC-44C4-83E6-141ED3CABBF5}" type="datetimeFigureOut">
               <a:rPr lang="en-US" smtClean="0"/>
+              <a:pPr/>
               <a:t>10/3/2013</a:t>
             </a:fld>
             <a:endParaRPr lang="en-US"/>
@@ -1374,6 +1385,7 @@
           <a:p>
             <a:fld id="{73A38FA6-A180-4040-906A-B210CB831C1F}" type="slidenum">
               <a:rPr lang="en-US" smtClean="0"/>
+              <a:pPr/>
               <a:t>‹#›</a:t>
             </a:fld>
             <a:endParaRPr lang="en-US"/>
@@ -1749,6 +1761,7 @@
           <a:p>
             <a:fld id="{CD089F79-30FC-44C4-83E6-141ED3CABBF5}" type="datetimeFigureOut">
               <a:rPr lang="en-US" smtClean="0"/>
+              <a:pPr/>
               <a:t>10/3/2013</a:t>
             </a:fld>
             <a:endParaRPr lang="en-US"/>
@@ -1791,6 +1804,7 @@
           <a:p>
             <a:fld id="{73A38FA6-A180-4040-906A-B210CB831C1F}" type="slidenum">
               <a:rPr lang="en-US" smtClean="0"/>
+              <a:pPr/>
               <a:t>‹#›</a:t>
             </a:fld>
             <a:endParaRPr lang="en-US"/>
@@ -1862,6 +1876,7 @@
           <a:p>
             <a:fld id="{CD089F79-30FC-44C4-83E6-141ED3CABBF5}" type="datetimeFigureOut">
               <a:rPr lang="en-US" smtClean="0"/>
+              <a:pPr/>
               <a:t>10/3/2013</a:t>
             </a:fld>
             <a:endParaRPr lang="en-US"/>
@@ -1904,6 +1919,7 @@
           <a:p>
             <a:fld id="{73A38FA6-A180-4040-906A-B210CB831C1F}" type="slidenum">
               <a:rPr lang="en-US" smtClean="0"/>
+              <a:pPr/>
               <a:t>‹#›</a:t>
             </a:fld>
             <a:endParaRPr lang="en-US"/>
@@ -1952,6 +1968,7 @@
           <a:p>
             <a:fld id="{CD089F79-30FC-44C4-83E6-141ED3CABBF5}" type="datetimeFigureOut">
               <a:rPr lang="en-US" smtClean="0"/>
+              <a:pPr/>
               <a:t>10/3/2013</a:t>
             </a:fld>
             <a:endParaRPr lang="en-US"/>
@@ -1994,6 +2011,7 @@
           <a:p>
             <a:fld id="{73A38FA6-A180-4040-906A-B210CB831C1F}" type="slidenum">
               <a:rPr lang="en-US" smtClean="0"/>
+              <a:pPr/>
               <a:t>‹#›</a:t>
             </a:fld>
             <a:endParaRPr lang="en-US"/>
@@ -2224,6 +2242,7 @@
           <a:p>
             <a:fld id="{CD089F79-30FC-44C4-83E6-141ED3CABBF5}" type="datetimeFigureOut">
               <a:rPr lang="en-US" smtClean="0"/>
+              <a:pPr/>
               <a:t>10/3/2013</a:t>
             </a:fld>
             <a:endParaRPr lang="en-US"/>
@@ -2266,6 +2285,7 @@
           <a:p>
             <a:fld id="{73A38FA6-A180-4040-906A-B210CB831C1F}" type="slidenum">
               <a:rPr lang="en-US" smtClean="0"/>
+              <a:pPr/>
               <a:t>‹#›</a:t>
             </a:fld>
             <a:endParaRPr lang="en-US"/>
@@ -2472,6 +2492,7 @@
           <a:p>
             <a:fld id="{CD089F79-30FC-44C4-83E6-141ED3CABBF5}" type="datetimeFigureOut">
               <a:rPr lang="en-US" smtClean="0"/>
+              <a:pPr/>
               <a:t>10/3/2013</a:t>
             </a:fld>
             <a:endParaRPr lang="en-US"/>
@@ -2514,6 +2535,7 @@
           <a:p>
             <a:fld id="{73A38FA6-A180-4040-906A-B210CB831C1F}" type="slidenum">
               <a:rPr lang="en-US" smtClean="0"/>
+              <a:pPr/>
               <a:t>‹#›</a:t>
             </a:fld>
             <a:endParaRPr lang="en-US"/>
@@ -2680,6 +2702,7 @@
           <a:p>
             <a:fld id="{CD089F79-30FC-44C4-83E6-141ED3CABBF5}" type="datetimeFigureOut">
               <a:rPr lang="en-US" smtClean="0"/>
+              <a:pPr/>
               <a:t>10/3/2013</a:t>
             </a:fld>
             <a:endParaRPr lang="en-US"/>
@@ -2758,6 +2781,7 @@
           <a:p>
             <a:fld id="{73A38FA6-A180-4040-906A-B210CB831C1F}" type="slidenum">
               <a:rPr lang="en-US" smtClean="0"/>
+              <a:pPr/>
               <a:t>‹#›</a:t>
             </a:fld>
             <a:endParaRPr lang="en-US"/>
@@ -3071,11 +3095,7 @@
             </a:r>
             <a:r>
               <a:rPr lang="en-US" dirty="0" smtClean="0"/>
-              <a:t>Craft: </a:t>
-            </a:r>
-            <a:r>
-              <a:rPr lang="en-US" dirty="0" smtClean="0"/>
-              <a:t>#2</a:t>
+              <a:t>Craft: #2</a:t>
             </a:r>
             <a:endParaRPr lang="en-US" dirty="0"/>
           </a:p>
@@ -3241,11 +3261,7 @@
           <a:p>
             <a:r>
               <a:rPr lang="en-US" dirty="0" smtClean="0"/>
-              <a:t>std</a:t>
-            </a:r>
-            <a:r>
-              <a:rPr lang="en-US" dirty="0" smtClean="0"/>
-              <a:t>::vector&lt; </a:t>
+              <a:t>std::vector&lt; </a:t>
             </a:r>
             <a:r>
               <a:rPr lang="en-US" dirty="0" err="1" smtClean="0"/>
@@ -3479,11 +3495,7 @@
           <a:p>
             <a:r>
               <a:rPr lang="en-US" dirty="0" smtClean="0"/>
-              <a:t>size</a:t>
-            </a:r>
-            <a:r>
-              <a:rPr lang="en-US" dirty="0" smtClean="0"/>
-              <a:t>()</a:t>
+              <a:t>size()</a:t>
             </a:r>
           </a:p>
           <a:p>
@@ -3918,25 +3930,8 @@
                 <a:latin typeface="Consolas" pitchFamily="49" charset="0"/>
                 <a:cs typeface="Consolas" pitchFamily="49" charset="0"/>
               </a:rPr>
-              <a:t>();</a:t>
-            </a:r>
-            <a:r>
-              <a:rPr lang="en-US" sz="2400" dirty="0" smtClean="0">
-                <a:solidFill>
-                  <a:schemeClr val="tx1"/>
-                </a:solidFill>
-                <a:latin typeface="Consolas" pitchFamily="49" charset="0"/>
-                <a:cs typeface="Consolas" pitchFamily="49" charset="0"/>
-              </a:rPr>
-              <a:t> // C++0x</a:t>
-            </a:r>
-            <a:endParaRPr lang="en-US" sz="2400" dirty="0" smtClean="0">
-              <a:solidFill>
-                <a:schemeClr val="tx1"/>
-              </a:solidFill>
-              <a:latin typeface="Consolas" pitchFamily="49" charset="0"/>
-              <a:cs typeface="Consolas" pitchFamily="49" charset="0"/>
-            </a:endParaRPr>
+              <a:t>(); // C++0x</a:t>
+            </a:r>
           </a:p>
         </p:txBody>
       </p:sp>
@@ -4028,9 +4023,125 @@
                 <a:latin typeface="Consolas" pitchFamily="49" charset="0"/>
                 <a:cs typeface="Consolas" pitchFamily="49" charset="0"/>
               </a:rPr>
+              <a:t> std::vector&lt; </a:t>
+            </a:r>
+            <a:r>
+              <a:rPr lang="en-US" dirty="0" err="1" smtClean="0">
+                <a:solidFill>
+                  <a:schemeClr val="tx1"/>
+                </a:solidFill>
+                <a:latin typeface="Consolas" pitchFamily="49" charset="0"/>
+                <a:cs typeface="Consolas" pitchFamily="49" charset="0"/>
+              </a:rPr>
+              <a:t>int</a:t>
+            </a:r>
+            <a:r>
+              <a:rPr lang="en-US" dirty="0" smtClean="0">
+                <a:solidFill>
+                  <a:schemeClr val="tx1"/>
+                </a:solidFill>
+                <a:latin typeface="Consolas" pitchFamily="49" charset="0"/>
+                <a:cs typeface="Consolas" pitchFamily="49" charset="0"/>
+              </a:rPr>
+              <a:t> &gt; vector;</a:t>
+            </a:r>
+          </a:p>
+          <a:p>
+            <a:r>
+              <a:rPr lang="en-US" dirty="0" smtClean="0">
+                <a:solidFill>
+                  <a:schemeClr val="tx1"/>
+                </a:solidFill>
+                <a:latin typeface="Consolas" pitchFamily="49" charset="0"/>
+                <a:cs typeface="Consolas" pitchFamily="49" charset="0"/>
+              </a:rPr>
+              <a:t>vector vi( 10, 15 );</a:t>
+            </a:r>
+          </a:p>
+          <a:p>
+            <a:r>
+              <a:rPr lang="en-US" dirty="0" err="1" smtClean="0">
+                <a:solidFill>
+                  <a:schemeClr val="tx1"/>
+                </a:solidFill>
+                <a:latin typeface="Consolas" pitchFamily="49" charset="0"/>
+                <a:cs typeface="Consolas" pitchFamily="49" charset="0"/>
+              </a:rPr>
+              <a:t>typedef</a:t>
+            </a:r>
+            <a:r>
+              <a:rPr lang="en-US" dirty="0" smtClean="0">
+                <a:solidFill>
+                  <a:schemeClr val="tx1"/>
+                </a:solidFill>
+                <a:latin typeface="Consolas" pitchFamily="49" charset="0"/>
+                <a:cs typeface="Consolas" pitchFamily="49" charset="0"/>
+              </a:rPr>
+              <a:t> vector::</a:t>
+            </a:r>
+            <a:r>
+              <a:rPr lang="en-US" dirty="0" err="1" smtClean="0">
+                <a:solidFill>
+                  <a:schemeClr val="tx1"/>
+                </a:solidFill>
+                <a:latin typeface="Consolas" pitchFamily="49" charset="0"/>
+                <a:cs typeface="Consolas" pitchFamily="49" charset="0"/>
+              </a:rPr>
+              <a:t>const_iterator</a:t>
+            </a:r>
+            <a:r>
+              <a:rPr lang="en-US" dirty="0" smtClean="0">
+                <a:solidFill>
+                  <a:schemeClr val="tx1"/>
+                </a:solidFill>
+                <a:latin typeface="Consolas" pitchFamily="49" charset="0"/>
+                <a:cs typeface="Consolas" pitchFamily="49" charset="0"/>
+              </a:rPr>
+              <a:t> cit;</a:t>
+            </a:r>
+          </a:p>
+          <a:p>
+            <a:r>
+              <a:rPr lang="en-US" dirty="0" smtClean="0">
+                <a:solidFill>
+                  <a:schemeClr val="tx1"/>
+                </a:solidFill>
+                <a:latin typeface="Consolas" pitchFamily="49" charset="0"/>
+                <a:cs typeface="Consolas" pitchFamily="49" charset="0"/>
+              </a:rPr>
+              <a:t>for(vector::</a:t>
+            </a:r>
+            <a:r>
+              <a:rPr lang="en-US" dirty="0" err="1" smtClean="0">
+                <a:solidFill>
+                  <a:schemeClr val="tx1"/>
+                </a:solidFill>
+                <a:latin typeface="Consolas" pitchFamily="49" charset="0"/>
+                <a:cs typeface="Consolas" pitchFamily="49" charset="0"/>
+              </a:rPr>
+              <a:t>const_iterator</a:t>
+            </a:r>
+            <a:r>
+              <a:rPr lang="en-US" dirty="0" smtClean="0">
+                <a:solidFill>
+                  <a:schemeClr val="tx1"/>
+                </a:solidFill>
+                <a:latin typeface="Consolas" pitchFamily="49" charset="0"/>
+                <a:cs typeface="Consolas" pitchFamily="49" charset="0"/>
+              </a:rPr>
               <a:t> </a:t>
             </a:r>
             <a:r>
+              <a:rPr lang="en-US" dirty="0" err="1" smtClean="0">
+                <a:solidFill>
+                  <a:schemeClr val="tx1"/>
+                </a:solidFill>
+                <a:latin typeface="Consolas" pitchFamily="49" charset="0"/>
+                <a:cs typeface="Consolas" pitchFamily="49" charset="0"/>
+              </a:rPr>
+              <a:t>i</a:t>
+            </a:r>
+            <a:r>
               <a:rPr lang="en-US" dirty="0" smtClean="0">
                 <a:solidFill>
                   <a:schemeClr val="tx1"/>
@@ -4038,7 +4149,7 @@
                 <a:latin typeface="Consolas" pitchFamily="49" charset="0"/>
                 <a:cs typeface="Consolas" pitchFamily="49" charset="0"/>
               </a:rPr>
-              <a:t>std::vector&lt; </a:t>
+              <a:t> = </a:t>
             </a:r>
             <a:r>
               <a:rPr lang="en-US" dirty="0" err="1" smtClean="0">
@@ -4048,7 +4159,7 @@
                 <a:latin typeface="Consolas" pitchFamily="49" charset="0"/>
                 <a:cs typeface="Consolas" pitchFamily="49" charset="0"/>
               </a:rPr>
-              <a:t>int</a:t>
+              <a:t>vi.begin</a:t>
             </a:r>
             <a:r>
               <a:rPr lang="en-US" dirty="0" smtClean="0">
@@ -4058,8 +4169,82 @@
                 <a:latin typeface="Consolas" pitchFamily="49" charset="0"/>
                 <a:cs typeface="Consolas" pitchFamily="49" charset="0"/>
               </a:rPr>
-              <a:t> &gt; vector;</a:t>
-            </a:r>
+              <a:t>() ; </a:t>
+            </a:r>
+            <a:r>
+              <a:rPr lang="en-US" dirty="0" err="1" smtClean="0">
+                <a:solidFill>
+                  <a:schemeClr val="tx1"/>
+                </a:solidFill>
+                <a:latin typeface="Consolas" pitchFamily="49" charset="0"/>
+                <a:cs typeface="Consolas" pitchFamily="49" charset="0"/>
+              </a:rPr>
+              <a:t>i</a:t>
+            </a:r>
+            <a:r>
+              <a:rPr lang="en-US" dirty="0" smtClean="0">
+                <a:solidFill>
+                  <a:schemeClr val="tx1"/>
+                </a:solidFill>
+                <a:latin typeface="Consolas" pitchFamily="49" charset="0"/>
+                <a:cs typeface="Consolas" pitchFamily="49" charset="0"/>
+              </a:rPr>
+              <a:t> != </a:t>
+            </a:r>
+            <a:r>
+              <a:rPr lang="en-US" dirty="0" err="1" smtClean="0">
+                <a:solidFill>
+                  <a:schemeClr val="tx1"/>
+                </a:solidFill>
+                <a:latin typeface="Consolas" pitchFamily="49" charset="0"/>
+                <a:cs typeface="Consolas" pitchFamily="49" charset="0"/>
+              </a:rPr>
+              <a:t>vi.end</a:t>
+            </a:r>
+            <a:r>
+              <a:rPr lang="en-US" dirty="0" smtClean="0">
+                <a:solidFill>
+                  <a:schemeClr val="tx1"/>
+                </a:solidFill>
+                <a:latin typeface="Consolas" pitchFamily="49" charset="0"/>
+                <a:cs typeface="Consolas" pitchFamily="49" charset="0"/>
+              </a:rPr>
+              <a:t>() ; ++</a:t>
+            </a:r>
+            <a:r>
+              <a:rPr lang="en-US" dirty="0" err="1" smtClean="0">
+                <a:solidFill>
+                  <a:schemeClr val="tx1"/>
+                </a:solidFill>
+                <a:latin typeface="Consolas" pitchFamily="49" charset="0"/>
+                <a:cs typeface="Consolas" pitchFamily="49" charset="0"/>
+              </a:rPr>
+              <a:t>i</a:t>
+            </a:r>
+            <a:r>
+              <a:rPr lang="en-US" dirty="0" smtClean="0">
+                <a:solidFill>
+                  <a:schemeClr val="tx1"/>
+                </a:solidFill>
+                <a:latin typeface="Consolas" pitchFamily="49" charset="0"/>
+                <a:cs typeface="Consolas" pitchFamily="49" charset="0"/>
+              </a:rPr>
+              <a:t> ) </a:t>
+            </a:r>
+          </a:p>
+          <a:p>
+            <a:r>
+              <a:rPr lang="en-US" dirty="0" smtClean="0">
+                <a:solidFill>
+                  <a:schemeClr val="tx1"/>
+                </a:solidFill>
+                <a:latin typeface="Consolas" pitchFamily="49" charset="0"/>
+                <a:cs typeface="Consolas" pitchFamily="49" charset="0"/>
+              </a:rPr>
+              <a:t>{}</a:t>
+            </a:r>
+          </a:p>
+          <a:p>
             <a:endParaRPr lang="en-US" dirty="0" smtClean="0">
               <a:solidFill>
                 <a:schemeClr val="tx1"/>
@@ -4077,234 +4262,7 @@
                 <a:latin typeface="Consolas" pitchFamily="49" charset="0"/>
                 <a:cs typeface="Consolas" pitchFamily="49" charset="0"/>
               </a:rPr>
-              <a:t>vector vi( 10, 15 );</a:t>
-            </a:r>
-          </a:p>
-          <a:p>
-            <a:r>
-              <a:rPr lang="en-US" dirty="0" err="1" smtClean="0">
-                <a:solidFill>
-                  <a:schemeClr val="tx1"/>
-                </a:solidFill>
-                <a:latin typeface="Consolas" pitchFamily="49" charset="0"/>
-                <a:cs typeface="Consolas" pitchFamily="49" charset="0"/>
-              </a:rPr>
-              <a:t>typedef</a:t>
-            </a:r>
-            <a:r>
-              <a:rPr lang="en-US" dirty="0" smtClean="0">
-                <a:solidFill>
-                  <a:schemeClr val="tx1"/>
-                </a:solidFill>
-                <a:latin typeface="Consolas" pitchFamily="49" charset="0"/>
-                <a:cs typeface="Consolas" pitchFamily="49" charset="0"/>
-              </a:rPr>
-              <a:t> vector::</a:t>
-            </a:r>
-            <a:r>
-              <a:rPr lang="en-US" dirty="0" err="1" smtClean="0">
-                <a:solidFill>
-                  <a:schemeClr val="tx1"/>
-                </a:solidFill>
-                <a:latin typeface="Consolas" pitchFamily="49" charset="0"/>
-                <a:cs typeface="Consolas" pitchFamily="49" charset="0"/>
-              </a:rPr>
-              <a:t>const_iterator</a:t>
-            </a:r>
-            <a:r>
-              <a:rPr lang="en-US" dirty="0" smtClean="0">
-                <a:solidFill>
-                  <a:schemeClr val="tx1"/>
-                </a:solidFill>
-                <a:latin typeface="Consolas" pitchFamily="49" charset="0"/>
-                <a:cs typeface="Consolas" pitchFamily="49" charset="0"/>
-              </a:rPr>
-              <a:t> cit;</a:t>
-            </a:r>
-          </a:p>
-          <a:p>
-            <a:r>
-              <a:rPr lang="en-US" dirty="0" smtClean="0">
-                <a:solidFill>
-                  <a:schemeClr val="tx1"/>
-                </a:solidFill>
-                <a:latin typeface="Consolas" pitchFamily="49" charset="0"/>
-                <a:cs typeface="Consolas" pitchFamily="49" charset="0"/>
-              </a:rPr>
-              <a:t>for(</a:t>
-            </a:r>
-            <a:r>
-              <a:rPr lang="en-US" dirty="0" smtClean="0">
-                <a:solidFill>
-                  <a:schemeClr val="tx1"/>
-                </a:solidFill>
-                <a:latin typeface="Consolas" pitchFamily="49" charset="0"/>
-                <a:cs typeface="Consolas" pitchFamily="49" charset="0"/>
-              </a:rPr>
-              <a:t>vector::</a:t>
-            </a:r>
-            <a:r>
-              <a:rPr lang="en-US" dirty="0" err="1" smtClean="0">
-                <a:solidFill>
-                  <a:schemeClr val="tx1"/>
-                </a:solidFill>
-                <a:latin typeface="Consolas" pitchFamily="49" charset="0"/>
-                <a:cs typeface="Consolas" pitchFamily="49" charset="0"/>
-              </a:rPr>
-              <a:t>const_iterator</a:t>
-            </a:r>
-            <a:r>
-              <a:rPr lang="en-US" dirty="0" smtClean="0">
-                <a:solidFill>
-                  <a:schemeClr val="tx1"/>
-                </a:solidFill>
-                <a:latin typeface="Consolas" pitchFamily="49" charset="0"/>
-                <a:cs typeface="Consolas" pitchFamily="49" charset="0"/>
-              </a:rPr>
-              <a:t> </a:t>
-            </a:r>
-            <a:r>
-              <a:rPr lang="en-US" dirty="0" err="1" smtClean="0">
-                <a:solidFill>
-                  <a:schemeClr val="tx1"/>
-                </a:solidFill>
-                <a:latin typeface="Consolas" pitchFamily="49" charset="0"/>
-                <a:cs typeface="Consolas" pitchFamily="49" charset="0"/>
-              </a:rPr>
-              <a:t>i</a:t>
-            </a:r>
-            <a:r>
-              <a:rPr lang="en-US" dirty="0" smtClean="0">
-                <a:solidFill>
-                  <a:schemeClr val="tx1"/>
-                </a:solidFill>
-                <a:latin typeface="Consolas" pitchFamily="49" charset="0"/>
-                <a:cs typeface="Consolas" pitchFamily="49" charset="0"/>
-              </a:rPr>
-              <a:t> = </a:t>
-            </a:r>
-            <a:r>
-              <a:rPr lang="en-US" dirty="0" err="1" smtClean="0">
-                <a:solidFill>
-                  <a:schemeClr val="tx1"/>
-                </a:solidFill>
-                <a:latin typeface="Consolas" pitchFamily="49" charset="0"/>
-                <a:cs typeface="Consolas" pitchFamily="49" charset="0"/>
-              </a:rPr>
-              <a:t>vi.begin</a:t>
-            </a:r>
-            <a:r>
-              <a:rPr lang="en-US" dirty="0" smtClean="0">
-                <a:solidFill>
-                  <a:schemeClr val="tx1"/>
-                </a:solidFill>
-                <a:latin typeface="Consolas" pitchFamily="49" charset="0"/>
-                <a:cs typeface="Consolas" pitchFamily="49" charset="0"/>
-              </a:rPr>
-              <a:t>() ; </a:t>
-            </a:r>
-            <a:r>
-              <a:rPr lang="en-US" dirty="0" err="1" smtClean="0">
-                <a:solidFill>
-                  <a:schemeClr val="tx1"/>
-                </a:solidFill>
-                <a:latin typeface="Consolas" pitchFamily="49" charset="0"/>
-                <a:cs typeface="Consolas" pitchFamily="49" charset="0"/>
-              </a:rPr>
-              <a:t>i</a:t>
-            </a:r>
-            <a:r>
-              <a:rPr lang="en-US" dirty="0" smtClean="0">
-                <a:solidFill>
-                  <a:schemeClr val="tx1"/>
-                </a:solidFill>
-                <a:latin typeface="Consolas" pitchFamily="49" charset="0"/>
-                <a:cs typeface="Consolas" pitchFamily="49" charset="0"/>
-              </a:rPr>
-              <a:t> != </a:t>
-            </a:r>
-            <a:r>
-              <a:rPr lang="en-US" dirty="0" err="1" smtClean="0">
-                <a:solidFill>
-                  <a:schemeClr val="tx1"/>
-                </a:solidFill>
-                <a:latin typeface="Consolas" pitchFamily="49" charset="0"/>
-                <a:cs typeface="Consolas" pitchFamily="49" charset="0"/>
-              </a:rPr>
-              <a:t>vi.end</a:t>
-            </a:r>
-            <a:r>
-              <a:rPr lang="en-US" dirty="0" smtClean="0">
-                <a:solidFill>
-                  <a:schemeClr val="tx1"/>
-                </a:solidFill>
-                <a:latin typeface="Consolas" pitchFamily="49" charset="0"/>
-                <a:cs typeface="Consolas" pitchFamily="49" charset="0"/>
-              </a:rPr>
-              <a:t>() ; ++</a:t>
-            </a:r>
-            <a:r>
-              <a:rPr lang="en-US" dirty="0" err="1" smtClean="0">
-                <a:solidFill>
-                  <a:schemeClr val="tx1"/>
-                </a:solidFill>
-                <a:latin typeface="Consolas" pitchFamily="49" charset="0"/>
-                <a:cs typeface="Consolas" pitchFamily="49" charset="0"/>
-              </a:rPr>
-              <a:t>i</a:t>
-            </a:r>
-            <a:r>
-              <a:rPr lang="en-US" dirty="0" smtClean="0">
-                <a:solidFill>
-                  <a:schemeClr val="tx1"/>
-                </a:solidFill>
-                <a:latin typeface="Consolas" pitchFamily="49" charset="0"/>
-                <a:cs typeface="Consolas" pitchFamily="49" charset="0"/>
-              </a:rPr>
-              <a:t> ) </a:t>
-            </a:r>
-          </a:p>
-          <a:p>
-            <a:r>
-              <a:rPr lang="en-US" dirty="0" smtClean="0">
-                <a:solidFill>
-                  <a:schemeClr val="tx1"/>
-                </a:solidFill>
-                <a:latin typeface="Consolas" pitchFamily="49" charset="0"/>
-                <a:cs typeface="Consolas" pitchFamily="49" charset="0"/>
-              </a:rPr>
-              <a:t>{}</a:t>
-            </a:r>
-          </a:p>
-          <a:p>
-            <a:endParaRPr lang="en-US" dirty="0" smtClean="0">
-              <a:solidFill>
-                <a:schemeClr val="tx1"/>
-              </a:solidFill>
-              <a:latin typeface="Consolas" pitchFamily="49" charset="0"/>
-              <a:cs typeface="Consolas" pitchFamily="49" charset="0"/>
-            </a:endParaRPr>
-          </a:p>
-          <a:p>
-            <a:r>
-              <a:rPr lang="en-US" dirty="0" smtClean="0">
-                <a:solidFill>
-                  <a:schemeClr val="tx1"/>
-                </a:solidFill>
-                <a:latin typeface="Consolas" pitchFamily="49" charset="0"/>
-                <a:cs typeface="Consolas" pitchFamily="49" charset="0"/>
-              </a:rPr>
-              <a:t>for(</a:t>
-            </a:r>
-            <a:r>
-              <a:rPr lang="en-US" dirty="0" smtClean="0">
-                <a:solidFill>
-                  <a:schemeClr val="tx1"/>
-                </a:solidFill>
-                <a:latin typeface="Consolas" pitchFamily="49" charset="0"/>
-                <a:cs typeface="Consolas" pitchFamily="49" charset="0"/>
-              </a:rPr>
-              <a:t>vector::</a:t>
+              <a:t>for(vector::</a:t>
             </a:r>
             <a:r>
               <a:rPr lang="en-US" dirty="0" err="1" smtClean="0">
@@ -4781,13 +4739,6 @@
               </a:rPr>
               <a:t>() );</a:t>
             </a:r>
-            <a:endParaRPr lang="en-US" sz="2000" dirty="0" smtClean="0">
-              <a:solidFill>
-                <a:schemeClr val="tx1"/>
-              </a:solidFill>
-              <a:latin typeface="Consolas" pitchFamily="49" charset="0"/>
-              <a:cs typeface="Consolas" pitchFamily="49" charset="0"/>
-            </a:endParaRPr>
           </a:p>
           <a:p>
             <a:endParaRPr lang="en-US" sz="2000" dirty="0" smtClean="0">
@@ -5346,11 +5297,7 @@
             </a:r>
             <a:r>
               <a:rPr lang="en-US" sz="2400" dirty="0" smtClean="0"/>
-              <a:t> STL. </a:t>
-            </a:r>
-            <a:r>
-              <a:rPr lang="en-US" sz="2400" dirty="0" smtClean="0"/>
-              <a:t>Part 1, Part 2 and Part 3.</a:t>
+              <a:t> STL. Part 1, Part 2 and Part 3.</a:t>
             </a:r>
             <a:endParaRPr lang="ru-RU" sz="2400" dirty="0" smtClean="0"/>
           </a:p>
@@ -5478,12 +5425,12 @@
               <a:t>– </a:t>
             </a:r>
             <a:r>
-              <a:rPr lang="ru-RU" dirty="0" err="1" smtClean="0"/>
-              <a:t>обявление</a:t>
-            </a:r>
-            <a:r>
               <a:rPr lang="ru-RU" dirty="0" smtClean="0"/>
-              <a:t> (только один раз )</a:t>
+              <a:t>объявление </a:t>
+            </a:r>
+            <a:r>
+              <a:rPr lang="ru-RU" dirty="0" smtClean="0"/>
+              <a:t>(только один раз )</a:t>
             </a:r>
             <a:endParaRPr lang="en-US" dirty="0" smtClean="0"/>
           </a:p>
@@ -6331,34 +6278,18 @@
           </a:bodyPr>
           <a:lstStyle/>
           <a:p>
-            <a:pPr>
+            <a:pPr algn="ctr">
               <a:buNone/>
             </a:pPr>
             <a:r>
               <a:rPr lang="en-US" dirty="0" smtClean="0"/>
-              <a:t>d[5</a:t>
-            </a:r>
-            <a:r>
-              <a:rPr lang="en-US" dirty="0" smtClean="0"/>
-              <a:t>]    </a:t>
+              <a:t>d[5]    </a:t>
             </a:r>
             <a:r>
               <a:rPr lang="en-US" dirty="0" smtClean="0">
                 <a:sym typeface="Wingdings" pitchFamily="2" charset="2"/>
               </a:rPr>
-              <a:t>     *(d+5)               </a:t>
-            </a:r>
-            <a:r>
-              <a:rPr lang="en-US" dirty="0" smtClean="0">
-                <a:sym typeface="Wingdings" pitchFamily="2" charset="2"/>
-              </a:rPr>
-              <a:t>5</a:t>
-            </a:r>
-            <a:r>
-              <a:rPr lang="en-US" dirty="0" smtClean="0">
-                <a:sym typeface="Wingdings" pitchFamily="2" charset="2"/>
-              </a:rPr>
-              <a:t>[d] </a:t>
+              <a:t>     *(d+5)               5[d] </a:t>
             </a:r>
             <a:endParaRPr lang="en-US" dirty="0"/>
           </a:p>
@@ -6440,10 +6371,6 @@
               </a:rPr>
               <a:t> c[] = {0,0,0,0,0,0};</a:t>
             </a:r>
-            <a:endParaRPr lang="en-US" sz="2400" dirty="0" smtClean="0">
-              <a:latin typeface="Consolas" pitchFamily="49" charset="0"/>
-              <a:cs typeface="Consolas" pitchFamily="49" charset="0"/>
-            </a:endParaRPr>
           </a:p>
         </p:txBody>
       </p:sp>
@@ -6535,10 +6462,6 @@
               </a:rPr>
               <a:t>delete [] d;</a:t>
             </a:r>
-            <a:endParaRPr lang="en-US" sz="2400" dirty="0" smtClean="0">
-              <a:latin typeface="Consolas" pitchFamily="49" charset="0"/>
-              <a:cs typeface="Consolas" pitchFamily="49" charset="0"/>
-            </a:endParaRPr>
           </a:p>
         </p:txBody>
       </p:sp>
@@ -6606,11 +6529,7 @@
             </a:r>
             <a:r>
               <a:rPr lang="ru-RU" sz="3600" dirty="0" smtClean="0"/>
-              <a:t>для решения простых </a:t>
-            </a:r>
-            <a:r>
-              <a:rPr lang="ru-RU" sz="3600" dirty="0" smtClean="0"/>
-              <a:t>задач</a:t>
+              <a:t>для решения простых задач</a:t>
             </a:r>
             <a:endParaRPr lang="en-US" sz="3600" dirty="0"/>
           </a:p>
@@ -6669,23 +6588,17 @@
               <a:rPr lang="en-US" dirty="0" smtClean="0"/>
               <a:t>std::string</a:t>
             </a:r>
-            <a:endParaRPr lang="en-US" dirty="0" smtClean="0"/>
           </a:p>
           <a:p>
             <a:r>
               <a:rPr lang="en-US" dirty="0" smtClean="0"/>
               <a:t>std::vector</a:t>
             </a:r>
-            <a:endParaRPr lang="en-US" dirty="0" smtClean="0"/>
           </a:p>
           <a:p>
             <a:r>
               <a:rPr lang="en-US" dirty="0" smtClean="0"/>
-              <a:t>std</a:t>
-            </a:r>
-            <a:r>
-              <a:rPr lang="en-US" dirty="0" smtClean="0"/>
-              <a:t>::list</a:t>
+              <a:t>std::list</a:t>
             </a:r>
           </a:p>
           <a:p>
@@ -7385,13 +7298,6 @@
               </a:rPr>
               <a:t>();</a:t>
             </a:r>
-            <a:endParaRPr lang="en-US" dirty="0" smtClean="0">
-              <a:solidFill>
-                <a:schemeClr val="tx1"/>
-              </a:solidFill>
-              <a:latin typeface="Consolas" pitchFamily="49" charset="0"/>
-              <a:cs typeface="Consolas" pitchFamily="49" charset="0"/>
-            </a:endParaRPr>
           </a:p>
           <a:p>
             <a:endParaRPr lang="en-US" dirty="0" smtClean="0">
@@ -7775,7 +7681,17 @@
                 <a:latin typeface="Consolas" pitchFamily="49" charset="0"/>
                 <a:cs typeface="Consolas" pitchFamily="49" charset="0"/>
               </a:rPr>
-              <a:t>::in | </a:t>
+              <a:t>::in | std::</a:t>
+            </a:r>
+            <a:r>
+              <a:rPr lang="en-US" dirty="0" err="1" smtClean="0">
+                <a:solidFill>
+                  <a:schemeClr val="tx1"/>
+                </a:solidFill>
+                <a:latin typeface="Consolas" pitchFamily="49" charset="0"/>
+                <a:cs typeface="Consolas" pitchFamily="49" charset="0"/>
+              </a:rPr>
+              <a:t>fstream</a:t>
             </a:r>
             <a:r>
               <a:rPr lang="en-US" dirty="0" smtClean="0">
@@ -7785,37 +7701,7 @@
                 <a:latin typeface="Consolas" pitchFamily="49" charset="0"/>
                 <a:cs typeface="Consolas" pitchFamily="49" charset="0"/>
               </a:rPr>
-              <a:t>std::</a:t>
-            </a:r>
-            <a:r>
-              <a:rPr lang="en-US" dirty="0" err="1" smtClean="0">
-                <a:solidFill>
-                  <a:schemeClr val="tx1"/>
-                </a:solidFill>
-                <a:latin typeface="Consolas" pitchFamily="49" charset="0"/>
-                <a:cs typeface="Consolas" pitchFamily="49" charset="0"/>
-              </a:rPr>
-              <a:t>fstream</a:t>
-            </a:r>
-            <a:r>
-              <a:rPr lang="en-US" dirty="0" smtClean="0">
-                <a:solidFill>
-                  <a:schemeClr val="tx1"/>
-                </a:solidFill>
-                <a:latin typeface="Consolas" pitchFamily="49" charset="0"/>
-                <a:cs typeface="Consolas" pitchFamily="49" charset="0"/>
-              </a:rPr>
-              <a:t>::binary </a:t>
-            </a:r>
-            <a:r>
-              <a:rPr lang="en-US" dirty="0" smtClean="0">
-                <a:solidFill>
-                  <a:schemeClr val="tx1"/>
-                </a:solidFill>
-                <a:latin typeface="Consolas" pitchFamily="49" charset="0"/>
-                <a:cs typeface="Consolas" pitchFamily="49" charset="0"/>
-              </a:rPr>
-              <a:t>);</a:t>
+              <a:t>::binary );</a:t>
             </a:r>
           </a:p>
           <a:p>
@@ -8038,11 +7924,7 @@
           <a:p>
             <a:r>
               <a:rPr lang="en-US" sz="2800" dirty="0" smtClean="0"/>
-              <a:t>size</a:t>
-            </a:r>
-            <a:r>
-              <a:rPr lang="en-US" sz="2800" dirty="0" smtClean="0"/>
-              <a:t>()</a:t>
+              <a:t>size()</a:t>
             </a:r>
           </a:p>
           <a:p>

--- a/lections/cpp_craft_lec_1_part_2_v1_2.pptx
+++ b/lections/cpp_craft_lec_1_part_2_v1_2.pptx
@@ -303,7 +303,8 @@
           <a:p>
             <a:fld id="{CD089F79-30FC-44C4-83E6-141ED3CABBF5}" type="datetimeFigureOut">
               <a:rPr lang="en-US" smtClean="0"/>
-              <a:t>10/3/2013</a:t>
+              <a:pPr/>
+              <a:t>10/4/2013</a:t>
             </a:fld>
             <a:endParaRPr lang="en-US"/>
           </a:p>
@@ -345,6 +346,7 @@
           <a:p>
             <a:fld id="{73A38FA6-A180-4040-906A-B210CB831C1F}" type="slidenum">
               <a:rPr lang="en-US" smtClean="0"/>
+              <a:pPr/>
               <a:t>‹#›</a:t>
             </a:fld>
             <a:endParaRPr lang="en-US"/>
@@ -468,7 +470,8 @@
           <a:p>
             <a:fld id="{CD089F79-30FC-44C4-83E6-141ED3CABBF5}" type="datetimeFigureOut">
               <a:rPr lang="en-US" smtClean="0"/>
-              <a:t>10/3/2013</a:t>
+              <a:pPr/>
+              <a:t>10/4/2013</a:t>
             </a:fld>
             <a:endParaRPr lang="en-US"/>
           </a:p>
@@ -510,6 +513,7 @@
           <a:p>
             <a:fld id="{73A38FA6-A180-4040-906A-B210CB831C1F}" type="slidenum">
               <a:rPr lang="en-US" smtClean="0"/>
+              <a:pPr/>
               <a:t>‹#›</a:t>
             </a:fld>
             <a:endParaRPr lang="en-US"/>
@@ -643,7 +647,8 @@
           <a:p>
             <a:fld id="{CD089F79-30FC-44C4-83E6-141ED3CABBF5}" type="datetimeFigureOut">
               <a:rPr lang="en-US" smtClean="0"/>
-              <a:t>10/3/2013</a:t>
+              <a:pPr/>
+              <a:t>10/4/2013</a:t>
             </a:fld>
             <a:endParaRPr lang="en-US"/>
           </a:p>
@@ -685,6 +690,7 @@
           <a:p>
             <a:fld id="{73A38FA6-A180-4040-906A-B210CB831C1F}" type="slidenum">
               <a:rPr lang="en-US" smtClean="0"/>
+              <a:pPr/>
               <a:t>‹#›</a:t>
             </a:fld>
             <a:endParaRPr lang="en-US"/>
@@ -808,7 +814,8 @@
           <a:p>
             <a:fld id="{CD089F79-30FC-44C4-83E6-141ED3CABBF5}" type="datetimeFigureOut">
               <a:rPr lang="en-US" smtClean="0"/>
-              <a:t>10/3/2013</a:t>
+              <a:pPr/>
+              <a:t>10/4/2013</a:t>
             </a:fld>
             <a:endParaRPr lang="en-US"/>
           </a:p>
@@ -850,6 +857,7 @@
           <a:p>
             <a:fld id="{73A38FA6-A180-4040-906A-B210CB831C1F}" type="slidenum">
               <a:rPr lang="en-US" smtClean="0"/>
+              <a:pPr/>
               <a:t>‹#›</a:t>
             </a:fld>
             <a:endParaRPr lang="en-US"/>
@@ -1049,7 +1057,8 @@
           <a:p>
             <a:fld id="{CD089F79-30FC-44C4-83E6-141ED3CABBF5}" type="datetimeFigureOut">
               <a:rPr lang="en-US" smtClean="0"/>
-              <a:t>10/3/2013</a:t>
+              <a:pPr/>
+              <a:t>10/4/2013</a:t>
             </a:fld>
             <a:endParaRPr lang="en-US"/>
           </a:p>
@@ -1091,6 +1100,7 @@
           <a:p>
             <a:fld id="{73A38FA6-A180-4040-906A-B210CB831C1F}" type="slidenum">
               <a:rPr lang="en-US" smtClean="0"/>
+              <a:pPr/>
               <a:t>‹#›</a:t>
             </a:fld>
             <a:endParaRPr lang="en-US"/>
@@ -1332,7 +1342,8 @@
           <a:p>
             <a:fld id="{CD089F79-30FC-44C4-83E6-141ED3CABBF5}" type="datetimeFigureOut">
               <a:rPr lang="en-US" smtClean="0"/>
-              <a:t>10/3/2013</a:t>
+              <a:pPr/>
+              <a:t>10/4/2013</a:t>
             </a:fld>
             <a:endParaRPr lang="en-US"/>
           </a:p>
@@ -1374,6 +1385,7 @@
           <a:p>
             <a:fld id="{73A38FA6-A180-4040-906A-B210CB831C1F}" type="slidenum">
               <a:rPr lang="en-US" smtClean="0"/>
+              <a:pPr/>
               <a:t>‹#›</a:t>
             </a:fld>
             <a:endParaRPr lang="en-US"/>
@@ -1749,7 +1761,8 @@
           <a:p>
             <a:fld id="{CD089F79-30FC-44C4-83E6-141ED3CABBF5}" type="datetimeFigureOut">
               <a:rPr lang="en-US" smtClean="0"/>
-              <a:t>10/3/2013</a:t>
+              <a:pPr/>
+              <a:t>10/4/2013</a:t>
             </a:fld>
             <a:endParaRPr lang="en-US"/>
           </a:p>
@@ -1791,6 +1804,7 @@
           <a:p>
             <a:fld id="{73A38FA6-A180-4040-906A-B210CB831C1F}" type="slidenum">
               <a:rPr lang="en-US" smtClean="0"/>
+              <a:pPr/>
               <a:t>‹#›</a:t>
             </a:fld>
             <a:endParaRPr lang="en-US"/>
@@ -1862,7 +1876,8 @@
           <a:p>
             <a:fld id="{CD089F79-30FC-44C4-83E6-141ED3CABBF5}" type="datetimeFigureOut">
               <a:rPr lang="en-US" smtClean="0"/>
-              <a:t>10/3/2013</a:t>
+              <a:pPr/>
+              <a:t>10/4/2013</a:t>
             </a:fld>
             <a:endParaRPr lang="en-US"/>
           </a:p>
@@ -1904,6 +1919,7 @@
           <a:p>
             <a:fld id="{73A38FA6-A180-4040-906A-B210CB831C1F}" type="slidenum">
               <a:rPr lang="en-US" smtClean="0"/>
+              <a:pPr/>
               <a:t>‹#›</a:t>
             </a:fld>
             <a:endParaRPr lang="en-US"/>
@@ -1952,7 +1968,8 @@
           <a:p>
             <a:fld id="{CD089F79-30FC-44C4-83E6-141ED3CABBF5}" type="datetimeFigureOut">
               <a:rPr lang="en-US" smtClean="0"/>
-              <a:t>10/3/2013</a:t>
+              <a:pPr/>
+              <a:t>10/4/2013</a:t>
             </a:fld>
             <a:endParaRPr lang="en-US"/>
           </a:p>
@@ -1994,6 +2011,7 @@
           <a:p>
             <a:fld id="{73A38FA6-A180-4040-906A-B210CB831C1F}" type="slidenum">
               <a:rPr lang="en-US" smtClean="0"/>
+              <a:pPr/>
               <a:t>‹#›</a:t>
             </a:fld>
             <a:endParaRPr lang="en-US"/>
@@ -2224,7 +2242,8 @@
           <a:p>
             <a:fld id="{CD089F79-30FC-44C4-83E6-141ED3CABBF5}" type="datetimeFigureOut">
               <a:rPr lang="en-US" smtClean="0"/>
-              <a:t>10/3/2013</a:t>
+              <a:pPr/>
+              <a:t>10/4/2013</a:t>
             </a:fld>
             <a:endParaRPr lang="en-US"/>
           </a:p>
@@ -2266,6 +2285,7 @@
           <a:p>
             <a:fld id="{73A38FA6-A180-4040-906A-B210CB831C1F}" type="slidenum">
               <a:rPr lang="en-US" smtClean="0"/>
+              <a:pPr/>
               <a:t>‹#›</a:t>
             </a:fld>
             <a:endParaRPr lang="en-US"/>
@@ -2472,7 +2492,8 @@
           <a:p>
             <a:fld id="{CD089F79-30FC-44C4-83E6-141ED3CABBF5}" type="datetimeFigureOut">
               <a:rPr lang="en-US" smtClean="0"/>
-              <a:t>10/3/2013</a:t>
+              <a:pPr/>
+              <a:t>10/4/2013</a:t>
             </a:fld>
             <a:endParaRPr lang="en-US"/>
           </a:p>
@@ -2514,6 +2535,7 @@
           <a:p>
             <a:fld id="{73A38FA6-A180-4040-906A-B210CB831C1F}" type="slidenum">
               <a:rPr lang="en-US" smtClean="0"/>
+              <a:pPr/>
               <a:t>‹#›</a:t>
             </a:fld>
             <a:endParaRPr lang="en-US"/>
@@ -2680,7 +2702,8 @@
           <a:p>
             <a:fld id="{CD089F79-30FC-44C4-83E6-141ED3CABBF5}" type="datetimeFigureOut">
               <a:rPr lang="en-US" smtClean="0"/>
-              <a:t>10/3/2013</a:t>
+              <a:pPr/>
+              <a:t>10/4/2013</a:t>
             </a:fld>
             <a:endParaRPr lang="en-US"/>
           </a:p>
@@ -2758,6 +2781,7 @@
           <a:p>
             <a:fld id="{73A38FA6-A180-4040-906A-B210CB831C1F}" type="slidenum">
               <a:rPr lang="en-US" smtClean="0"/>
+              <a:pPr/>
               <a:t>‹#›</a:t>
             </a:fld>
             <a:endParaRPr lang="en-US"/>
@@ -3071,11 +3095,7 @@
             </a:r>
             <a:r>
               <a:rPr lang="en-US" dirty="0" smtClean="0"/>
-              <a:t>Craft: </a:t>
-            </a:r>
-            <a:r>
-              <a:rPr lang="en-US" dirty="0" smtClean="0"/>
-              <a:t>#2</a:t>
+              <a:t>Craft: #2</a:t>
             </a:r>
             <a:endParaRPr lang="en-US" dirty="0"/>
           </a:p>
@@ -3241,11 +3261,7 @@
           <a:p>
             <a:r>
               <a:rPr lang="en-US" dirty="0" smtClean="0"/>
-              <a:t>std</a:t>
-            </a:r>
-            <a:r>
-              <a:rPr lang="en-US" dirty="0" smtClean="0"/>
-              <a:t>::vector&lt; </a:t>
+              <a:t>std::vector&lt; </a:t>
             </a:r>
             <a:r>
               <a:rPr lang="en-US" dirty="0" err="1" smtClean="0"/>
@@ -3479,11 +3495,7 @@
           <a:p>
             <a:r>
               <a:rPr lang="en-US" dirty="0" smtClean="0"/>
-              <a:t>size</a:t>
-            </a:r>
-            <a:r>
-              <a:rPr lang="en-US" dirty="0" smtClean="0"/>
-              <a:t>()</a:t>
+              <a:t>size()</a:t>
             </a:r>
           </a:p>
           <a:p>
@@ -3918,25 +3930,8 @@
                 <a:latin typeface="Consolas" pitchFamily="49" charset="0"/>
                 <a:cs typeface="Consolas" pitchFamily="49" charset="0"/>
               </a:rPr>
-              <a:t>();</a:t>
-            </a:r>
-            <a:r>
-              <a:rPr lang="en-US" sz="2400" dirty="0" smtClean="0">
-                <a:solidFill>
-                  <a:schemeClr val="tx1"/>
-                </a:solidFill>
-                <a:latin typeface="Consolas" pitchFamily="49" charset="0"/>
-                <a:cs typeface="Consolas" pitchFamily="49" charset="0"/>
-              </a:rPr>
-              <a:t> // C++0x</a:t>
-            </a:r>
-            <a:endParaRPr lang="en-US" sz="2400" dirty="0" smtClean="0">
-              <a:solidFill>
-                <a:schemeClr val="tx1"/>
-              </a:solidFill>
-              <a:latin typeface="Consolas" pitchFamily="49" charset="0"/>
-              <a:cs typeface="Consolas" pitchFamily="49" charset="0"/>
-            </a:endParaRPr>
+              <a:t>(); // C++0x</a:t>
+            </a:r>
           </a:p>
         </p:txBody>
       </p:sp>
@@ -3980,8 +3975,8 @@
         </p:nvSpPr>
         <p:spPr>
           <a:xfrm>
-            <a:off x="228600" y="1447800"/>
-            <a:ext cx="8763000" cy="4114800"/>
+            <a:off x="228600" y="1676400"/>
+            <a:ext cx="8763000" cy="2819400"/>
           </a:xfrm>
           <a:prstGeom prst="roundRect">
             <a:avLst/>
@@ -4028,9 +4023,93 @@
                 <a:latin typeface="Consolas" pitchFamily="49" charset="0"/>
                 <a:cs typeface="Consolas" pitchFamily="49" charset="0"/>
               </a:rPr>
+              <a:t> std::vector&lt; </a:t>
+            </a:r>
+            <a:r>
+              <a:rPr lang="en-US" dirty="0" err="1" smtClean="0">
+                <a:solidFill>
+                  <a:schemeClr val="tx1"/>
+                </a:solidFill>
+                <a:latin typeface="Consolas" pitchFamily="49" charset="0"/>
+                <a:cs typeface="Consolas" pitchFamily="49" charset="0"/>
+              </a:rPr>
+              <a:t>int</a:t>
+            </a:r>
+            <a:r>
+              <a:rPr lang="en-US" dirty="0" smtClean="0">
+                <a:solidFill>
+                  <a:schemeClr val="tx1"/>
+                </a:solidFill>
+                <a:latin typeface="Consolas" pitchFamily="49" charset="0"/>
+                <a:cs typeface="Consolas" pitchFamily="49" charset="0"/>
+              </a:rPr>
+              <a:t> &gt; vector;</a:t>
+            </a:r>
+          </a:p>
+          <a:p>
+            <a:r>
+              <a:rPr lang="en-US" dirty="0" smtClean="0">
+                <a:solidFill>
+                  <a:schemeClr val="tx1"/>
+                </a:solidFill>
+                <a:latin typeface="Consolas" pitchFamily="49" charset="0"/>
+                <a:cs typeface="Consolas" pitchFamily="49" charset="0"/>
+              </a:rPr>
+              <a:t>vector vi( 10, 15 );</a:t>
+            </a:r>
+          </a:p>
+          <a:p>
+            <a:r>
+              <a:rPr lang="en-US" dirty="0" smtClean="0">
+                <a:solidFill>
+                  <a:schemeClr val="tx1"/>
+                </a:solidFill>
+                <a:latin typeface="Consolas" pitchFamily="49" charset="0"/>
+                <a:cs typeface="Consolas" pitchFamily="49" charset="0"/>
+              </a:rPr>
+              <a:t>for(vector</a:t>
+            </a:r>
+            <a:r>
+              <a:rPr lang="en-US" dirty="0" smtClean="0">
+                <a:solidFill>
+                  <a:schemeClr val="tx1"/>
+                </a:solidFill>
+                <a:latin typeface="Consolas" pitchFamily="49" charset="0"/>
+                <a:cs typeface="Consolas" pitchFamily="49" charset="0"/>
+              </a:rPr>
+              <a:t>::</a:t>
+            </a:r>
+            <a:r>
+              <a:rPr lang="en-US" dirty="0" err="1" smtClean="0">
+                <a:solidFill>
+                  <a:schemeClr val="tx1"/>
+                </a:solidFill>
+                <a:latin typeface="Consolas" pitchFamily="49" charset="0"/>
+                <a:cs typeface="Consolas" pitchFamily="49" charset="0"/>
+              </a:rPr>
+              <a:t>const_iterator</a:t>
+            </a:r>
+            <a:r>
+              <a:rPr lang="en-US" dirty="0" smtClean="0">
+                <a:solidFill>
+                  <a:schemeClr val="tx1"/>
+                </a:solidFill>
+                <a:latin typeface="Consolas" pitchFamily="49" charset="0"/>
+                <a:cs typeface="Consolas" pitchFamily="49" charset="0"/>
+              </a:rPr>
               <a:t> </a:t>
             </a:r>
             <a:r>
+              <a:rPr lang="en-US" dirty="0" err="1" smtClean="0">
+                <a:solidFill>
+                  <a:schemeClr val="tx1"/>
+                </a:solidFill>
+                <a:latin typeface="Consolas" pitchFamily="49" charset="0"/>
+                <a:cs typeface="Consolas" pitchFamily="49" charset="0"/>
+              </a:rPr>
+              <a:t>i</a:t>
+            </a:r>
+            <a:r>
               <a:rPr lang="en-US" dirty="0" smtClean="0">
                 <a:solidFill>
                   <a:schemeClr val="tx1"/>
@@ -4038,7 +4117,7 @@
                 <a:latin typeface="Consolas" pitchFamily="49" charset="0"/>
                 <a:cs typeface="Consolas" pitchFamily="49" charset="0"/>
               </a:rPr>
-              <a:t>std::vector&lt; </a:t>
+              <a:t> = </a:t>
             </a:r>
             <a:r>
               <a:rPr lang="en-US" dirty="0" err="1" smtClean="0">
@@ -4048,7 +4127,7 @@
                 <a:latin typeface="Consolas" pitchFamily="49" charset="0"/>
                 <a:cs typeface="Consolas" pitchFamily="49" charset="0"/>
               </a:rPr>
-              <a:t>int</a:t>
+              <a:t>vi.begin</a:t>
             </a:r>
             <a:r>
               <a:rPr lang="en-US" dirty="0" smtClean="0">
@@ -4058,8 +4137,82 @@
                 <a:latin typeface="Consolas" pitchFamily="49" charset="0"/>
                 <a:cs typeface="Consolas" pitchFamily="49" charset="0"/>
               </a:rPr>
-              <a:t> &gt; vector;</a:t>
-            </a:r>
+              <a:t>() ; </a:t>
+            </a:r>
+            <a:r>
+              <a:rPr lang="en-US" dirty="0" err="1" smtClean="0">
+                <a:solidFill>
+                  <a:schemeClr val="tx1"/>
+                </a:solidFill>
+                <a:latin typeface="Consolas" pitchFamily="49" charset="0"/>
+                <a:cs typeface="Consolas" pitchFamily="49" charset="0"/>
+              </a:rPr>
+              <a:t>i</a:t>
+            </a:r>
+            <a:r>
+              <a:rPr lang="en-US" dirty="0" smtClean="0">
+                <a:solidFill>
+                  <a:schemeClr val="tx1"/>
+                </a:solidFill>
+                <a:latin typeface="Consolas" pitchFamily="49" charset="0"/>
+                <a:cs typeface="Consolas" pitchFamily="49" charset="0"/>
+              </a:rPr>
+              <a:t> != </a:t>
+            </a:r>
+            <a:r>
+              <a:rPr lang="en-US" dirty="0" err="1" smtClean="0">
+                <a:solidFill>
+                  <a:schemeClr val="tx1"/>
+                </a:solidFill>
+                <a:latin typeface="Consolas" pitchFamily="49" charset="0"/>
+                <a:cs typeface="Consolas" pitchFamily="49" charset="0"/>
+              </a:rPr>
+              <a:t>vi.end</a:t>
+            </a:r>
+            <a:r>
+              <a:rPr lang="en-US" dirty="0" smtClean="0">
+                <a:solidFill>
+                  <a:schemeClr val="tx1"/>
+                </a:solidFill>
+                <a:latin typeface="Consolas" pitchFamily="49" charset="0"/>
+                <a:cs typeface="Consolas" pitchFamily="49" charset="0"/>
+              </a:rPr>
+              <a:t>() ; ++</a:t>
+            </a:r>
+            <a:r>
+              <a:rPr lang="en-US" dirty="0" err="1" smtClean="0">
+                <a:solidFill>
+                  <a:schemeClr val="tx1"/>
+                </a:solidFill>
+                <a:latin typeface="Consolas" pitchFamily="49" charset="0"/>
+                <a:cs typeface="Consolas" pitchFamily="49" charset="0"/>
+              </a:rPr>
+              <a:t>i</a:t>
+            </a:r>
+            <a:r>
+              <a:rPr lang="en-US" dirty="0" smtClean="0">
+                <a:solidFill>
+                  <a:schemeClr val="tx1"/>
+                </a:solidFill>
+                <a:latin typeface="Consolas" pitchFamily="49" charset="0"/>
+                <a:cs typeface="Consolas" pitchFamily="49" charset="0"/>
+              </a:rPr>
+              <a:t> ) </a:t>
+            </a:r>
+          </a:p>
+          <a:p>
+            <a:r>
+              <a:rPr lang="en-US" dirty="0" smtClean="0">
+                <a:solidFill>
+                  <a:schemeClr val="tx1"/>
+                </a:solidFill>
+                <a:latin typeface="Consolas" pitchFamily="49" charset="0"/>
+                <a:cs typeface="Consolas" pitchFamily="49" charset="0"/>
+              </a:rPr>
+              <a:t>{}</a:t>
+            </a:r>
+          </a:p>
+          <a:p>
             <a:endParaRPr lang="en-US" dirty="0" smtClean="0">
               <a:solidFill>
                 <a:schemeClr val="tx1"/>
@@ -4077,234 +4230,7 @@
                 <a:latin typeface="Consolas" pitchFamily="49" charset="0"/>
                 <a:cs typeface="Consolas" pitchFamily="49" charset="0"/>
               </a:rPr>
-              <a:t>vector vi( 10, 15 );</a:t>
-            </a:r>
-          </a:p>
-          <a:p>
-            <a:r>
-              <a:rPr lang="en-US" dirty="0" err="1" smtClean="0">
-                <a:solidFill>
-                  <a:schemeClr val="tx1"/>
-                </a:solidFill>
-                <a:latin typeface="Consolas" pitchFamily="49" charset="0"/>
-                <a:cs typeface="Consolas" pitchFamily="49" charset="0"/>
-              </a:rPr>
-              <a:t>typedef</a:t>
-            </a:r>
-            <a:r>
-              <a:rPr lang="en-US" dirty="0" smtClean="0">
-                <a:solidFill>
-                  <a:schemeClr val="tx1"/>
-                </a:solidFill>
-                <a:latin typeface="Consolas" pitchFamily="49" charset="0"/>
-                <a:cs typeface="Consolas" pitchFamily="49" charset="0"/>
-              </a:rPr>
-              <a:t> vector::</a:t>
-            </a:r>
-            <a:r>
-              <a:rPr lang="en-US" dirty="0" err="1" smtClean="0">
-                <a:solidFill>
-                  <a:schemeClr val="tx1"/>
-                </a:solidFill>
-                <a:latin typeface="Consolas" pitchFamily="49" charset="0"/>
-                <a:cs typeface="Consolas" pitchFamily="49" charset="0"/>
-              </a:rPr>
-              <a:t>const_iterator</a:t>
-            </a:r>
-            <a:r>
-              <a:rPr lang="en-US" dirty="0" smtClean="0">
-                <a:solidFill>
-                  <a:schemeClr val="tx1"/>
-                </a:solidFill>
-                <a:latin typeface="Consolas" pitchFamily="49" charset="0"/>
-                <a:cs typeface="Consolas" pitchFamily="49" charset="0"/>
-              </a:rPr>
-              <a:t> cit;</a:t>
-            </a:r>
-          </a:p>
-          <a:p>
-            <a:r>
-              <a:rPr lang="en-US" dirty="0" smtClean="0">
-                <a:solidFill>
-                  <a:schemeClr val="tx1"/>
-                </a:solidFill>
-                <a:latin typeface="Consolas" pitchFamily="49" charset="0"/>
-                <a:cs typeface="Consolas" pitchFamily="49" charset="0"/>
-              </a:rPr>
-              <a:t>for(</a:t>
-            </a:r>
-            <a:r>
-              <a:rPr lang="en-US" dirty="0" smtClean="0">
-                <a:solidFill>
-                  <a:schemeClr val="tx1"/>
-                </a:solidFill>
-                <a:latin typeface="Consolas" pitchFamily="49" charset="0"/>
-                <a:cs typeface="Consolas" pitchFamily="49" charset="0"/>
-              </a:rPr>
-              <a:t>vector::</a:t>
-            </a:r>
-            <a:r>
-              <a:rPr lang="en-US" dirty="0" err="1" smtClean="0">
-                <a:solidFill>
-                  <a:schemeClr val="tx1"/>
-                </a:solidFill>
-                <a:latin typeface="Consolas" pitchFamily="49" charset="0"/>
-                <a:cs typeface="Consolas" pitchFamily="49" charset="0"/>
-              </a:rPr>
-              <a:t>const_iterator</a:t>
-            </a:r>
-            <a:r>
-              <a:rPr lang="en-US" dirty="0" smtClean="0">
-                <a:solidFill>
-                  <a:schemeClr val="tx1"/>
-                </a:solidFill>
-                <a:latin typeface="Consolas" pitchFamily="49" charset="0"/>
-                <a:cs typeface="Consolas" pitchFamily="49" charset="0"/>
-              </a:rPr>
-              <a:t> </a:t>
-            </a:r>
-            <a:r>
-              <a:rPr lang="en-US" dirty="0" err="1" smtClean="0">
-                <a:solidFill>
-                  <a:schemeClr val="tx1"/>
-                </a:solidFill>
-                <a:latin typeface="Consolas" pitchFamily="49" charset="0"/>
-                <a:cs typeface="Consolas" pitchFamily="49" charset="0"/>
-              </a:rPr>
-              <a:t>i</a:t>
-            </a:r>
-            <a:r>
-              <a:rPr lang="en-US" dirty="0" smtClean="0">
-                <a:solidFill>
-                  <a:schemeClr val="tx1"/>
-                </a:solidFill>
-                <a:latin typeface="Consolas" pitchFamily="49" charset="0"/>
-                <a:cs typeface="Consolas" pitchFamily="49" charset="0"/>
-              </a:rPr>
-              <a:t> = </a:t>
-            </a:r>
-            <a:r>
-              <a:rPr lang="en-US" dirty="0" err="1" smtClean="0">
-                <a:solidFill>
-                  <a:schemeClr val="tx1"/>
-                </a:solidFill>
-                <a:latin typeface="Consolas" pitchFamily="49" charset="0"/>
-                <a:cs typeface="Consolas" pitchFamily="49" charset="0"/>
-              </a:rPr>
-              <a:t>vi.begin</a:t>
-            </a:r>
-            <a:r>
-              <a:rPr lang="en-US" dirty="0" smtClean="0">
-                <a:solidFill>
-                  <a:schemeClr val="tx1"/>
-                </a:solidFill>
-                <a:latin typeface="Consolas" pitchFamily="49" charset="0"/>
-                <a:cs typeface="Consolas" pitchFamily="49" charset="0"/>
-              </a:rPr>
-              <a:t>() ; </a:t>
-            </a:r>
-            <a:r>
-              <a:rPr lang="en-US" dirty="0" err="1" smtClean="0">
-                <a:solidFill>
-                  <a:schemeClr val="tx1"/>
-                </a:solidFill>
-                <a:latin typeface="Consolas" pitchFamily="49" charset="0"/>
-                <a:cs typeface="Consolas" pitchFamily="49" charset="0"/>
-              </a:rPr>
-              <a:t>i</a:t>
-            </a:r>
-            <a:r>
-              <a:rPr lang="en-US" dirty="0" smtClean="0">
-                <a:solidFill>
-                  <a:schemeClr val="tx1"/>
-                </a:solidFill>
-                <a:latin typeface="Consolas" pitchFamily="49" charset="0"/>
-                <a:cs typeface="Consolas" pitchFamily="49" charset="0"/>
-              </a:rPr>
-              <a:t> != </a:t>
-            </a:r>
-            <a:r>
-              <a:rPr lang="en-US" dirty="0" err="1" smtClean="0">
-                <a:solidFill>
-                  <a:schemeClr val="tx1"/>
-                </a:solidFill>
-                <a:latin typeface="Consolas" pitchFamily="49" charset="0"/>
-                <a:cs typeface="Consolas" pitchFamily="49" charset="0"/>
-              </a:rPr>
-              <a:t>vi.end</a:t>
-            </a:r>
-            <a:r>
-              <a:rPr lang="en-US" dirty="0" smtClean="0">
-                <a:solidFill>
-                  <a:schemeClr val="tx1"/>
-                </a:solidFill>
-                <a:latin typeface="Consolas" pitchFamily="49" charset="0"/>
-                <a:cs typeface="Consolas" pitchFamily="49" charset="0"/>
-              </a:rPr>
-              <a:t>() ; ++</a:t>
-            </a:r>
-            <a:r>
-              <a:rPr lang="en-US" dirty="0" err="1" smtClean="0">
-                <a:solidFill>
-                  <a:schemeClr val="tx1"/>
-                </a:solidFill>
-                <a:latin typeface="Consolas" pitchFamily="49" charset="0"/>
-                <a:cs typeface="Consolas" pitchFamily="49" charset="0"/>
-              </a:rPr>
-              <a:t>i</a:t>
-            </a:r>
-            <a:r>
-              <a:rPr lang="en-US" dirty="0" smtClean="0">
-                <a:solidFill>
-                  <a:schemeClr val="tx1"/>
-                </a:solidFill>
-                <a:latin typeface="Consolas" pitchFamily="49" charset="0"/>
-                <a:cs typeface="Consolas" pitchFamily="49" charset="0"/>
-              </a:rPr>
-              <a:t> ) </a:t>
-            </a:r>
-          </a:p>
-          <a:p>
-            <a:r>
-              <a:rPr lang="en-US" dirty="0" smtClean="0">
-                <a:solidFill>
-                  <a:schemeClr val="tx1"/>
-                </a:solidFill>
-                <a:latin typeface="Consolas" pitchFamily="49" charset="0"/>
-                <a:cs typeface="Consolas" pitchFamily="49" charset="0"/>
-              </a:rPr>
-              <a:t>{}</a:t>
-            </a:r>
-          </a:p>
-          <a:p>
-            <a:endParaRPr lang="en-US" dirty="0" smtClean="0">
-              <a:solidFill>
-                <a:schemeClr val="tx1"/>
-              </a:solidFill>
-              <a:latin typeface="Consolas" pitchFamily="49" charset="0"/>
-              <a:cs typeface="Consolas" pitchFamily="49" charset="0"/>
-            </a:endParaRPr>
-          </a:p>
-          <a:p>
-            <a:r>
-              <a:rPr lang="en-US" dirty="0" smtClean="0">
-                <a:solidFill>
-                  <a:schemeClr val="tx1"/>
-                </a:solidFill>
-                <a:latin typeface="Consolas" pitchFamily="49" charset="0"/>
-                <a:cs typeface="Consolas" pitchFamily="49" charset="0"/>
-              </a:rPr>
-              <a:t>for(</a:t>
-            </a:r>
-            <a:r>
-              <a:rPr lang="en-US" dirty="0" smtClean="0">
-                <a:solidFill>
-                  <a:schemeClr val="tx1"/>
-                </a:solidFill>
-                <a:latin typeface="Consolas" pitchFamily="49" charset="0"/>
-                <a:cs typeface="Consolas" pitchFamily="49" charset="0"/>
-              </a:rPr>
-              <a:t>vector::</a:t>
+              <a:t>for(vector::</a:t>
             </a:r>
             <a:r>
               <a:rPr lang="en-US" dirty="0" err="1" smtClean="0">
@@ -4576,7 +4502,7 @@
         </p:nvSpPr>
         <p:spPr>
           <a:xfrm>
-            <a:off x="533400" y="2286000"/>
+            <a:off x="533400" y="2362200"/>
             <a:ext cx="6400800" cy="3657600"/>
           </a:xfrm>
           <a:prstGeom prst="roundRect">
@@ -4781,13 +4707,6 @@
               </a:rPr>
               <a:t>() );</a:t>
             </a:r>
-            <a:endParaRPr lang="en-US" sz="2000" dirty="0" smtClean="0">
-              <a:solidFill>
-                <a:schemeClr val="tx1"/>
-              </a:solidFill>
-              <a:latin typeface="Consolas" pitchFamily="49" charset="0"/>
-              <a:cs typeface="Consolas" pitchFamily="49" charset="0"/>
-            </a:endParaRPr>
           </a:p>
           <a:p>
             <a:endParaRPr lang="en-US" sz="2000" dirty="0" smtClean="0">
@@ -5346,11 +5265,7 @@
             </a:r>
             <a:r>
               <a:rPr lang="en-US" sz="2400" dirty="0" smtClean="0"/>
-              <a:t> STL. </a:t>
-            </a:r>
-            <a:r>
-              <a:rPr lang="en-US" sz="2400" dirty="0" smtClean="0"/>
-              <a:t>Part 1, Part 2 and Part 3.</a:t>
+              <a:t> STL. Part 1, Part 2 and Part 3.</a:t>
             </a:r>
             <a:endParaRPr lang="ru-RU" sz="2400" dirty="0" smtClean="0"/>
           </a:p>
@@ -5478,12 +5393,12 @@
               <a:t>– </a:t>
             </a:r>
             <a:r>
-              <a:rPr lang="ru-RU" dirty="0" err="1" smtClean="0"/>
-              <a:t>обявление</a:t>
-            </a:r>
-            <a:r>
               <a:rPr lang="ru-RU" dirty="0" smtClean="0"/>
-              <a:t> (только один раз )</a:t>
+              <a:t>объявление </a:t>
+            </a:r>
+            <a:r>
+              <a:rPr lang="ru-RU" dirty="0" smtClean="0"/>
+              <a:t>(только один раз )</a:t>
             </a:r>
             <a:endParaRPr lang="en-US" dirty="0" smtClean="0"/>
           </a:p>
@@ -5754,6 +5669,69 @@
           </a:p>
         </p:txBody>
       </p:sp>
+      <p:cxnSp>
+        <p:nvCxnSpPr>
+          <p:cNvPr id="5" name="Прямая со стрелкой 4"/>
+          <p:cNvCxnSpPr/>
+          <p:nvPr/>
+        </p:nvCxnSpPr>
+        <p:spPr>
+          <a:xfrm flipH="1">
+            <a:off x="1828800" y="5867400"/>
+            <a:ext cx="3124200" cy="0"/>
+          </a:xfrm>
+          <a:prstGeom prst="straightConnector1">
+            <a:avLst/>
+          </a:prstGeom>
+          <a:ln>
+            <a:tailEnd type="arrow"/>
+          </a:ln>
+        </p:spPr>
+        <p:style>
+          <a:lnRef idx="2">
+            <a:schemeClr val="dk1"/>
+          </a:lnRef>
+          <a:fillRef idx="0">
+            <a:schemeClr val="dk1"/>
+          </a:fillRef>
+          <a:effectRef idx="1">
+            <a:schemeClr val="dk1"/>
+          </a:effectRef>
+          <a:fontRef idx="minor">
+            <a:schemeClr val="tx1"/>
+          </a:fontRef>
+        </p:style>
+      </p:cxnSp>
+      <p:sp>
+        <p:nvSpPr>
+          <p:cNvPr id="6" name="TextBox 5"/>
+          <p:cNvSpPr txBox="1"/>
+          <p:nvPr/>
+        </p:nvSpPr>
+        <p:spPr>
+          <a:xfrm>
+            <a:off x="2659487" y="5943600"/>
+            <a:ext cx="2293513" cy="369332"/>
+          </a:xfrm>
+          <a:prstGeom prst="rect">
+            <a:avLst/>
+          </a:prstGeom>
+          <a:noFill/>
+        </p:spPr>
+        <p:txBody>
+          <a:bodyPr wrap="none" rtlCol="0">
+            <a:spAutoFit/>
+          </a:bodyPr>
+          <a:lstStyle/>
+          <a:p>
+            <a:r>
+              <a:rPr lang="ru-RU" dirty="0" smtClean="0"/>
+              <a:t>читать справа налево</a:t>
+            </a:r>
+            <a:endParaRPr lang="en-US" dirty="0"/>
+          </a:p>
+        </p:txBody>
+      </p:sp>
     </p:spTree>
   </p:cSld>
   <p:clrMapOvr>
@@ -5794,8 +5772,8 @@
         </p:nvSpPr>
         <p:spPr>
           <a:xfrm>
-            <a:off x="381000" y="1752600"/>
-            <a:ext cx="4876800" cy="1676400"/>
+            <a:off x="381000" y="1447800"/>
+            <a:ext cx="4876800" cy="1295400"/>
           </a:xfrm>
           <a:prstGeom prst="roundRect">
             <a:avLst/>
@@ -6032,8 +6010,8 @@
         </p:nvSpPr>
         <p:spPr>
           <a:xfrm>
-            <a:off x="381000" y="3886200"/>
-            <a:ext cx="8534400" cy="990600"/>
+            <a:off x="381000" y="4724400"/>
+            <a:ext cx="8534400" cy="1219200"/>
           </a:xfrm>
           <a:prstGeom prst="roundRect">
             <a:avLst/>
@@ -6062,7 +6040,6 @@
           <a:bodyPr rtlCol="0" anchor="ctr"/>
           <a:lstStyle/>
           <a:p>
-            <a:pPr algn="ctr"/>
             <a:r>
               <a:rPr lang="en-US" sz="2000" dirty="0" err="1" smtClean="0">
                 <a:solidFill>
@@ -6101,8 +6078,109 @@
                 <a:latin typeface="Consolas" pitchFamily="49" charset="0"/>
                 <a:cs typeface="Consolas" pitchFamily="49" charset="0"/>
               </a:rPr>
-              <a:t> (std::string::*sp)() const;</a:t>
-            </a:r>
+              <a:t> (std::string::*sp)() const</a:t>
+            </a:r>
+            <a:r>
+              <a:rPr lang="en-US" sz="2000" dirty="0" smtClean="0">
+                <a:solidFill>
+                  <a:schemeClr val="tx1"/>
+                </a:solidFill>
+                <a:latin typeface="Consolas" pitchFamily="49" charset="0"/>
+                <a:cs typeface="Consolas" pitchFamily="49" charset="0"/>
+              </a:rPr>
+              <a:t>;</a:t>
+            </a:r>
+          </a:p>
+          <a:p>
+            <a:r>
+              <a:rPr lang="en-US" sz="2000" dirty="0" smtClean="0">
+                <a:solidFill>
+                  <a:schemeClr val="tx1"/>
+                </a:solidFill>
+                <a:latin typeface="Consolas" pitchFamily="49" charset="0"/>
+                <a:cs typeface="Consolas" pitchFamily="49" charset="0"/>
+              </a:rPr>
+              <a:t>sp </a:t>
+            </a:r>
+            <a:r>
+              <a:rPr lang="en-US" sz="2000" dirty="0" err="1" smtClean="0">
+                <a:solidFill>
+                  <a:schemeClr val="tx1"/>
+                </a:solidFill>
+                <a:latin typeface="Consolas" pitchFamily="49" charset="0"/>
+                <a:cs typeface="Consolas" pitchFamily="49" charset="0"/>
+              </a:rPr>
+              <a:t>size_ptr</a:t>
+            </a:r>
+            <a:r>
+              <a:rPr lang="en-US" sz="2000" dirty="0" smtClean="0">
+                <a:solidFill>
+                  <a:schemeClr val="tx1"/>
+                </a:solidFill>
+                <a:latin typeface="Consolas" pitchFamily="49" charset="0"/>
+                <a:cs typeface="Consolas" pitchFamily="49" charset="0"/>
+              </a:rPr>
+              <a:t> = &amp;std::string::size;</a:t>
+            </a:r>
+          </a:p>
+          <a:p>
+            <a:r>
+              <a:rPr lang="en-US" sz="2000" dirty="0" smtClean="0">
+                <a:solidFill>
+                  <a:schemeClr val="tx1"/>
+                </a:solidFill>
+                <a:latin typeface="Consolas" pitchFamily="49" charset="0"/>
+                <a:cs typeface="Consolas" pitchFamily="49" charset="0"/>
+              </a:rPr>
+              <a:t>( </a:t>
+            </a:r>
+            <a:r>
+              <a:rPr lang="en-US" sz="2000" dirty="0" smtClean="0">
+                <a:solidFill>
+                  <a:schemeClr val="tx1"/>
+                </a:solidFill>
+                <a:latin typeface="Consolas" pitchFamily="49" charset="0"/>
+                <a:cs typeface="Consolas" pitchFamily="49" charset="0"/>
+              </a:rPr>
+              <a:t>s.*</a:t>
+            </a:r>
+            <a:r>
+              <a:rPr lang="en-US" sz="2000" dirty="0" err="1" smtClean="0">
+                <a:solidFill>
+                  <a:schemeClr val="tx1"/>
+                </a:solidFill>
+                <a:latin typeface="Consolas" pitchFamily="49" charset="0"/>
+                <a:cs typeface="Consolas" pitchFamily="49" charset="0"/>
+              </a:rPr>
+              <a:t>size_ptr</a:t>
+            </a:r>
+            <a:r>
+              <a:rPr lang="en-US" sz="2000" dirty="0" smtClean="0">
+                <a:solidFill>
+                  <a:schemeClr val="tx1"/>
+                </a:solidFill>
+                <a:latin typeface="Consolas" pitchFamily="49" charset="0"/>
+                <a:cs typeface="Consolas" pitchFamily="49" charset="0"/>
+              </a:rPr>
+              <a:t> </a:t>
+            </a:r>
+            <a:r>
+              <a:rPr lang="en-US" sz="2000" dirty="0" smtClean="0">
+                <a:solidFill>
+                  <a:schemeClr val="tx1"/>
+                </a:solidFill>
+                <a:latin typeface="Consolas" pitchFamily="49" charset="0"/>
+                <a:cs typeface="Consolas" pitchFamily="49" charset="0"/>
+              </a:rPr>
+              <a:t>)();</a:t>
+            </a:r>
+            <a:endParaRPr lang="en-US" sz="2000" dirty="0" smtClean="0">
+              <a:solidFill>
+                <a:schemeClr val="tx1"/>
+              </a:solidFill>
+              <a:latin typeface="Consolas" pitchFamily="49" charset="0"/>
+              <a:cs typeface="Consolas" pitchFamily="49" charset="0"/>
+            </a:endParaRPr>
           </a:p>
         </p:txBody>
       </p:sp>
@@ -6168,6 +6246,253 @@
           </a:fontRef>
         </p:style>
       </p:cxnSp>
+      <p:sp>
+        <p:nvSpPr>
+          <p:cNvPr id="8" name="Скругленный прямоугольник 7"/>
+          <p:cNvSpPr/>
+          <p:nvPr/>
+        </p:nvSpPr>
+        <p:spPr>
+          <a:xfrm>
+            <a:off x="381000" y="3048000"/>
+            <a:ext cx="5791200" cy="1371600"/>
+          </a:xfrm>
+          <a:prstGeom prst="roundRect">
+            <a:avLst/>
+          </a:prstGeom>
+          <a:solidFill>
+            <a:schemeClr val="bg2"/>
+          </a:solidFill>
+        </p:spPr>
+        <p:style>
+          <a:lnRef idx="2">
+            <a:schemeClr val="accent1">
+              <a:shade val="50000"/>
+            </a:schemeClr>
+          </a:lnRef>
+          <a:fillRef idx="1">
+            <a:schemeClr val="accent1"/>
+          </a:fillRef>
+          <a:effectRef idx="0">
+            <a:schemeClr val="accent1"/>
+          </a:effectRef>
+          <a:fontRef idx="minor">
+            <a:schemeClr val="lt1"/>
+          </a:fontRef>
+        </p:style>
+        <p:txBody>
+          <a:bodyPr rtlCol="0" anchor="ctr"/>
+          <a:lstStyle/>
+          <a:p>
+            <a:r>
+              <a:rPr lang="en-US" sz="2000" dirty="0" err="1" smtClean="0">
+                <a:solidFill>
+                  <a:schemeClr val="tx1"/>
+                </a:solidFill>
+                <a:latin typeface="Consolas" pitchFamily="49" charset="0"/>
+                <a:cs typeface="Consolas" pitchFamily="49" charset="0"/>
+              </a:rPr>
+              <a:t>struct</a:t>
+            </a:r>
+            <a:r>
+              <a:rPr lang="en-US" sz="2000" dirty="0" smtClean="0">
+                <a:solidFill>
+                  <a:schemeClr val="tx1"/>
+                </a:solidFill>
+                <a:latin typeface="Consolas" pitchFamily="49" charset="0"/>
+                <a:cs typeface="Consolas" pitchFamily="49" charset="0"/>
+              </a:rPr>
+              <a:t> s { static </a:t>
+            </a:r>
+            <a:r>
+              <a:rPr lang="en-US" sz="2000" dirty="0" smtClean="0">
+                <a:solidFill>
+                  <a:schemeClr val="tx1"/>
+                </a:solidFill>
+                <a:latin typeface="Consolas" pitchFamily="49" charset="0"/>
+                <a:cs typeface="Consolas" pitchFamily="49" charset="0"/>
+              </a:rPr>
+              <a:t>void out</a:t>
+            </a:r>
+            <a:r>
+              <a:rPr lang="en-US" sz="2000" dirty="0" smtClean="0">
+                <a:solidFill>
+                  <a:schemeClr val="tx1"/>
+                </a:solidFill>
+                <a:latin typeface="Consolas" pitchFamily="49" charset="0"/>
+                <a:cs typeface="Consolas" pitchFamily="49" charset="0"/>
+              </a:rPr>
+              <a:t>() {} };</a:t>
+            </a:r>
+            <a:endParaRPr lang="en-US" sz="2000" dirty="0" smtClean="0">
+              <a:solidFill>
+                <a:schemeClr val="tx1"/>
+              </a:solidFill>
+              <a:latin typeface="Consolas" pitchFamily="49" charset="0"/>
+              <a:cs typeface="Consolas" pitchFamily="49" charset="0"/>
+            </a:endParaRPr>
+          </a:p>
+          <a:p>
+            <a:pPr>
+              <a:buNone/>
+            </a:pPr>
+            <a:r>
+              <a:rPr lang="en-US" sz="2000" dirty="0" err="1" smtClean="0">
+                <a:solidFill>
+                  <a:schemeClr val="tx1"/>
+                </a:solidFill>
+                <a:latin typeface="Consolas" pitchFamily="49" charset="0"/>
+                <a:cs typeface="Consolas" pitchFamily="49" charset="0"/>
+              </a:rPr>
+              <a:t>typedef</a:t>
+            </a:r>
+            <a:r>
+              <a:rPr lang="en-US" sz="2000" dirty="0" smtClean="0">
+                <a:solidFill>
+                  <a:schemeClr val="tx1"/>
+                </a:solidFill>
+                <a:latin typeface="Consolas" pitchFamily="49" charset="0"/>
+                <a:cs typeface="Consolas" pitchFamily="49" charset="0"/>
+              </a:rPr>
+              <a:t> </a:t>
+            </a:r>
+            <a:r>
+              <a:rPr lang="en-US" sz="2000" dirty="0" smtClean="0">
+                <a:solidFill>
+                  <a:schemeClr val="tx1"/>
+                </a:solidFill>
+                <a:latin typeface="Consolas" pitchFamily="49" charset="0"/>
+                <a:cs typeface="Consolas" pitchFamily="49" charset="0"/>
+              </a:rPr>
+              <a:t>void (*</a:t>
+            </a:r>
+            <a:r>
+              <a:rPr lang="en-US" sz="2000" dirty="0" err="1" smtClean="0">
+                <a:solidFill>
+                  <a:schemeClr val="tx1"/>
+                </a:solidFill>
+                <a:latin typeface="Consolas" pitchFamily="49" charset="0"/>
+                <a:cs typeface="Consolas" pitchFamily="49" charset="0"/>
+              </a:rPr>
+              <a:t>fp</a:t>
+            </a:r>
+            <a:r>
+              <a:rPr lang="en-US" sz="2000" dirty="0" smtClean="0">
+                <a:solidFill>
+                  <a:schemeClr val="tx1"/>
+                </a:solidFill>
+                <a:latin typeface="Consolas" pitchFamily="49" charset="0"/>
+                <a:cs typeface="Consolas" pitchFamily="49" charset="0"/>
+              </a:rPr>
+              <a:t>)();</a:t>
+            </a:r>
+            <a:endParaRPr lang="en-US" sz="2000" dirty="0" smtClean="0">
+              <a:solidFill>
+                <a:schemeClr val="tx1"/>
+              </a:solidFill>
+              <a:latin typeface="Consolas" pitchFamily="49" charset="0"/>
+              <a:cs typeface="Consolas" pitchFamily="49" charset="0"/>
+            </a:endParaRPr>
+          </a:p>
+          <a:p>
+            <a:pPr>
+              <a:buNone/>
+            </a:pPr>
+            <a:r>
+              <a:rPr lang="en-US" sz="2000" dirty="0" err="1" smtClean="0">
+                <a:solidFill>
+                  <a:schemeClr val="tx1"/>
+                </a:solidFill>
+                <a:latin typeface="Consolas" pitchFamily="49" charset="0"/>
+                <a:cs typeface="Consolas" pitchFamily="49" charset="0"/>
+              </a:rPr>
+              <a:t>fp</a:t>
+            </a:r>
+            <a:r>
+              <a:rPr lang="en-US" sz="2000" dirty="0" smtClean="0">
+                <a:solidFill>
+                  <a:schemeClr val="tx1"/>
+                </a:solidFill>
+                <a:latin typeface="Consolas" pitchFamily="49" charset="0"/>
+                <a:cs typeface="Consolas" pitchFamily="49" charset="0"/>
+              </a:rPr>
+              <a:t> </a:t>
+            </a:r>
+            <a:r>
+              <a:rPr lang="en-US" sz="2000" dirty="0" err="1" smtClean="0">
+                <a:solidFill>
+                  <a:schemeClr val="tx1"/>
+                </a:solidFill>
+                <a:latin typeface="Consolas" pitchFamily="49" charset="0"/>
+                <a:cs typeface="Consolas" pitchFamily="49" charset="0"/>
+              </a:rPr>
+              <a:t>static_ptr</a:t>
+            </a:r>
+            <a:r>
+              <a:rPr lang="en-US" sz="2000" dirty="0" smtClean="0">
+                <a:solidFill>
+                  <a:schemeClr val="tx1"/>
+                </a:solidFill>
+                <a:latin typeface="Consolas" pitchFamily="49" charset="0"/>
+                <a:cs typeface="Consolas" pitchFamily="49" charset="0"/>
+              </a:rPr>
+              <a:t> = </a:t>
+            </a:r>
+            <a:r>
+              <a:rPr lang="en-US" sz="2000" dirty="0" smtClean="0">
+                <a:solidFill>
+                  <a:schemeClr val="tx1"/>
+                </a:solidFill>
+                <a:latin typeface="Consolas" pitchFamily="49" charset="0"/>
+                <a:cs typeface="Consolas" pitchFamily="49" charset="0"/>
+              </a:rPr>
+              <a:t>&amp;s::</a:t>
+            </a:r>
+            <a:r>
+              <a:rPr lang="en-US" sz="2000" dirty="0" smtClean="0">
+                <a:solidFill>
+                  <a:schemeClr val="tx1"/>
+                </a:solidFill>
+                <a:latin typeface="Consolas" pitchFamily="49" charset="0"/>
+                <a:cs typeface="Consolas" pitchFamily="49" charset="0"/>
+              </a:rPr>
+              <a:t>out;</a:t>
+            </a:r>
+          </a:p>
+          <a:p>
+            <a:pPr>
+              <a:buNone/>
+            </a:pPr>
+            <a:r>
+              <a:rPr lang="en-US" sz="2000" dirty="0" err="1" smtClean="0">
+                <a:solidFill>
+                  <a:schemeClr val="tx1"/>
+                </a:solidFill>
+                <a:latin typeface="Consolas" pitchFamily="49" charset="0"/>
+                <a:cs typeface="Consolas" pitchFamily="49" charset="0"/>
+              </a:rPr>
+              <a:t>static_ptr</a:t>
+            </a:r>
+            <a:r>
+              <a:rPr lang="en-US" sz="2000" dirty="0" smtClean="0">
+                <a:solidFill>
+                  <a:schemeClr val="tx1"/>
+                </a:solidFill>
+                <a:latin typeface="Consolas" pitchFamily="49" charset="0"/>
+                <a:cs typeface="Consolas" pitchFamily="49" charset="0"/>
+              </a:rPr>
+              <a:t>();</a:t>
+            </a:r>
+            <a:endParaRPr lang="en-US" sz="2000" dirty="0">
+              <a:solidFill>
+                <a:schemeClr val="tx1"/>
+              </a:solidFill>
+              <a:latin typeface="Consolas" pitchFamily="49" charset="0"/>
+              <a:cs typeface="Consolas" pitchFamily="49" charset="0"/>
+            </a:endParaRPr>
+          </a:p>
+        </p:txBody>
+      </p:sp>
     </p:spTree>
   </p:cSld>
   <p:clrMapOvr>
@@ -6336,29 +6661,13 @@
             </a:pPr>
             <a:r>
               <a:rPr lang="en-US" dirty="0" smtClean="0"/>
-              <a:t>d[5</a:t>
-            </a:r>
-            <a:r>
-              <a:rPr lang="en-US" dirty="0" smtClean="0"/>
-              <a:t>]    </a:t>
+              <a:t>d[5]    </a:t>
             </a:r>
             <a:r>
               <a:rPr lang="en-US" dirty="0" smtClean="0">
                 <a:sym typeface="Wingdings" pitchFamily="2" charset="2"/>
               </a:rPr>
-              <a:t>     *(d+5)               </a:t>
-            </a:r>
-            <a:r>
-              <a:rPr lang="en-US" dirty="0" smtClean="0">
-                <a:sym typeface="Wingdings" pitchFamily="2" charset="2"/>
-              </a:rPr>
-              <a:t>5</a:t>
-            </a:r>
-            <a:r>
-              <a:rPr lang="en-US" dirty="0" smtClean="0">
-                <a:sym typeface="Wingdings" pitchFamily="2" charset="2"/>
-              </a:rPr>
-              <a:t>[d] </a:t>
+              <a:t>     *(d+5)               5[d] </a:t>
             </a:r>
             <a:endParaRPr lang="en-US" dirty="0"/>
           </a:p>
@@ -6440,10 +6749,6 @@
               </a:rPr>
               <a:t> c[] = {0,0,0,0,0,0};</a:t>
             </a:r>
-            <a:endParaRPr lang="en-US" sz="2400" dirty="0" smtClean="0">
-              <a:latin typeface="Consolas" pitchFamily="49" charset="0"/>
-              <a:cs typeface="Consolas" pitchFamily="49" charset="0"/>
-            </a:endParaRPr>
           </a:p>
         </p:txBody>
       </p:sp>
@@ -6535,10 +6840,6 @@
               </a:rPr>
               <a:t>delete [] d;</a:t>
             </a:r>
-            <a:endParaRPr lang="en-US" sz="2400" dirty="0" smtClean="0">
-              <a:latin typeface="Consolas" pitchFamily="49" charset="0"/>
-              <a:cs typeface="Consolas" pitchFamily="49" charset="0"/>
-            </a:endParaRPr>
           </a:p>
         </p:txBody>
       </p:sp>
@@ -6606,11 +6907,7 @@
             </a:r>
             <a:r>
               <a:rPr lang="ru-RU" sz="3600" dirty="0" smtClean="0"/>
-              <a:t>для решения простых </a:t>
-            </a:r>
-            <a:r>
-              <a:rPr lang="ru-RU" sz="3600" dirty="0" smtClean="0"/>
-              <a:t>задач</a:t>
+              <a:t>для решения простых задач</a:t>
             </a:r>
             <a:endParaRPr lang="en-US" sz="3600" dirty="0"/>
           </a:p>
@@ -6669,23 +6966,17 @@
               <a:rPr lang="en-US" dirty="0" smtClean="0"/>
               <a:t>std::string</a:t>
             </a:r>
-            <a:endParaRPr lang="en-US" dirty="0" smtClean="0"/>
           </a:p>
           <a:p>
             <a:r>
               <a:rPr lang="en-US" dirty="0" smtClean="0"/>
               <a:t>std::vector</a:t>
             </a:r>
-            <a:endParaRPr lang="en-US" dirty="0" smtClean="0"/>
           </a:p>
           <a:p>
             <a:r>
               <a:rPr lang="en-US" dirty="0" smtClean="0"/>
-              <a:t>std</a:t>
-            </a:r>
-            <a:r>
-              <a:rPr lang="en-US" dirty="0" smtClean="0"/>
-              <a:t>::list</a:t>
+              <a:t>std::list</a:t>
             </a:r>
           </a:p>
           <a:p>
@@ -7222,7 +7513,190 @@
         </p:nvSpPr>
         <p:spPr>
           <a:xfrm>
-            <a:off x="685800" y="1447800"/>
+            <a:off x="685800" y="1295400"/>
+            <a:ext cx="5867400" cy="990600"/>
+          </a:xfrm>
+          <a:prstGeom prst="roundRect">
+            <a:avLst/>
+          </a:prstGeom>
+          <a:solidFill>
+            <a:schemeClr val="bg2"/>
+          </a:solidFill>
+        </p:spPr>
+        <p:style>
+          <a:lnRef idx="2">
+            <a:schemeClr val="accent1">
+              <a:shade val="50000"/>
+            </a:schemeClr>
+          </a:lnRef>
+          <a:fillRef idx="1">
+            <a:schemeClr val="accent1"/>
+          </a:fillRef>
+          <a:effectRef idx="0">
+            <a:schemeClr val="accent1"/>
+          </a:effectRef>
+          <a:fontRef idx="minor">
+            <a:schemeClr val="lt1"/>
+          </a:fontRef>
+        </p:style>
+        <p:txBody>
+          <a:bodyPr rtlCol="0" anchor="ctr"/>
+          <a:lstStyle/>
+          <a:p>
+            <a:endParaRPr lang="en-US" dirty="0" smtClean="0">
+              <a:solidFill>
+                <a:schemeClr val="tx1"/>
+              </a:solidFill>
+              <a:latin typeface="Consolas" pitchFamily="49" charset="0"/>
+              <a:cs typeface="Consolas" pitchFamily="49" charset="0"/>
+            </a:endParaRPr>
+          </a:p>
+          <a:p>
+            <a:r>
+              <a:rPr lang="en-US" dirty="0" smtClean="0">
+                <a:solidFill>
+                  <a:schemeClr val="tx1"/>
+                </a:solidFill>
+                <a:latin typeface="Consolas" pitchFamily="49" charset="0"/>
+                <a:cs typeface="Consolas" pitchFamily="49" charset="0"/>
+              </a:rPr>
+              <a:t>#include &lt;</a:t>
+            </a:r>
+            <a:r>
+              <a:rPr lang="en-US" dirty="0" err="1" smtClean="0">
+                <a:solidFill>
+                  <a:schemeClr val="tx1"/>
+                </a:solidFill>
+                <a:latin typeface="Consolas" pitchFamily="49" charset="0"/>
+                <a:cs typeface="Consolas" pitchFamily="49" charset="0"/>
+              </a:rPr>
+              <a:t>fstream</a:t>
+            </a:r>
+            <a:r>
+              <a:rPr lang="en-US" dirty="0" smtClean="0">
+                <a:solidFill>
+                  <a:schemeClr val="tx1"/>
+                </a:solidFill>
+                <a:latin typeface="Consolas" pitchFamily="49" charset="0"/>
+                <a:cs typeface="Consolas" pitchFamily="49" charset="0"/>
+              </a:rPr>
+              <a:t>&gt;</a:t>
+            </a:r>
+          </a:p>
+          <a:p>
+            <a:r>
+              <a:rPr lang="en-US" dirty="0" smtClean="0">
+                <a:solidFill>
+                  <a:schemeClr val="tx1"/>
+                </a:solidFill>
+                <a:latin typeface="Consolas" pitchFamily="49" charset="0"/>
+                <a:cs typeface="Consolas" pitchFamily="49" charset="0"/>
+              </a:rPr>
+              <a:t>std::</a:t>
+            </a:r>
+            <a:r>
+              <a:rPr lang="en-US" dirty="0" err="1" smtClean="0">
+                <a:solidFill>
+                  <a:schemeClr val="tx1"/>
+                </a:solidFill>
+                <a:latin typeface="Consolas" pitchFamily="49" charset="0"/>
+                <a:cs typeface="Consolas" pitchFamily="49" charset="0"/>
+              </a:rPr>
+              <a:t>ifstream</a:t>
+            </a:r>
+            <a:r>
+              <a:rPr lang="en-US" dirty="0" smtClean="0">
+                <a:solidFill>
+                  <a:schemeClr val="tx1"/>
+                </a:solidFill>
+                <a:latin typeface="Consolas" pitchFamily="49" charset="0"/>
+                <a:cs typeface="Consolas" pitchFamily="49" charset="0"/>
+              </a:rPr>
+              <a:t> </a:t>
+            </a:r>
+            <a:r>
+              <a:rPr lang="en-US" dirty="0" err="1" smtClean="0">
+                <a:solidFill>
+                  <a:schemeClr val="tx1"/>
+                </a:solidFill>
+                <a:latin typeface="Consolas" pitchFamily="49" charset="0"/>
+                <a:cs typeface="Consolas" pitchFamily="49" charset="0"/>
+              </a:rPr>
+              <a:t>input_file</a:t>
+            </a:r>
+            <a:r>
+              <a:rPr lang="en-US" dirty="0" smtClean="0">
+                <a:solidFill>
+                  <a:schemeClr val="tx1"/>
+                </a:solidFill>
+                <a:latin typeface="Consolas" pitchFamily="49" charset="0"/>
+                <a:cs typeface="Consolas" pitchFamily="49" charset="0"/>
+              </a:rPr>
+              <a:t>( “</a:t>
+            </a:r>
+            <a:r>
+              <a:rPr lang="en-US" dirty="0" err="1" smtClean="0">
+                <a:solidFill>
+                  <a:schemeClr val="tx1"/>
+                </a:solidFill>
+                <a:latin typeface="Consolas" pitchFamily="49" charset="0"/>
+                <a:cs typeface="Consolas" pitchFamily="49" charset="0"/>
+              </a:rPr>
+              <a:t>infile_name</a:t>
+            </a:r>
+            <a:r>
+              <a:rPr lang="en-US" dirty="0" smtClean="0">
+                <a:solidFill>
+                  <a:schemeClr val="tx1"/>
+                </a:solidFill>
+                <a:latin typeface="Consolas" pitchFamily="49" charset="0"/>
+                <a:cs typeface="Consolas" pitchFamily="49" charset="0"/>
+              </a:rPr>
+              <a:t>” );</a:t>
+            </a:r>
+          </a:p>
+          <a:p>
+            <a:r>
+              <a:rPr lang="en-US" dirty="0" err="1" smtClean="0">
+                <a:solidFill>
+                  <a:schemeClr val="tx1"/>
+                </a:solidFill>
+                <a:latin typeface="Consolas" pitchFamily="49" charset="0"/>
+                <a:cs typeface="Consolas" pitchFamily="49" charset="0"/>
+              </a:rPr>
+              <a:t>input_file.close</a:t>
+            </a:r>
+            <a:r>
+              <a:rPr lang="en-US" dirty="0" smtClean="0">
+                <a:solidFill>
+                  <a:schemeClr val="tx1"/>
+                </a:solidFill>
+                <a:latin typeface="Consolas" pitchFamily="49" charset="0"/>
+                <a:cs typeface="Consolas" pitchFamily="49" charset="0"/>
+              </a:rPr>
+              <a:t>();</a:t>
+            </a:r>
+          </a:p>
+          <a:p>
+            <a:endParaRPr lang="en-US" dirty="0" smtClean="0">
+              <a:solidFill>
+                <a:schemeClr val="tx1"/>
+              </a:solidFill>
+              <a:latin typeface="Consolas" pitchFamily="49" charset="0"/>
+              <a:cs typeface="Consolas" pitchFamily="49" charset="0"/>
+            </a:endParaRPr>
+          </a:p>
+        </p:txBody>
+      </p:sp>
+      <p:sp>
+        <p:nvSpPr>
+          <p:cNvPr id="7" name="Скругленный прямоугольник 6"/>
+          <p:cNvSpPr/>
+          <p:nvPr/>
+        </p:nvSpPr>
+        <p:spPr>
+          <a:xfrm>
+            <a:off x="685800" y="2514600"/>
             <a:ext cx="5867400" cy="1066800"/>
           </a:xfrm>
           <a:prstGeom prst="roundRect">
@@ -7252,6 +7726,147 @@
           <a:bodyPr rtlCol="0" anchor="ctr"/>
           <a:lstStyle/>
           <a:p>
+            <a:r>
+              <a:rPr lang="en-US" dirty="0" smtClean="0">
+                <a:solidFill>
+                  <a:schemeClr val="tx1"/>
+                </a:solidFill>
+                <a:latin typeface="Consolas" pitchFamily="49" charset="0"/>
+                <a:cs typeface="Consolas" pitchFamily="49" charset="0"/>
+              </a:rPr>
+              <a:t>#include &lt;</a:t>
+            </a:r>
+            <a:r>
+              <a:rPr lang="en-US" dirty="0" err="1" smtClean="0">
+                <a:solidFill>
+                  <a:schemeClr val="tx1"/>
+                </a:solidFill>
+                <a:latin typeface="Consolas" pitchFamily="49" charset="0"/>
+                <a:cs typeface="Consolas" pitchFamily="49" charset="0"/>
+              </a:rPr>
+              <a:t>fstream</a:t>
+            </a:r>
+            <a:r>
+              <a:rPr lang="en-US" dirty="0" smtClean="0">
+                <a:solidFill>
+                  <a:schemeClr val="tx1"/>
+                </a:solidFill>
+                <a:latin typeface="Consolas" pitchFamily="49" charset="0"/>
+                <a:cs typeface="Consolas" pitchFamily="49" charset="0"/>
+              </a:rPr>
+              <a:t>&gt;</a:t>
+            </a:r>
+          </a:p>
+          <a:p>
+            <a:r>
+              <a:rPr lang="en-US" dirty="0" smtClean="0">
+                <a:solidFill>
+                  <a:schemeClr val="tx1"/>
+                </a:solidFill>
+                <a:latin typeface="Consolas" pitchFamily="49" charset="0"/>
+                <a:cs typeface="Consolas" pitchFamily="49" charset="0"/>
+              </a:rPr>
+              <a:t>std::</a:t>
+            </a:r>
+            <a:r>
+              <a:rPr lang="en-US" dirty="0" err="1" smtClean="0">
+                <a:solidFill>
+                  <a:schemeClr val="tx1"/>
+                </a:solidFill>
+                <a:latin typeface="Consolas" pitchFamily="49" charset="0"/>
+                <a:cs typeface="Consolas" pitchFamily="49" charset="0"/>
+              </a:rPr>
+              <a:t>ofstream</a:t>
+            </a:r>
+            <a:r>
+              <a:rPr lang="en-US" dirty="0" smtClean="0">
+                <a:solidFill>
+                  <a:schemeClr val="tx1"/>
+                </a:solidFill>
+                <a:latin typeface="Consolas" pitchFamily="49" charset="0"/>
+                <a:cs typeface="Consolas" pitchFamily="49" charset="0"/>
+              </a:rPr>
+              <a:t> </a:t>
+            </a:r>
+            <a:r>
+              <a:rPr lang="en-US" dirty="0" err="1" smtClean="0">
+                <a:solidFill>
+                  <a:schemeClr val="tx1"/>
+                </a:solidFill>
+                <a:latin typeface="Consolas" pitchFamily="49" charset="0"/>
+                <a:cs typeface="Consolas" pitchFamily="49" charset="0"/>
+              </a:rPr>
+              <a:t>output_file</a:t>
+            </a:r>
+            <a:r>
+              <a:rPr lang="en-US" dirty="0" smtClean="0">
+                <a:solidFill>
+                  <a:schemeClr val="tx1"/>
+                </a:solidFill>
+                <a:latin typeface="Consolas" pitchFamily="49" charset="0"/>
+                <a:cs typeface="Consolas" pitchFamily="49" charset="0"/>
+              </a:rPr>
+              <a:t>( “</a:t>
+            </a:r>
+            <a:r>
+              <a:rPr lang="en-US" dirty="0" err="1" smtClean="0">
+                <a:solidFill>
+                  <a:schemeClr val="tx1"/>
+                </a:solidFill>
+                <a:latin typeface="Consolas" pitchFamily="49" charset="0"/>
+                <a:cs typeface="Consolas" pitchFamily="49" charset="0"/>
+              </a:rPr>
+              <a:t>outfile_name</a:t>
+            </a:r>
+            <a:r>
+              <a:rPr lang="en-US" dirty="0" smtClean="0">
+                <a:solidFill>
+                  <a:schemeClr val="tx1"/>
+                </a:solidFill>
+                <a:latin typeface="Consolas" pitchFamily="49" charset="0"/>
+                <a:cs typeface="Consolas" pitchFamily="49" charset="0"/>
+              </a:rPr>
+              <a:t>” </a:t>
+            </a:r>
+            <a:r>
+              <a:rPr lang="en-US" dirty="0" smtClean="0">
+                <a:solidFill>
+                  <a:schemeClr val="tx1"/>
+                </a:solidFill>
+                <a:latin typeface="Consolas" pitchFamily="49" charset="0"/>
+                <a:cs typeface="Consolas" pitchFamily="49" charset="0"/>
+              </a:rPr>
+              <a:t>);</a:t>
+            </a:r>
+            <a:endParaRPr lang="ru-RU" dirty="0" smtClean="0">
+              <a:solidFill>
+                <a:schemeClr val="tx1"/>
+              </a:solidFill>
+              <a:latin typeface="Consolas" pitchFamily="49" charset="0"/>
+              <a:cs typeface="Consolas" pitchFamily="49" charset="0"/>
+            </a:endParaRPr>
+          </a:p>
+          <a:p>
+            <a:r>
+              <a:rPr lang="en-US" dirty="0" err="1" smtClean="0">
+                <a:solidFill>
+                  <a:schemeClr val="tx1"/>
+                </a:solidFill>
+                <a:latin typeface="Consolas" pitchFamily="49" charset="0"/>
+                <a:cs typeface="Consolas" pitchFamily="49" charset="0"/>
+              </a:rPr>
+              <a:t>output_file</a:t>
+            </a:r>
+            <a:r>
+              <a:rPr lang="en-US" dirty="0" smtClean="0">
+                <a:solidFill>
+                  <a:schemeClr val="tx1"/>
+                </a:solidFill>
+                <a:latin typeface="Consolas" pitchFamily="49" charset="0"/>
+                <a:cs typeface="Consolas" pitchFamily="49" charset="0"/>
+              </a:rPr>
+              <a:t>();</a:t>
+            </a:r>
             <a:endParaRPr lang="en-US" dirty="0" smtClean="0">
               <a:solidFill>
                 <a:schemeClr val="tx1"/>
@@ -7259,291 +7874,6 @@
               <a:latin typeface="Consolas" pitchFamily="49" charset="0"/>
               <a:cs typeface="Consolas" pitchFamily="49" charset="0"/>
             </a:endParaRPr>
-          </a:p>
-          <a:p>
-            <a:r>
-              <a:rPr lang="en-US" dirty="0" smtClean="0">
-                <a:solidFill>
-                  <a:schemeClr val="tx1"/>
-                </a:solidFill>
-                <a:latin typeface="Consolas" pitchFamily="49" charset="0"/>
-                <a:cs typeface="Consolas" pitchFamily="49" charset="0"/>
-              </a:rPr>
-              <a:t>#include &lt;</a:t>
-            </a:r>
-            <a:r>
-              <a:rPr lang="en-US" dirty="0" err="1" smtClean="0">
-                <a:solidFill>
-                  <a:schemeClr val="tx1"/>
-                </a:solidFill>
-                <a:latin typeface="Consolas" pitchFamily="49" charset="0"/>
-                <a:cs typeface="Consolas" pitchFamily="49" charset="0"/>
-              </a:rPr>
-              <a:t>fstream</a:t>
-            </a:r>
-            <a:r>
-              <a:rPr lang="en-US" dirty="0" smtClean="0">
-                <a:solidFill>
-                  <a:schemeClr val="tx1"/>
-                </a:solidFill>
-                <a:latin typeface="Consolas" pitchFamily="49" charset="0"/>
-                <a:cs typeface="Consolas" pitchFamily="49" charset="0"/>
-              </a:rPr>
-              <a:t>&gt;</a:t>
-            </a:r>
-          </a:p>
-          <a:p>
-            <a:r>
-              <a:rPr lang="en-US" dirty="0" smtClean="0">
-                <a:solidFill>
-                  <a:schemeClr val="tx1"/>
-                </a:solidFill>
-                <a:latin typeface="Consolas" pitchFamily="49" charset="0"/>
-                <a:cs typeface="Consolas" pitchFamily="49" charset="0"/>
-              </a:rPr>
-              <a:t>std::</a:t>
-            </a:r>
-            <a:r>
-              <a:rPr lang="en-US" dirty="0" err="1" smtClean="0">
-                <a:solidFill>
-                  <a:schemeClr val="tx1"/>
-                </a:solidFill>
-                <a:latin typeface="Consolas" pitchFamily="49" charset="0"/>
-                <a:cs typeface="Consolas" pitchFamily="49" charset="0"/>
-              </a:rPr>
-              <a:t>ifstream</a:t>
-            </a:r>
-            <a:r>
-              <a:rPr lang="en-US" dirty="0" smtClean="0">
-                <a:solidFill>
-                  <a:schemeClr val="tx1"/>
-                </a:solidFill>
-                <a:latin typeface="Consolas" pitchFamily="49" charset="0"/>
-                <a:cs typeface="Consolas" pitchFamily="49" charset="0"/>
-              </a:rPr>
-              <a:t> </a:t>
-            </a:r>
-            <a:r>
-              <a:rPr lang="en-US" dirty="0" err="1" smtClean="0">
-                <a:solidFill>
-                  <a:schemeClr val="tx1"/>
-                </a:solidFill>
-                <a:latin typeface="Consolas" pitchFamily="49" charset="0"/>
-                <a:cs typeface="Consolas" pitchFamily="49" charset="0"/>
-              </a:rPr>
-              <a:t>input_file</a:t>
-            </a:r>
-            <a:r>
-              <a:rPr lang="en-US" dirty="0" smtClean="0">
-                <a:solidFill>
-                  <a:schemeClr val="tx1"/>
-                </a:solidFill>
-                <a:latin typeface="Consolas" pitchFamily="49" charset="0"/>
-                <a:cs typeface="Consolas" pitchFamily="49" charset="0"/>
-              </a:rPr>
-              <a:t>( “</a:t>
-            </a:r>
-            <a:r>
-              <a:rPr lang="en-US" dirty="0" err="1" smtClean="0">
-                <a:solidFill>
-                  <a:schemeClr val="tx1"/>
-                </a:solidFill>
-                <a:latin typeface="Consolas" pitchFamily="49" charset="0"/>
-                <a:cs typeface="Consolas" pitchFamily="49" charset="0"/>
-              </a:rPr>
-              <a:t>infile_name</a:t>
-            </a:r>
-            <a:r>
-              <a:rPr lang="en-US" dirty="0" smtClean="0">
-                <a:solidFill>
-                  <a:schemeClr val="tx1"/>
-                </a:solidFill>
-                <a:latin typeface="Consolas" pitchFamily="49" charset="0"/>
-                <a:cs typeface="Consolas" pitchFamily="49" charset="0"/>
-              </a:rPr>
-              <a:t>” );</a:t>
-            </a:r>
-          </a:p>
-          <a:p>
-            <a:r>
-              <a:rPr lang="en-US" dirty="0" err="1" smtClean="0">
-                <a:solidFill>
-                  <a:schemeClr val="tx1"/>
-                </a:solidFill>
-                <a:latin typeface="Consolas" pitchFamily="49" charset="0"/>
-                <a:cs typeface="Consolas" pitchFamily="49" charset="0"/>
-              </a:rPr>
-              <a:t>input_file.close</a:t>
-            </a:r>
-            <a:r>
-              <a:rPr lang="en-US" dirty="0" smtClean="0">
-                <a:solidFill>
-                  <a:schemeClr val="tx1"/>
-                </a:solidFill>
-                <a:latin typeface="Consolas" pitchFamily="49" charset="0"/>
-                <a:cs typeface="Consolas" pitchFamily="49" charset="0"/>
-              </a:rPr>
-              <a:t>();</a:t>
-            </a:r>
-            <a:endParaRPr lang="en-US" dirty="0" smtClean="0">
-              <a:solidFill>
-                <a:schemeClr val="tx1"/>
-              </a:solidFill>
-              <a:latin typeface="Consolas" pitchFamily="49" charset="0"/>
-              <a:cs typeface="Consolas" pitchFamily="49" charset="0"/>
-            </a:endParaRPr>
-          </a:p>
-          <a:p>
-            <a:endParaRPr lang="en-US" dirty="0" smtClean="0">
-              <a:solidFill>
-                <a:schemeClr val="tx1"/>
-              </a:solidFill>
-              <a:latin typeface="Consolas" pitchFamily="49" charset="0"/>
-              <a:cs typeface="Consolas" pitchFamily="49" charset="0"/>
-            </a:endParaRPr>
-          </a:p>
-        </p:txBody>
-      </p:sp>
-      <p:sp>
-        <p:nvSpPr>
-          <p:cNvPr id="7" name="Скругленный прямоугольник 6"/>
-          <p:cNvSpPr/>
-          <p:nvPr/>
-        </p:nvSpPr>
-        <p:spPr>
-          <a:xfrm>
-            <a:off x="685800" y="2743200"/>
-            <a:ext cx="5867400" cy="1066800"/>
-          </a:xfrm>
-          <a:prstGeom prst="roundRect">
-            <a:avLst/>
-          </a:prstGeom>
-          <a:solidFill>
-            <a:schemeClr val="bg2"/>
-          </a:solidFill>
-        </p:spPr>
-        <p:style>
-          <a:lnRef idx="2">
-            <a:schemeClr val="accent1">
-              <a:shade val="50000"/>
-            </a:schemeClr>
-          </a:lnRef>
-          <a:fillRef idx="1">
-            <a:schemeClr val="accent1"/>
-          </a:fillRef>
-          <a:effectRef idx="0">
-            <a:schemeClr val="accent1"/>
-          </a:effectRef>
-          <a:fontRef idx="minor">
-            <a:schemeClr val="lt1"/>
-          </a:fontRef>
-        </p:style>
-        <p:txBody>
-          <a:bodyPr rtlCol="0" anchor="ctr"/>
-          <a:lstStyle/>
-          <a:p>
-            <a:r>
-              <a:rPr lang="en-US" dirty="0" smtClean="0">
-                <a:solidFill>
-                  <a:schemeClr val="tx1"/>
-                </a:solidFill>
-                <a:latin typeface="Consolas" pitchFamily="49" charset="0"/>
-                <a:cs typeface="Consolas" pitchFamily="49" charset="0"/>
-              </a:rPr>
-              <a:t>#include &lt;</a:t>
-            </a:r>
-            <a:r>
-              <a:rPr lang="en-US" dirty="0" err="1" smtClean="0">
-                <a:solidFill>
-                  <a:schemeClr val="tx1"/>
-                </a:solidFill>
-                <a:latin typeface="Consolas" pitchFamily="49" charset="0"/>
-                <a:cs typeface="Consolas" pitchFamily="49" charset="0"/>
-              </a:rPr>
-              <a:t>fstream</a:t>
-            </a:r>
-            <a:r>
-              <a:rPr lang="en-US" dirty="0" smtClean="0">
-                <a:solidFill>
-                  <a:schemeClr val="tx1"/>
-                </a:solidFill>
-                <a:latin typeface="Consolas" pitchFamily="49" charset="0"/>
-                <a:cs typeface="Consolas" pitchFamily="49" charset="0"/>
-              </a:rPr>
-              <a:t>&gt;</a:t>
-            </a:r>
-          </a:p>
-          <a:p>
-            <a:r>
-              <a:rPr lang="en-US" dirty="0" smtClean="0">
-                <a:solidFill>
-                  <a:schemeClr val="tx1"/>
-                </a:solidFill>
-                <a:latin typeface="Consolas" pitchFamily="49" charset="0"/>
-                <a:cs typeface="Consolas" pitchFamily="49" charset="0"/>
-              </a:rPr>
-              <a:t>std::</a:t>
-            </a:r>
-            <a:r>
-              <a:rPr lang="en-US" dirty="0" err="1" smtClean="0">
-                <a:solidFill>
-                  <a:schemeClr val="tx1"/>
-                </a:solidFill>
-                <a:latin typeface="Consolas" pitchFamily="49" charset="0"/>
-                <a:cs typeface="Consolas" pitchFamily="49" charset="0"/>
-              </a:rPr>
-              <a:t>ofstream</a:t>
-            </a:r>
-            <a:r>
-              <a:rPr lang="en-US" dirty="0" smtClean="0">
-                <a:solidFill>
-                  <a:schemeClr val="tx1"/>
-                </a:solidFill>
-                <a:latin typeface="Consolas" pitchFamily="49" charset="0"/>
-                <a:cs typeface="Consolas" pitchFamily="49" charset="0"/>
-              </a:rPr>
-              <a:t> </a:t>
-            </a:r>
-            <a:r>
-              <a:rPr lang="en-US" dirty="0" err="1" smtClean="0">
-                <a:solidFill>
-                  <a:schemeClr val="tx1"/>
-                </a:solidFill>
-                <a:latin typeface="Consolas" pitchFamily="49" charset="0"/>
-                <a:cs typeface="Consolas" pitchFamily="49" charset="0"/>
-              </a:rPr>
-              <a:t>output_file</a:t>
-            </a:r>
-            <a:r>
-              <a:rPr lang="en-US" dirty="0" smtClean="0">
-                <a:solidFill>
-                  <a:schemeClr val="tx1"/>
-                </a:solidFill>
-                <a:latin typeface="Consolas" pitchFamily="49" charset="0"/>
-                <a:cs typeface="Consolas" pitchFamily="49" charset="0"/>
-              </a:rPr>
-              <a:t>( “</a:t>
-            </a:r>
-            <a:r>
-              <a:rPr lang="en-US" dirty="0" err="1" smtClean="0">
-                <a:solidFill>
-                  <a:schemeClr val="tx1"/>
-                </a:solidFill>
-                <a:latin typeface="Consolas" pitchFamily="49" charset="0"/>
-                <a:cs typeface="Consolas" pitchFamily="49" charset="0"/>
-              </a:rPr>
-              <a:t>outfile_name</a:t>
-            </a:r>
-            <a:r>
-              <a:rPr lang="en-US" dirty="0" smtClean="0">
-                <a:solidFill>
-                  <a:schemeClr val="tx1"/>
-                </a:solidFill>
-                <a:latin typeface="Consolas" pitchFamily="49" charset="0"/>
-                <a:cs typeface="Consolas" pitchFamily="49" charset="0"/>
-              </a:rPr>
-              <a:t>” );</a:t>
-            </a:r>
           </a:p>
         </p:txBody>
       </p:sp>
@@ -7616,8 +7946,8 @@
         </p:nvSpPr>
         <p:spPr>
           <a:xfrm>
-            <a:off x="685800" y="4114800"/>
-            <a:ext cx="8077200" cy="1752600"/>
+            <a:off x="685800" y="3810000"/>
+            <a:ext cx="8077200" cy="2209800"/>
           </a:xfrm>
           <a:prstGeom prst="roundRect">
             <a:avLst/>
@@ -7775,7 +8105,17 @@
                 <a:latin typeface="Consolas" pitchFamily="49" charset="0"/>
                 <a:cs typeface="Consolas" pitchFamily="49" charset="0"/>
               </a:rPr>
-              <a:t>::in | </a:t>
+              <a:t>::in | std::</a:t>
+            </a:r>
+            <a:r>
+              <a:rPr lang="en-US" dirty="0" err="1" smtClean="0">
+                <a:solidFill>
+                  <a:schemeClr val="tx1"/>
+                </a:solidFill>
+                <a:latin typeface="Consolas" pitchFamily="49" charset="0"/>
+                <a:cs typeface="Consolas" pitchFamily="49" charset="0"/>
+              </a:rPr>
+              <a:t>fstream</a:t>
             </a:r>
             <a:r>
               <a:rPr lang="en-US" dirty="0" smtClean="0">
@@ -7785,6 +8125,18 @@
                 <a:latin typeface="Consolas" pitchFamily="49" charset="0"/>
                 <a:cs typeface="Consolas" pitchFamily="49" charset="0"/>
               </a:rPr>
+              <a:t>::binary );</a:t>
+            </a:r>
+          </a:p>
+          <a:p>
+            <a:r>
+              <a:rPr lang="en-US" dirty="0" smtClean="0">
+                <a:solidFill>
+                  <a:schemeClr val="tx1"/>
+                </a:solidFill>
+                <a:latin typeface="Consolas" pitchFamily="49" charset="0"/>
+                <a:cs typeface="Consolas" pitchFamily="49" charset="0"/>
+              </a:rPr>
               <a:t>std::</a:t>
             </a:r>
             <a:r>
@@ -7805,7 +8157,17 @@
                 <a:latin typeface="Consolas" pitchFamily="49" charset="0"/>
                 <a:cs typeface="Consolas" pitchFamily="49" charset="0"/>
               </a:rPr>
-              <a:t>::binary </a:t>
+              <a:t> </a:t>
+            </a:r>
+            <a:r>
+              <a:rPr lang="en-US" dirty="0" err="1" smtClean="0">
+                <a:solidFill>
+                  <a:schemeClr val="tx1"/>
+                </a:solidFill>
+                <a:latin typeface="Consolas" pitchFamily="49" charset="0"/>
+                <a:cs typeface="Consolas" pitchFamily="49" charset="0"/>
+              </a:rPr>
+              <a:t>output_file</a:t>
             </a:r>
             <a:r>
               <a:rPr lang="en-US" dirty="0" smtClean="0">
@@ -7815,10 +8177,109 @@
                 <a:latin typeface="Consolas" pitchFamily="49" charset="0"/>
                 <a:cs typeface="Consolas" pitchFamily="49" charset="0"/>
               </a:rPr>
+              <a:t>( “</a:t>
+            </a:r>
+            <a:r>
+              <a:rPr lang="en-US" dirty="0" err="1" smtClean="0">
+                <a:solidFill>
+                  <a:schemeClr val="tx1"/>
+                </a:solidFill>
+                <a:latin typeface="Consolas" pitchFamily="49" charset="0"/>
+                <a:cs typeface="Consolas" pitchFamily="49" charset="0"/>
+              </a:rPr>
+              <a:t>outfile_name</a:t>
+            </a:r>
+            <a:r>
+              <a:rPr lang="en-US" dirty="0" smtClean="0">
+                <a:solidFill>
+                  <a:schemeClr val="tx1"/>
+                </a:solidFill>
+                <a:latin typeface="Consolas" pitchFamily="49" charset="0"/>
+                <a:cs typeface="Consolas" pitchFamily="49" charset="0"/>
+              </a:rPr>
+              <a:t>”, std::</a:t>
+            </a:r>
+            <a:r>
+              <a:rPr lang="en-US" dirty="0" err="1" smtClean="0">
+                <a:solidFill>
+                  <a:schemeClr val="tx1"/>
+                </a:solidFill>
+                <a:latin typeface="Consolas" pitchFamily="49" charset="0"/>
+                <a:cs typeface="Consolas" pitchFamily="49" charset="0"/>
+              </a:rPr>
+              <a:t>fstream</a:t>
+            </a:r>
+            <a:r>
+              <a:rPr lang="en-US" dirty="0" smtClean="0">
+                <a:solidFill>
+                  <a:schemeClr val="tx1"/>
+                </a:solidFill>
+                <a:latin typeface="Consolas" pitchFamily="49" charset="0"/>
+                <a:cs typeface="Consolas" pitchFamily="49" charset="0"/>
+              </a:rPr>
+              <a:t>::out |</a:t>
+            </a:r>
+          </a:p>
+          <a:p>
+            <a:r>
+              <a:rPr lang="en-US" dirty="0" smtClean="0">
+                <a:solidFill>
+                  <a:schemeClr val="tx1"/>
+                </a:solidFill>
+                <a:latin typeface="Consolas" pitchFamily="49" charset="0"/>
+                <a:cs typeface="Consolas" pitchFamily="49" charset="0"/>
+              </a:rPr>
+              <a:t>std::</a:t>
+            </a:r>
+            <a:r>
+              <a:rPr lang="en-US" dirty="0" err="1" smtClean="0">
+                <a:solidFill>
+                  <a:schemeClr val="tx1"/>
+                </a:solidFill>
+                <a:latin typeface="Consolas" pitchFamily="49" charset="0"/>
+                <a:cs typeface="Consolas" pitchFamily="49" charset="0"/>
+              </a:rPr>
+              <a:t>fstream</a:t>
+            </a:r>
+            <a:r>
+              <a:rPr lang="en-US" dirty="0" smtClean="0">
+                <a:solidFill>
+                  <a:schemeClr val="tx1"/>
+                </a:solidFill>
+                <a:latin typeface="Consolas" pitchFamily="49" charset="0"/>
+                <a:cs typeface="Consolas" pitchFamily="49" charset="0"/>
+              </a:rPr>
+              <a:t>::app </a:t>
+            </a:r>
+            <a:r>
+              <a:rPr lang="en-US" dirty="0" smtClean="0">
+                <a:solidFill>
+                  <a:schemeClr val="tx1"/>
+                </a:solidFill>
+                <a:latin typeface="Consolas" pitchFamily="49" charset="0"/>
+                <a:cs typeface="Consolas" pitchFamily="49" charset="0"/>
+              </a:rPr>
               <a:t>);</a:t>
             </a:r>
-          </a:p>
-          <a:p>
+            <a:endParaRPr lang="ru-RU" dirty="0" smtClean="0">
+              <a:solidFill>
+                <a:schemeClr val="tx1"/>
+              </a:solidFill>
+              <a:latin typeface="Consolas" pitchFamily="49" charset="0"/>
+              <a:cs typeface="Consolas" pitchFamily="49" charset="0"/>
+            </a:endParaRPr>
+          </a:p>
+          <a:p>
+            <a:r>
+              <a:rPr lang="en-US" dirty="0" err="1" smtClean="0">
+                <a:solidFill>
+                  <a:schemeClr val="tx1"/>
+                </a:solidFill>
+                <a:latin typeface="Consolas" pitchFamily="49" charset="0"/>
+                <a:cs typeface="Consolas" pitchFamily="49" charset="0"/>
+              </a:rPr>
+              <a:t>input_file.close</a:t>
+            </a:r>
             <a:r>
               <a:rPr lang="en-US" dirty="0" smtClean="0">
                 <a:solidFill>
@@ -7827,8 +8288,17 @@
                 <a:latin typeface="Consolas" pitchFamily="49" charset="0"/>
                 <a:cs typeface="Consolas" pitchFamily="49" charset="0"/>
               </a:rPr>
-              <a:t>std::</a:t>
-            </a:r>
+              <a:t>();</a:t>
+            </a:r>
+            <a:endParaRPr lang="ru-RU" dirty="0" smtClean="0">
+              <a:solidFill>
+                <a:schemeClr val="tx1"/>
+              </a:solidFill>
+              <a:latin typeface="Consolas" pitchFamily="49" charset="0"/>
+              <a:cs typeface="Consolas" pitchFamily="49" charset="0"/>
+            </a:endParaRPr>
+          </a:p>
+          <a:p>
             <a:r>
               <a:rPr lang="en-US" dirty="0" err="1" smtClean="0">
                 <a:solidFill>
@@ -7837,7 +8307,7 @@
                 <a:latin typeface="Consolas" pitchFamily="49" charset="0"/>
                 <a:cs typeface="Consolas" pitchFamily="49" charset="0"/>
               </a:rPr>
-              <a:t>fstream</a:t>
+              <a:t>output_file</a:t>
             </a:r>
             <a:r>
               <a:rPr lang="en-US" dirty="0" smtClean="0">
@@ -7847,100 +8317,15 @@
                 <a:latin typeface="Consolas" pitchFamily="49" charset="0"/>
                 <a:cs typeface="Consolas" pitchFamily="49" charset="0"/>
               </a:rPr>
-              <a:t> </a:t>
-            </a:r>
-            <a:r>
-              <a:rPr lang="en-US" dirty="0" err="1" smtClean="0">
-                <a:solidFill>
-                  <a:schemeClr val="tx1"/>
-                </a:solidFill>
-                <a:latin typeface="Consolas" pitchFamily="49" charset="0"/>
-                <a:cs typeface="Consolas" pitchFamily="49" charset="0"/>
-              </a:rPr>
-              <a:t>output_file</a:t>
-            </a:r>
-            <a:r>
-              <a:rPr lang="en-US" dirty="0" smtClean="0">
-                <a:solidFill>
-                  <a:schemeClr val="tx1"/>
-                </a:solidFill>
-                <a:latin typeface="Consolas" pitchFamily="49" charset="0"/>
-                <a:cs typeface="Consolas" pitchFamily="49" charset="0"/>
-              </a:rPr>
-              <a:t>( “</a:t>
-            </a:r>
-            <a:r>
-              <a:rPr lang="en-US" dirty="0" err="1" smtClean="0">
-                <a:solidFill>
-                  <a:schemeClr val="tx1"/>
-                </a:solidFill>
-                <a:latin typeface="Consolas" pitchFamily="49" charset="0"/>
-                <a:cs typeface="Consolas" pitchFamily="49" charset="0"/>
-              </a:rPr>
-              <a:t>outfile_name</a:t>
-            </a:r>
-            <a:r>
-              <a:rPr lang="en-US" dirty="0" smtClean="0">
-                <a:solidFill>
-                  <a:schemeClr val="tx1"/>
-                </a:solidFill>
-                <a:latin typeface="Consolas" pitchFamily="49" charset="0"/>
-                <a:cs typeface="Consolas" pitchFamily="49" charset="0"/>
-              </a:rPr>
-              <a:t>”, std::</a:t>
-            </a:r>
-            <a:r>
-              <a:rPr lang="en-US" dirty="0" err="1" smtClean="0">
-                <a:solidFill>
-                  <a:schemeClr val="tx1"/>
-                </a:solidFill>
-                <a:latin typeface="Consolas" pitchFamily="49" charset="0"/>
-                <a:cs typeface="Consolas" pitchFamily="49" charset="0"/>
-              </a:rPr>
-              <a:t>fstream</a:t>
-            </a:r>
-            <a:r>
-              <a:rPr lang="en-US" dirty="0" smtClean="0">
-                <a:solidFill>
-                  <a:schemeClr val="tx1"/>
-                </a:solidFill>
-                <a:latin typeface="Consolas" pitchFamily="49" charset="0"/>
-                <a:cs typeface="Consolas" pitchFamily="49" charset="0"/>
-              </a:rPr>
-              <a:t>::out |</a:t>
-            </a:r>
-          </a:p>
-          <a:p>
-            <a:r>
-              <a:rPr lang="en-US" dirty="0" smtClean="0">
-                <a:solidFill>
-                  <a:schemeClr val="tx1"/>
-                </a:solidFill>
-                <a:latin typeface="Consolas" pitchFamily="49" charset="0"/>
-                <a:cs typeface="Consolas" pitchFamily="49" charset="0"/>
-              </a:rPr>
-              <a:t>std::</a:t>
-            </a:r>
-            <a:r>
-              <a:rPr lang="en-US" dirty="0" err="1" smtClean="0">
-                <a:solidFill>
-                  <a:schemeClr val="tx1"/>
-                </a:solidFill>
-                <a:latin typeface="Consolas" pitchFamily="49" charset="0"/>
-                <a:cs typeface="Consolas" pitchFamily="49" charset="0"/>
-              </a:rPr>
-              <a:t>fstream</a:t>
-            </a:r>
-            <a:r>
-              <a:rPr lang="en-US" dirty="0" smtClean="0">
-                <a:solidFill>
-                  <a:schemeClr val="tx1"/>
-                </a:solidFill>
-                <a:latin typeface="Consolas" pitchFamily="49" charset="0"/>
-                <a:cs typeface="Consolas" pitchFamily="49" charset="0"/>
-              </a:rPr>
-              <a:t>::app );</a:t>
-            </a:r>
+              <a:t>();</a:t>
+            </a:r>
+            <a:endParaRPr lang="en-US" dirty="0" smtClean="0">
+              <a:solidFill>
+                <a:schemeClr val="tx1"/>
+              </a:solidFill>
+              <a:latin typeface="Consolas" pitchFamily="49" charset="0"/>
+              <a:cs typeface="Consolas" pitchFamily="49" charset="0"/>
+            </a:endParaRPr>
           </a:p>
           <a:p>
             <a:endParaRPr lang="en-US" dirty="0" smtClean="0">
@@ -8026,7 +8411,7 @@
         </p:spPr>
         <p:txBody>
           <a:bodyPr>
-            <a:normAutofit/>
+            <a:normAutofit fontScale="92500" lnSpcReduction="10000"/>
           </a:bodyPr>
           <a:lstStyle/>
           <a:p>
@@ -8038,7 +8423,33 @@
           <a:p>
             <a:r>
               <a:rPr lang="en-US" sz="2800" dirty="0" smtClean="0"/>
-              <a:t>size</a:t>
+              <a:t>size()</a:t>
+            </a:r>
+          </a:p>
+          <a:p>
+            <a:r>
+              <a:rPr lang="en-US" sz="2800" dirty="0" smtClean="0"/>
+              <a:t>std::string::</a:t>
+            </a:r>
+            <a:r>
+              <a:rPr lang="en-US" sz="2800" dirty="0" err="1" smtClean="0"/>
+              <a:t>npos</a:t>
+            </a:r>
+            <a:r>
+              <a:rPr lang="en-US" sz="2800" dirty="0" smtClean="0"/>
+              <a:t>;</a:t>
+            </a:r>
+          </a:p>
+          <a:p>
+            <a:r>
+              <a:rPr lang="en-US" sz="2800" dirty="0" smtClean="0"/>
+              <a:t>find( “what” )</a:t>
+            </a:r>
+          </a:p>
+          <a:p>
+            <a:r>
+              <a:rPr lang="en-US" sz="2800" dirty="0" err="1" smtClean="0"/>
+              <a:t>c_str</a:t>
             </a:r>
             <a:r>
               <a:rPr lang="en-US" sz="2800" dirty="0" smtClean="0"/>
@@ -8048,36 +8459,6 @@
           <a:p>
             <a:r>
               <a:rPr lang="en-US" sz="2800" dirty="0" smtClean="0"/>
-              <a:t>std::string::</a:t>
-            </a:r>
-            <a:r>
-              <a:rPr lang="en-US" sz="2800" dirty="0" err="1" smtClean="0"/>
-              <a:t>npos</a:t>
-            </a:r>
-            <a:r>
-              <a:rPr lang="en-US" sz="2800" dirty="0" smtClean="0"/>
-              <a:t>;</a:t>
-            </a:r>
-          </a:p>
-          <a:p>
-            <a:r>
-              <a:rPr lang="en-US" sz="2800" dirty="0" smtClean="0"/>
-              <a:t>find( “what” )</a:t>
-            </a:r>
-          </a:p>
-          <a:p>
-            <a:r>
-              <a:rPr lang="en-US" sz="2800" dirty="0" err="1" smtClean="0"/>
-              <a:t>c_str</a:t>
-            </a:r>
-            <a:r>
-              <a:rPr lang="en-US" sz="2800" dirty="0" smtClean="0"/>
-              <a:t>()</a:t>
-            </a:r>
-          </a:p>
-          <a:p>
-            <a:r>
-              <a:rPr lang="en-US" sz="2800" dirty="0" smtClean="0"/>
               <a:t>swap()</a:t>
             </a:r>
           </a:p>
@@ -8094,8 +8475,20 @@
           <a:p>
             <a:r>
               <a:rPr lang="en-US" sz="2800" strike="sngStrike" dirty="0" smtClean="0"/>
-              <a:t>string += string + string + string + string;</a:t>
-            </a:r>
+              <a:t>string += string + string + string + string</a:t>
+            </a:r>
+            <a:r>
+              <a:rPr lang="en-US" sz="2800" strike="sngStrike" dirty="0" smtClean="0"/>
+              <a:t>;</a:t>
+            </a:r>
+            <a:endParaRPr lang="ru-RU" sz="2800" strike="sngStrike" dirty="0" smtClean="0"/>
+          </a:p>
+          <a:p>
+            <a:r>
+              <a:rPr lang="en-US" sz="2800" strike="sngStrike" dirty="0" smtClean="0"/>
+              <a:t>void f( string s );</a:t>
+            </a:r>
+            <a:endParaRPr lang="en-US" sz="2800" strike="sngStrike" dirty="0" smtClean="0"/>
           </a:p>
         </p:txBody>
       </p:sp>

--- a/lections/cpp_craft_lec_1_part_2_v1_2.pptx
+++ b/lections/cpp_craft_lec_1_part_2_v1_2.pptx
@@ -304,7 +304,7 @@
             <a:fld id="{CD089F79-30FC-44C4-83E6-141ED3CABBF5}" type="datetimeFigureOut">
               <a:rPr lang="en-US" smtClean="0"/>
               <a:pPr/>
-              <a:t>10/4/2013</a:t>
+              <a:t>10/7/2013</a:t>
             </a:fld>
             <a:endParaRPr lang="en-US"/>
           </a:p>
@@ -471,7 +471,7 @@
             <a:fld id="{CD089F79-30FC-44C4-83E6-141ED3CABBF5}" type="datetimeFigureOut">
               <a:rPr lang="en-US" smtClean="0"/>
               <a:pPr/>
-              <a:t>10/4/2013</a:t>
+              <a:t>10/7/2013</a:t>
             </a:fld>
             <a:endParaRPr lang="en-US"/>
           </a:p>
@@ -648,7 +648,7 @@
             <a:fld id="{CD089F79-30FC-44C4-83E6-141ED3CABBF5}" type="datetimeFigureOut">
               <a:rPr lang="en-US" smtClean="0"/>
               <a:pPr/>
-              <a:t>10/4/2013</a:t>
+              <a:t>10/7/2013</a:t>
             </a:fld>
             <a:endParaRPr lang="en-US"/>
           </a:p>
@@ -815,7 +815,7 @@
             <a:fld id="{CD089F79-30FC-44C4-83E6-141ED3CABBF5}" type="datetimeFigureOut">
               <a:rPr lang="en-US" smtClean="0"/>
               <a:pPr/>
-              <a:t>10/4/2013</a:t>
+              <a:t>10/7/2013</a:t>
             </a:fld>
             <a:endParaRPr lang="en-US"/>
           </a:p>
@@ -1058,7 +1058,7 @@
             <a:fld id="{CD089F79-30FC-44C4-83E6-141ED3CABBF5}" type="datetimeFigureOut">
               <a:rPr lang="en-US" smtClean="0"/>
               <a:pPr/>
-              <a:t>10/4/2013</a:t>
+              <a:t>10/7/2013</a:t>
             </a:fld>
             <a:endParaRPr lang="en-US"/>
           </a:p>
@@ -1343,7 +1343,7 @@
             <a:fld id="{CD089F79-30FC-44C4-83E6-141ED3CABBF5}" type="datetimeFigureOut">
               <a:rPr lang="en-US" smtClean="0"/>
               <a:pPr/>
-              <a:t>10/4/2013</a:t>
+              <a:t>10/7/2013</a:t>
             </a:fld>
             <a:endParaRPr lang="en-US"/>
           </a:p>
@@ -1762,7 +1762,7 @@
             <a:fld id="{CD089F79-30FC-44C4-83E6-141ED3CABBF5}" type="datetimeFigureOut">
               <a:rPr lang="en-US" smtClean="0"/>
               <a:pPr/>
-              <a:t>10/4/2013</a:t>
+              <a:t>10/7/2013</a:t>
             </a:fld>
             <a:endParaRPr lang="en-US"/>
           </a:p>
@@ -1877,7 +1877,7 @@
             <a:fld id="{CD089F79-30FC-44C4-83E6-141ED3CABBF5}" type="datetimeFigureOut">
               <a:rPr lang="en-US" smtClean="0"/>
               <a:pPr/>
-              <a:t>10/4/2013</a:t>
+              <a:t>10/7/2013</a:t>
             </a:fld>
             <a:endParaRPr lang="en-US"/>
           </a:p>
@@ -1969,7 +1969,7 @@
             <a:fld id="{CD089F79-30FC-44C4-83E6-141ED3CABBF5}" type="datetimeFigureOut">
               <a:rPr lang="en-US" smtClean="0"/>
               <a:pPr/>
-              <a:t>10/4/2013</a:t>
+              <a:t>10/7/2013</a:t>
             </a:fld>
             <a:endParaRPr lang="en-US"/>
           </a:p>
@@ -2243,7 +2243,7 @@
             <a:fld id="{CD089F79-30FC-44C4-83E6-141ED3CABBF5}" type="datetimeFigureOut">
               <a:rPr lang="en-US" smtClean="0"/>
               <a:pPr/>
-              <a:t>10/4/2013</a:t>
+              <a:t>10/7/2013</a:t>
             </a:fld>
             <a:endParaRPr lang="en-US"/>
           </a:p>
@@ -2493,7 +2493,7 @@
             <a:fld id="{CD089F79-30FC-44C4-83E6-141ED3CABBF5}" type="datetimeFigureOut">
               <a:rPr lang="en-US" smtClean="0"/>
               <a:pPr/>
-              <a:t>10/4/2013</a:t>
+              <a:t>10/7/2013</a:t>
             </a:fld>
             <a:endParaRPr lang="en-US"/>
           </a:p>
@@ -2703,7 +2703,7 @@
             <a:fld id="{CD089F79-30FC-44C4-83E6-141ED3CABBF5}" type="datetimeFigureOut">
               <a:rPr lang="en-US" smtClean="0"/>
               <a:pPr/>
-              <a:t>10/4/2013</a:t>
+              <a:t>10/7/2013</a:t>
             </a:fld>
             <a:endParaRPr lang="en-US"/>
           </a:p>
@@ -4067,17 +4067,7 @@
                 <a:latin typeface="Consolas" pitchFamily="49" charset="0"/>
                 <a:cs typeface="Consolas" pitchFamily="49" charset="0"/>
               </a:rPr>
-              <a:t>for(vector</a:t>
-            </a:r>
-            <a:r>
-              <a:rPr lang="en-US" dirty="0" smtClean="0">
-                <a:solidFill>
-                  <a:schemeClr val="tx1"/>
-                </a:solidFill>
-                <a:latin typeface="Consolas" pitchFamily="49" charset="0"/>
-                <a:cs typeface="Consolas" pitchFamily="49" charset="0"/>
-              </a:rPr>
-              <a:t>::</a:t>
+              <a:t>for(vector::</a:t>
             </a:r>
             <a:r>
               <a:rPr lang="en-US" dirty="0" err="1" smtClean="0">
@@ -4503,7 +4493,7 @@
         <p:spPr>
           <a:xfrm>
             <a:off x="533400" y="2362200"/>
-            <a:ext cx="6400800" cy="3657600"/>
+            <a:ext cx="6400800" cy="2514600"/>
           </a:xfrm>
           <a:prstGeom prst="roundRect">
             <a:avLst/>
@@ -4808,91 +4798,25 @@
                 <a:latin typeface="Consolas" pitchFamily="49" charset="0"/>
                 <a:cs typeface="Consolas" pitchFamily="49" charset="0"/>
               </a:rPr>
-              <a:t>[ 10 ] );</a:t>
-            </a:r>
-          </a:p>
-          <a:p>
-            <a:endParaRPr lang="en-US" sz="2000" dirty="0">
+              <a:t>[ 10 ] </a:t>
+            </a:r>
+            <a:r>
+              <a:rPr lang="en-US" sz="2000" dirty="0" smtClean="0">
+                <a:solidFill>
+                  <a:schemeClr val="tx1"/>
+                </a:solidFill>
+                <a:latin typeface="Consolas" pitchFamily="49" charset="0"/>
+                <a:cs typeface="Consolas" pitchFamily="49" charset="0"/>
+              </a:rPr>
+              <a:t>);</a:t>
+            </a:r>
+            <a:endParaRPr lang="en-US" sz="2000" dirty="0" smtClean="0">
               <a:solidFill>
                 <a:schemeClr val="tx1"/>
               </a:solidFill>
               <a:latin typeface="Consolas" pitchFamily="49" charset="0"/>
               <a:cs typeface="Consolas" pitchFamily="49" charset="0"/>
             </a:endParaRPr>
-          </a:p>
-          <a:p>
-            <a:r>
-              <a:rPr lang="en-US" sz="2000" dirty="0" smtClean="0">
-                <a:solidFill>
-                  <a:schemeClr val="tx1"/>
-                </a:solidFill>
-                <a:latin typeface="Consolas" pitchFamily="49" charset="0"/>
-                <a:cs typeface="Consolas" pitchFamily="49" charset="0"/>
-              </a:rPr>
-              <a:t>std::list&lt; </a:t>
-            </a:r>
-            <a:r>
-              <a:rPr lang="en-US" sz="2000" dirty="0" err="1" smtClean="0">
-                <a:solidFill>
-                  <a:schemeClr val="tx1"/>
-                </a:solidFill>
-                <a:latin typeface="Consolas" pitchFamily="49" charset="0"/>
-                <a:cs typeface="Consolas" pitchFamily="49" charset="0"/>
-              </a:rPr>
-              <a:t>int</a:t>
-            </a:r>
-            <a:r>
-              <a:rPr lang="en-US" sz="2000" dirty="0" smtClean="0">
-                <a:solidFill>
-                  <a:schemeClr val="tx1"/>
-                </a:solidFill>
-                <a:latin typeface="Consolas" pitchFamily="49" charset="0"/>
-                <a:cs typeface="Consolas" pitchFamily="49" charset="0"/>
-              </a:rPr>
-              <a:t> &gt; </a:t>
-            </a:r>
-            <a:r>
-              <a:rPr lang="en-US" sz="2000" dirty="0" err="1" smtClean="0">
-                <a:solidFill>
-                  <a:schemeClr val="tx1"/>
-                </a:solidFill>
-                <a:latin typeface="Consolas" pitchFamily="49" charset="0"/>
-                <a:cs typeface="Consolas" pitchFamily="49" charset="0"/>
-              </a:rPr>
-              <a:t>li</a:t>
-            </a:r>
-            <a:r>
-              <a:rPr lang="en-US" sz="2000" dirty="0" smtClean="0">
-                <a:solidFill>
-                  <a:schemeClr val="tx1"/>
-                </a:solidFill>
-                <a:latin typeface="Consolas" pitchFamily="49" charset="0"/>
-                <a:cs typeface="Consolas" pitchFamily="49" charset="0"/>
-              </a:rPr>
-              <a:t>;</a:t>
-            </a:r>
-          </a:p>
-          <a:p>
-            <a:r>
-              <a:rPr lang="en-US" sz="2000" dirty="0" err="1" smtClean="0">
-                <a:solidFill>
-                  <a:schemeClr val="tx1"/>
-                </a:solidFill>
-                <a:latin typeface="Consolas" pitchFamily="49" charset="0"/>
-                <a:cs typeface="Consolas" pitchFamily="49" charset="0"/>
-              </a:rPr>
-              <a:t>li.sort</a:t>
-            </a:r>
-            <a:r>
-              <a:rPr lang="en-US" sz="2000" dirty="0" smtClean="0">
-                <a:solidFill>
-                  <a:schemeClr val="tx1"/>
-                </a:solidFill>
-                <a:latin typeface="Consolas" pitchFamily="49" charset="0"/>
-                <a:cs typeface="Consolas" pitchFamily="49" charset="0"/>
-              </a:rPr>
-              <a:t>();</a:t>
-            </a:r>
           </a:p>
         </p:txBody>
       </p:sp>
@@ -5106,6 +5030,153 @@
           </a:fontRef>
         </p:style>
       </p:cxnSp>
+      <p:pic>
+        <p:nvPicPr>
+          <p:cNvPr id="9" name="Рисунок 8" descr="1.jpg"/>
+          <p:cNvPicPr>
+            <a:picLocks noChangeAspect="1"/>
+          </p:cNvPicPr>
+          <p:nvPr/>
+        </p:nvPicPr>
+        <p:blipFill>
+          <a:blip r:embed="rId3" cstate="print"/>
+          <a:stretch>
+            <a:fillRect/>
+          </a:stretch>
+        </p:blipFill>
+        <p:spPr>
+          <a:xfrm>
+            <a:off x="7162800" y="4648200"/>
+            <a:ext cx="1295400" cy="1431417"/>
+          </a:xfrm>
+          <a:prstGeom prst="rect">
+            <a:avLst/>
+          </a:prstGeom>
+        </p:spPr>
+      </p:pic>
+      <p:sp>
+        <p:nvSpPr>
+          <p:cNvPr id="10" name="Скругленный прямоугольник 9"/>
+          <p:cNvSpPr/>
+          <p:nvPr/>
+        </p:nvSpPr>
+        <p:spPr>
+          <a:xfrm>
+            <a:off x="533400" y="5105400"/>
+            <a:ext cx="6400800" cy="838200"/>
+          </a:xfrm>
+          <a:prstGeom prst="roundRect">
+            <a:avLst/>
+          </a:prstGeom>
+          <a:solidFill>
+            <a:schemeClr val="bg2"/>
+          </a:solidFill>
+        </p:spPr>
+        <p:style>
+          <a:lnRef idx="2">
+            <a:schemeClr val="accent1">
+              <a:shade val="50000"/>
+            </a:schemeClr>
+          </a:lnRef>
+          <a:fillRef idx="1">
+            <a:schemeClr val="accent1"/>
+          </a:fillRef>
+          <a:effectRef idx="0">
+            <a:schemeClr val="accent1"/>
+          </a:effectRef>
+          <a:fontRef idx="minor">
+            <a:schemeClr val="lt1"/>
+          </a:fontRef>
+        </p:style>
+        <p:txBody>
+          <a:bodyPr rtlCol="0" anchor="ctr"/>
+          <a:lstStyle/>
+          <a:p>
+            <a:r>
+              <a:rPr lang="en-US" sz="2000" dirty="0" smtClean="0">
+                <a:solidFill>
+                  <a:schemeClr val="tx1"/>
+                </a:solidFill>
+                <a:latin typeface="Consolas" pitchFamily="49" charset="0"/>
+                <a:cs typeface="Consolas" pitchFamily="49" charset="0"/>
+              </a:rPr>
+              <a:t>std</a:t>
+            </a:r>
+            <a:r>
+              <a:rPr lang="en-US" sz="2000" dirty="0" smtClean="0">
+                <a:solidFill>
+                  <a:schemeClr val="tx1"/>
+                </a:solidFill>
+                <a:latin typeface="Consolas" pitchFamily="49" charset="0"/>
+                <a:cs typeface="Consolas" pitchFamily="49" charset="0"/>
+              </a:rPr>
+              <a:t>::list&lt; </a:t>
+            </a:r>
+            <a:r>
+              <a:rPr lang="en-US" sz="2000" dirty="0" err="1" smtClean="0">
+                <a:solidFill>
+                  <a:schemeClr val="tx1"/>
+                </a:solidFill>
+                <a:latin typeface="Consolas" pitchFamily="49" charset="0"/>
+                <a:cs typeface="Consolas" pitchFamily="49" charset="0"/>
+              </a:rPr>
+              <a:t>int</a:t>
+            </a:r>
+            <a:r>
+              <a:rPr lang="en-US" sz="2000" dirty="0" smtClean="0">
+                <a:solidFill>
+                  <a:schemeClr val="tx1"/>
+                </a:solidFill>
+                <a:latin typeface="Consolas" pitchFamily="49" charset="0"/>
+                <a:cs typeface="Consolas" pitchFamily="49" charset="0"/>
+              </a:rPr>
+              <a:t> &gt; </a:t>
+            </a:r>
+            <a:r>
+              <a:rPr lang="en-US" sz="2000" dirty="0" err="1" smtClean="0">
+                <a:solidFill>
+                  <a:schemeClr val="tx1"/>
+                </a:solidFill>
+                <a:latin typeface="Consolas" pitchFamily="49" charset="0"/>
+                <a:cs typeface="Consolas" pitchFamily="49" charset="0"/>
+              </a:rPr>
+              <a:t>li</a:t>
+            </a:r>
+            <a:r>
+              <a:rPr lang="en-US" sz="2000" dirty="0" smtClean="0">
+                <a:solidFill>
+                  <a:schemeClr val="tx1"/>
+                </a:solidFill>
+                <a:latin typeface="Consolas" pitchFamily="49" charset="0"/>
+                <a:cs typeface="Consolas" pitchFamily="49" charset="0"/>
+              </a:rPr>
+              <a:t>;</a:t>
+            </a:r>
+          </a:p>
+          <a:p>
+            <a:r>
+              <a:rPr lang="en-US" sz="2000" dirty="0" err="1" smtClean="0">
+                <a:solidFill>
+                  <a:schemeClr val="tx1"/>
+                </a:solidFill>
+                <a:latin typeface="Consolas" pitchFamily="49" charset="0"/>
+                <a:cs typeface="Consolas" pitchFamily="49" charset="0"/>
+              </a:rPr>
+              <a:t>li.sort</a:t>
+            </a:r>
+            <a:r>
+              <a:rPr lang="en-US" sz="2000" dirty="0" smtClean="0">
+                <a:solidFill>
+                  <a:schemeClr val="tx1"/>
+                </a:solidFill>
+                <a:latin typeface="Consolas" pitchFamily="49" charset="0"/>
+                <a:cs typeface="Consolas" pitchFamily="49" charset="0"/>
+              </a:rPr>
+              <a:t>();</a:t>
+            </a:r>
+          </a:p>
+        </p:txBody>
+      </p:sp>
     </p:spTree>
   </p:cSld>
   <p:clrMapOvr>
@@ -5288,8 +5359,62 @@
           <a:p>
             <a:r>
               <a:rPr lang="ru-RU" sz="2400" dirty="0" smtClean="0"/>
-              <a:t>Бьерн Страуструп «Язык программирования С++» - глава «Стандартные контейнеры»</a:t>
-            </a:r>
+              <a:t>Бьерн Страуструп «Язык программирования С++» - глава «Стандартные контейнеры</a:t>
+            </a:r>
+            <a:r>
+              <a:rPr lang="ru-RU" sz="2400" dirty="0" smtClean="0"/>
+              <a:t>»</a:t>
+            </a:r>
+            <a:endParaRPr lang="en-US" sz="2400" dirty="0" smtClean="0"/>
+          </a:p>
+          <a:p>
+            <a:r>
+              <a:rPr lang="ru-RU" sz="2400" b="1" dirty="0" smtClean="0"/>
+              <a:t>Умные указатели в </a:t>
+            </a:r>
+            <a:r>
+              <a:rPr lang="en-US" sz="2400" b="1" dirty="0" smtClean="0"/>
+              <a:t>C++: boost::</a:t>
+            </a:r>
+            <a:r>
+              <a:rPr lang="en-US" sz="2400" b="1" dirty="0" err="1" smtClean="0"/>
+              <a:t>shared_ptr</a:t>
+            </a:r>
+            <a:r>
+              <a:rPr lang="en-US" sz="2400" b="1" dirty="0" smtClean="0"/>
+              <a:t>, boost::</a:t>
+            </a:r>
+            <a:r>
+              <a:rPr lang="en-US" sz="2400" b="1" dirty="0" err="1" smtClean="0"/>
+              <a:t>weak_ptr</a:t>
+            </a:r>
+            <a:r>
+              <a:rPr lang="en-US" sz="2400" b="1" dirty="0" smtClean="0"/>
+              <a:t>, boost::</a:t>
+            </a:r>
+            <a:r>
+              <a:rPr lang="en-US" sz="2400" b="1" dirty="0" err="1" smtClean="0"/>
+              <a:t>intrusive_ptr</a:t>
+            </a:r>
+            <a:endParaRPr lang="en-US" sz="2400" b="1" dirty="0" smtClean="0"/>
+          </a:p>
+          <a:p>
+            <a:pPr indent="-1588">
+              <a:buNone/>
+            </a:pPr>
+            <a:r>
+              <a:rPr lang="en-US" sz="2400" dirty="0" smtClean="0">
+                <a:hlinkClick r:id="rId3"/>
+              </a:rPr>
+              <a:t>http</a:t>
+            </a:r>
+            <a:r>
+              <a:rPr lang="en-US" sz="2400" dirty="0" smtClean="0">
+                <a:hlinkClick r:id="rId3"/>
+              </a:rPr>
+              <a:t>://blog.alno.name/ru/2008/05/using-boost-smart-pointers</a:t>
+            </a:r>
+            <a:endParaRPr lang="ru-RU" sz="2400" dirty="0" smtClean="0"/>
           </a:p>
           <a:p>
             <a:endParaRPr lang="en-US" sz="2000" dirty="0"/>
@@ -5390,15 +5515,7 @@
             </a:r>
             <a:r>
               <a:rPr lang="ru-RU" dirty="0" smtClean="0"/>
-              <a:t>– </a:t>
-            </a:r>
-            <a:r>
-              <a:rPr lang="ru-RU" dirty="0" smtClean="0"/>
-              <a:t>объявление </a:t>
-            </a:r>
-            <a:r>
-              <a:rPr lang="ru-RU" dirty="0" smtClean="0"/>
-              <a:t>(только один раз )</a:t>
+              <a:t>– объявление (только один раз )</a:t>
             </a:r>
             <a:endParaRPr lang="en-US" dirty="0" smtClean="0"/>
           </a:p>
@@ -5732,6 +5849,30 @@
           </a:p>
         </p:txBody>
       </p:sp>
+      <p:pic>
+        <p:nvPicPr>
+          <p:cNvPr id="7" name="Рисунок 6" descr="1.jpg"/>
+          <p:cNvPicPr>
+            <a:picLocks noChangeAspect="1"/>
+          </p:cNvPicPr>
+          <p:nvPr/>
+        </p:nvPicPr>
+        <p:blipFill>
+          <a:blip r:embed="rId2" cstate="print"/>
+          <a:stretch>
+            <a:fillRect/>
+          </a:stretch>
+        </p:blipFill>
+        <p:spPr>
+          <a:xfrm>
+            <a:off x="5105400" y="4953000"/>
+            <a:ext cx="1600200" cy="1768221"/>
+          </a:xfrm>
+          <a:prstGeom prst="rect">
+            <a:avLst/>
+          </a:prstGeom>
+        </p:spPr>
+      </p:pic>
     </p:spTree>
   </p:cSld>
   <p:clrMapOvr>
@@ -6078,8 +6219,10 @@
                 <a:latin typeface="Consolas" pitchFamily="49" charset="0"/>
                 <a:cs typeface="Consolas" pitchFamily="49" charset="0"/>
               </a:rPr>
-              <a:t> (std::string::*sp)() const</a:t>
-            </a:r>
+              <a:t> (std::string::*sp)() const;</a:t>
+            </a:r>
+          </a:p>
+          <a:p>
             <a:r>
               <a:rPr lang="en-US" sz="2000" dirty="0" smtClean="0">
                 <a:solidFill>
@@ -6088,10 +6231,18 @@
                 <a:latin typeface="Consolas" pitchFamily="49" charset="0"/>
                 <a:cs typeface="Consolas" pitchFamily="49" charset="0"/>
               </a:rPr>
-              <a:t>;</a:t>
-            </a:r>
-          </a:p>
-          <a:p>
+              <a:t>sp </a:t>
+            </a:r>
+            <a:r>
+              <a:rPr lang="en-US" sz="2000" dirty="0" err="1" smtClean="0">
+                <a:solidFill>
+                  <a:schemeClr val="tx1"/>
+                </a:solidFill>
+                <a:latin typeface="Consolas" pitchFamily="49" charset="0"/>
+                <a:cs typeface="Consolas" pitchFamily="49" charset="0"/>
+              </a:rPr>
+              <a:t>size_ptr</a:t>
+            </a:r>
             <a:r>
               <a:rPr lang="en-US" sz="2000" dirty="0" smtClean="0">
                 <a:solidFill>
@@ -6100,7 +6251,19 @@
                 <a:latin typeface="Consolas" pitchFamily="49" charset="0"/>
                 <a:cs typeface="Consolas" pitchFamily="49" charset="0"/>
               </a:rPr>
-              <a:t>sp </a:t>
+              <a:t> = &amp;std::string::size;</a:t>
+            </a:r>
+          </a:p>
+          <a:p>
+            <a:r>
+              <a:rPr lang="en-US" sz="2000" dirty="0" smtClean="0">
+                <a:solidFill>
+                  <a:schemeClr val="tx1"/>
+                </a:solidFill>
+                <a:latin typeface="Consolas" pitchFamily="49" charset="0"/>
+                <a:cs typeface="Consolas" pitchFamily="49" charset="0"/>
+              </a:rPr>
+              <a:t>( s.*</a:t>
             </a:r>
             <a:r>
               <a:rPr lang="en-US" sz="2000" dirty="0" err="1" smtClean="0">
@@ -6120,67 +6283,8 @@
                 <a:latin typeface="Consolas" pitchFamily="49" charset="0"/>
                 <a:cs typeface="Consolas" pitchFamily="49" charset="0"/>
               </a:rPr>
-              <a:t> = &amp;std::string::size;</a:t>
-            </a:r>
-          </a:p>
-          <a:p>
-            <a:r>
-              <a:rPr lang="en-US" sz="2000" dirty="0" smtClean="0">
-                <a:solidFill>
-                  <a:schemeClr val="tx1"/>
-                </a:solidFill>
-                <a:latin typeface="Consolas" pitchFamily="49" charset="0"/>
-                <a:cs typeface="Consolas" pitchFamily="49" charset="0"/>
-              </a:rPr>
-              <a:t>( </a:t>
-            </a:r>
-            <a:r>
-              <a:rPr lang="en-US" sz="2000" dirty="0" smtClean="0">
-                <a:solidFill>
-                  <a:schemeClr val="tx1"/>
-                </a:solidFill>
-                <a:latin typeface="Consolas" pitchFamily="49" charset="0"/>
-                <a:cs typeface="Consolas" pitchFamily="49" charset="0"/>
-              </a:rPr>
-              <a:t>s.*</a:t>
-            </a:r>
-            <a:r>
-              <a:rPr lang="en-US" sz="2000" dirty="0" err="1" smtClean="0">
-                <a:solidFill>
-                  <a:schemeClr val="tx1"/>
-                </a:solidFill>
-                <a:latin typeface="Consolas" pitchFamily="49" charset="0"/>
-                <a:cs typeface="Consolas" pitchFamily="49" charset="0"/>
-              </a:rPr>
-              <a:t>size_ptr</a:t>
-            </a:r>
-            <a:r>
-              <a:rPr lang="en-US" sz="2000" dirty="0" smtClean="0">
-                <a:solidFill>
-                  <a:schemeClr val="tx1"/>
-                </a:solidFill>
-                <a:latin typeface="Consolas" pitchFamily="49" charset="0"/>
-                <a:cs typeface="Consolas" pitchFamily="49" charset="0"/>
-              </a:rPr>
-              <a:t> </a:t>
-            </a:r>
-            <a:r>
-              <a:rPr lang="en-US" sz="2000" dirty="0" smtClean="0">
-                <a:solidFill>
-                  <a:schemeClr val="tx1"/>
-                </a:solidFill>
-                <a:latin typeface="Consolas" pitchFamily="49" charset="0"/>
-                <a:cs typeface="Consolas" pitchFamily="49" charset="0"/>
-              </a:rPr>
-              <a:t>)();</a:t>
-            </a:r>
-            <a:endParaRPr lang="en-US" sz="2000" dirty="0" smtClean="0">
-              <a:solidFill>
-                <a:schemeClr val="tx1"/>
-              </a:solidFill>
-              <a:latin typeface="Consolas" pitchFamily="49" charset="0"/>
-              <a:cs typeface="Consolas" pitchFamily="49" charset="0"/>
-            </a:endParaRPr>
+              <a:t> )();</a:t>
+            </a:r>
           </a:p>
         </p:txBody>
       </p:sp>
@@ -6302,35 +6406,8 @@
                 <a:latin typeface="Consolas" pitchFamily="49" charset="0"/>
                 <a:cs typeface="Consolas" pitchFamily="49" charset="0"/>
               </a:rPr>
-              <a:t> s { static </a:t>
-            </a:r>
-            <a:r>
-              <a:rPr lang="en-US" sz="2000" dirty="0" smtClean="0">
-                <a:solidFill>
-                  <a:schemeClr val="tx1"/>
-                </a:solidFill>
-                <a:latin typeface="Consolas" pitchFamily="49" charset="0"/>
-                <a:cs typeface="Consolas" pitchFamily="49" charset="0"/>
-              </a:rPr>
-              <a:t>void out</a:t>
-            </a:r>
-            <a:r>
-              <a:rPr lang="en-US" sz="2000" dirty="0" smtClean="0">
-                <a:solidFill>
-                  <a:schemeClr val="tx1"/>
-                </a:solidFill>
-                <a:latin typeface="Consolas" pitchFamily="49" charset="0"/>
-                <a:cs typeface="Consolas" pitchFamily="49" charset="0"/>
-              </a:rPr>
-              <a:t>() {} };</a:t>
-            </a:r>
-            <a:endParaRPr lang="en-US" sz="2000" dirty="0" smtClean="0">
-              <a:solidFill>
-                <a:schemeClr val="tx1"/>
-              </a:solidFill>
-              <a:latin typeface="Consolas" pitchFamily="49" charset="0"/>
-              <a:cs typeface="Consolas" pitchFamily="49" charset="0"/>
-            </a:endParaRPr>
+              <a:t> s { static void out() {} };</a:t>
+            </a:r>
           </a:p>
           <a:p>
             <a:pPr>
@@ -6354,7 +6431,17 @@
                 <a:latin typeface="Consolas" pitchFamily="49" charset="0"/>
                 <a:cs typeface="Consolas" pitchFamily="49" charset="0"/>
               </a:rPr>
-              <a:t> </a:t>
+              <a:t> void (*</a:t>
+            </a:r>
+            <a:r>
+              <a:rPr lang="en-US" sz="2000" dirty="0" err="1" smtClean="0">
+                <a:solidFill>
+                  <a:schemeClr val="tx1"/>
+                </a:solidFill>
+                <a:latin typeface="Consolas" pitchFamily="49" charset="0"/>
+                <a:cs typeface="Consolas" pitchFamily="49" charset="0"/>
+              </a:rPr>
+              <a:t>fp</a:t>
             </a:r>
             <a:r>
               <a:rPr lang="en-US" sz="2000" dirty="0" smtClean="0">
@@ -6364,35 +6451,8 @@
                 <a:latin typeface="Consolas" pitchFamily="49" charset="0"/>
                 <a:cs typeface="Consolas" pitchFamily="49" charset="0"/>
               </a:rPr>
-              <a:t>void (*</a:t>
-            </a:r>
-            <a:r>
-              <a:rPr lang="en-US" sz="2000" dirty="0" err="1" smtClean="0">
-                <a:solidFill>
-                  <a:schemeClr val="tx1"/>
-                </a:solidFill>
-                <a:latin typeface="Consolas" pitchFamily="49" charset="0"/>
-                <a:cs typeface="Consolas" pitchFamily="49" charset="0"/>
-              </a:rPr>
-              <a:t>fp</a:t>
-            </a:r>
-            <a:r>
-              <a:rPr lang="en-US" sz="2000" dirty="0" smtClean="0">
-                <a:solidFill>
-                  <a:schemeClr val="tx1"/>
-                </a:solidFill>
-                <a:latin typeface="Consolas" pitchFamily="49" charset="0"/>
-                <a:cs typeface="Consolas" pitchFamily="49" charset="0"/>
-              </a:rPr>
               <a:t>)();</a:t>
             </a:r>
-            <a:endParaRPr lang="en-US" sz="2000" dirty="0" smtClean="0">
-              <a:solidFill>
-                <a:schemeClr val="tx1"/>
-              </a:solidFill>
-              <a:latin typeface="Consolas" pitchFamily="49" charset="0"/>
-              <a:cs typeface="Consolas" pitchFamily="49" charset="0"/>
-            </a:endParaRPr>
           </a:p>
           <a:p>
             <a:pPr>
@@ -6436,27 +6496,7 @@
                 <a:latin typeface="Consolas" pitchFamily="49" charset="0"/>
                 <a:cs typeface="Consolas" pitchFamily="49" charset="0"/>
               </a:rPr>
-              <a:t> = </a:t>
-            </a:r>
-            <a:r>
-              <a:rPr lang="en-US" sz="2000" dirty="0" smtClean="0">
-                <a:solidFill>
-                  <a:schemeClr val="tx1"/>
-                </a:solidFill>
-                <a:latin typeface="Consolas" pitchFamily="49" charset="0"/>
-                <a:cs typeface="Consolas" pitchFamily="49" charset="0"/>
-              </a:rPr>
-              <a:t>&amp;s::</a:t>
-            </a:r>
-            <a:r>
-              <a:rPr lang="en-US" sz="2000" dirty="0" smtClean="0">
-                <a:solidFill>
-                  <a:schemeClr val="tx1"/>
-                </a:solidFill>
-                <a:latin typeface="Consolas" pitchFamily="49" charset="0"/>
-                <a:cs typeface="Consolas" pitchFamily="49" charset="0"/>
-              </a:rPr>
-              <a:t>out;</a:t>
+              <a:t> = &amp;s::out;</a:t>
             </a:r>
           </a:p>
           <a:p>
@@ -6843,6 +6883,30 @@
           </a:p>
         </p:txBody>
       </p:sp>
+      <p:pic>
+        <p:nvPicPr>
+          <p:cNvPr id="9" name="Рисунок 8" descr="1.jpg"/>
+          <p:cNvPicPr>
+            <a:picLocks noChangeAspect="1"/>
+          </p:cNvPicPr>
+          <p:nvPr/>
+        </p:nvPicPr>
+        <p:blipFill>
+          <a:blip r:embed="rId2" cstate="print"/>
+          <a:stretch>
+            <a:fillRect/>
+          </a:stretch>
+        </p:blipFill>
+        <p:spPr>
+          <a:xfrm>
+            <a:off x="6019800" y="4724400"/>
+            <a:ext cx="1676400" cy="1852422"/>
+          </a:xfrm>
+          <a:prstGeom prst="rect">
+            <a:avLst/>
+          </a:prstGeom>
+        </p:spPr>
+      </p:pic>
     </p:spTree>
   </p:cSld>
   <p:clrMapOvr>
@@ -7826,17 +7890,7 @@
                 <a:latin typeface="Consolas" pitchFamily="49" charset="0"/>
                 <a:cs typeface="Consolas" pitchFamily="49" charset="0"/>
               </a:rPr>
-              <a:t>” </a:t>
-            </a:r>
-            <a:r>
-              <a:rPr lang="en-US" dirty="0" smtClean="0">
-                <a:solidFill>
-                  <a:schemeClr val="tx1"/>
-                </a:solidFill>
-                <a:latin typeface="Consolas" pitchFamily="49" charset="0"/>
-                <a:cs typeface="Consolas" pitchFamily="49" charset="0"/>
-              </a:rPr>
-              <a:t>);</a:t>
+              <a:t>” );</a:t>
             </a:r>
             <a:endParaRPr lang="ru-RU" dirty="0" smtClean="0">
               <a:solidFill>
@@ -7867,13 +7921,6 @@
               </a:rPr>
               <a:t>();</a:t>
             </a:r>
-            <a:endParaRPr lang="en-US" dirty="0" smtClean="0">
-              <a:solidFill>
-                <a:schemeClr val="tx1"/>
-              </a:solidFill>
-              <a:latin typeface="Consolas" pitchFamily="49" charset="0"/>
-              <a:cs typeface="Consolas" pitchFamily="49" charset="0"/>
-            </a:endParaRPr>
           </a:p>
         </p:txBody>
       </p:sp>
@@ -8249,17 +8296,7 @@
                 <a:latin typeface="Consolas" pitchFamily="49" charset="0"/>
                 <a:cs typeface="Consolas" pitchFamily="49" charset="0"/>
               </a:rPr>
-              <a:t>::app </a:t>
-            </a:r>
-            <a:r>
-              <a:rPr lang="en-US" dirty="0" smtClean="0">
-                <a:solidFill>
-                  <a:schemeClr val="tx1"/>
-                </a:solidFill>
-                <a:latin typeface="Consolas" pitchFamily="49" charset="0"/>
-                <a:cs typeface="Consolas" pitchFamily="49" charset="0"/>
-              </a:rPr>
-              <a:t>);</a:t>
+              <a:t>::app );</a:t>
             </a:r>
             <a:endParaRPr lang="ru-RU" dirty="0" smtClean="0">
               <a:solidFill>
@@ -8319,13 +8356,6 @@
               </a:rPr>
               <a:t>();</a:t>
             </a:r>
-            <a:endParaRPr lang="en-US" dirty="0" smtClean="0">
-              <a:solidFill>
-                <a:schemeClr val="tx1"/>
-              </a:solidFill>
-              <a:latin typeface="Consolas" pitchFamily="49" charset="0"/>
-              <a:cs typeface="Consolas" pitchFamily="49" charset="0"/>
-            </a:endParaRPr>
           </a:p>
           <a:p>
             <a:endParaRPr lang="en-US" dirty="0" smtClean="0">
@@ -8475,11 +8505,7 @@
           <a:p>
             <a:r>
               <a:rPr lang="en-US" sz="2800" strike="sngStrike" dirty="0" smtClean="0"/>
-              <a:t>string += string + string + string + string</a:t>
-            </a:r>
-            <a:r>
-              <a:rPr lang="en-US" sz="2800" strike="sngStrike" dirty="0" smtClean="0"/>
-              <a:t>;</a:t>
+              <a:t>string += string + string + string + string;</a:t>
             </a:r>
             <a:endParaRPr lang="ru-RU" sz="2800" strike="sngStrike" dirty="0" smtClean="0"/>
           </a:p>
@@ -8488,7 +8514,6 @@
               <a:rPr lang="en-US" sz="2800" strike="sngStrike" dirty="0" smtClean="0"/>
               <a:t>void f( string s );</a:t>
             </a:r>
-            <a:endParaRPr lang="en-US" sz="2800" strike="sngStrike" dirty="0" smtClean="0"/>
           </a:p>
         </p:txBody>
       </p:sp>
@@ -8554,6 +8579,30 @@
           </a:fontRef>
         </p:style>
       </p:cxnSp>
+      <p:pic>
+        <p:nvPicPr>
+          <p:cNvPr id="6" name="Рисунок 5" descr="1.jpg"/>
+          <p:cNvPicPr>
+            <a:picLocks noChangeAspect="1"/>
+          </p:cNvPicPr>
+          <p:nvPr/>
+        </p:nvPicPr>
+        <p:blipFill>
+          <a:blip r:embed="rId3" cstate="print"/>
+          <a:stretch>
+            <a:fillRect/>
+          </a:stretch>
+        </p:blipFill>
+        <p:spPr>
+          <a:xfrm>
+            <a:off x="6248400" y="3938778"/>
+            <a:ext cx="1676400" cy="1852422"/>
+          </a:xfrm>
+          <a:prstGeom prst="rect">
+            <a:avLst/>
+          </a:prstGeom>
+        </p:spPr>
+      </p:pic>
     </p:spTree>
   </p:cSld>
   <p:clrMapOvr>

--- a/lections/cpp_craft_lec_1_part_2_v1_2.pptx
+++ b/lections/cpp_craft_lec_1_part_2_v1_2.pptx
@@ -3537,13 +3537,11 @@
           <a:p>
             <a:r>
               <a:rPr lang="en-US" dirty="0" smtClean="0"/>
-              <a:t>begin() / end()</a:t>
-            </a:r>
-          </a:p>
-          <a:p>
+              <a:t>splice</a:t>
+            </a:r>
             <a:r>
               <a:rPr lang="en-US" dirty="0" smtClean="0"/>
-              <a:t>splice()</a:t>
+              <a:t>()</a:t>
             </a:r>
           </a:p>
           <a:p>
@@ -3559,6 +3557,14 @@
               <a:rPr lang="en-US" dirty="0" smtClean="0"/>
               <a:t>()</a:t>
             </a:r>
+          </a:p>
+          <a:p>
+            <a:r>
+              <a:rPr lang="en-US" dirty="0" smtClean="0"/>
+              <a:t>begin() / end()</a:t>
+            </a:r>
+          </a:p>
+          <a:p>
             <a:endParaRPr lang="en-US" dirty="0"/>
           </a:p>
         </p:txBody>
@@ -4798,25 +4804,8 @@
                 <a:latin typeface="Consolas" pitchFamily="49" charset="0"/>
                 <a:cs typeface="Consolas" pitchFamily="49" charset="0"/>
               </a:rPr>
-              <a:t>[ 10 ] </a:t>
-            </a:r>
-            <a:r>
-              <a:rPr lang="en-US" sz="2000" dirty="0" smtClean="0">
-                <a:solidFill>
-                  <a:schemeClr val="tx1"/>
-                </a:solidFill>
-                <a:latin typeface="Consolas" pitchFamily="49" charset="0"/>
-                <a:cs typeface="Consolas" pitchFamily="49" charset="0"/>
-              </a:rPr>
-              <a:t>);</a:t>
-            </a:r>
-            <a:endParaRPr lang="en-US" sz="2000" dirty="0" smtClean="0">
-              <a:solidFill>
-                <a:schemeClr val="tx1"/>
-              </a:solidFill>
-              <a:latin typeface="Consolas" pitchFamily="49" charset="0"/>
-              <a:cs typeface="Consolas" pitchFamily="49" charset="0"/>
-            </a:endParaRPr>
+              <a:t>[ 10 ] );</a:t>
+            </a:r>
           </a:p>
         </p:txBody>
       </p:sp>
@@ -5100,17 +5089,7 @@
                 <a:latin typeface="Consolas" pitchFamily="49" charset="0"/>
                 <a:cs typeface="Consolas" pitchFamily="49" charset="0"/>
               </a:rPr>
-              <a:t>std</a:t>
-            </a:r>
-            <a:r>
-              <a:rPr lang="en-US" sz="2000" dirty="0" smtClean="0">
-                <a:solidFill>
-                  <a:schemeClr val="tx1"/>
-                </a:solidFill>
-                <a:latin typeface="Consolas" pitchFamily="49" charset="0"/>
-                <a:cs typeface="Consolas" pitchFamily="49" charset="0"/>
-              </a:rPr>
-              <a:t>::list&lt; </a:t>
+              <a:t>std::list&lt; </a:t>
             </a:r>
             <a:r>
               <a:rPr lang="en-US" sz="2000" dirty="0" err="1" smtClean="0">
@@ -5359,11 +5338,7 @@
           <a:p>
             <a:r>
               <a:rPr lang="ru-RU" sz="2400" dirty="0" smtClean="0"/>
-              <a:t>Бьерн Страуструп «Язык программирования С++» - глава «Стандартные контейнеры</a:t>
-            </a:r>
-            <a:r>
-              <a:rPr lang="ru-RU" sz="2400" dirty="0" smtClean="0"/>
-              <a:t>»</a:t>
+              <a:t>Бьерн Страуструп «Язык программирования С++» - глава «Стандартные контейнеры»</a:t>
             </a:r>
             <a:endParaRPr lang="en-US" sz="2400" dirty="0" smtClean="0"/>
           </a:p>
@@ -5406,13 +5381,7 @@
               <a:rPr lang="en-US" sz="2400" dirty="0" smtClean="0">
                 <a:hlinkClick r:id="rId3"/>
               </a:rPr>
-              <a:t>http</a:t>
-            </a:r>
-            <a:r>
-              <a:rPr lang="en-US" sz="2400" dirty="0" smtClean="0">
-                <a:hlinkClick r:id="rId3"/>
-              </a:rPr>
-              <a:t>://blog.alno.name/ru/2008/05/using-boost-smart-pointers</a:t>
+              <a:t>http://blog.alno.name/ru/2008/05/using-boost-smart-pointers</a:t>
             </a:r>
             <a:endParaRPr lang="ru-RU" sz="2400" dirty="0" smtClean="0"/>
           </a:p>
@@ -8152,7 +8121,37 @@
                 <a:latin typeface="Consolas" pitchFamily="49" charset="0"/>
                 <a:cs typeface="Consolas" pitchFamily="49" charset="0"/>
               </a:rPr>
-              <a:t>::in | std::</a:t>
+              <a:t>::in | </a:t>
+            </a:r>
+            <a:r>
+              <a:rPr lang="en-US" dirty="0" smtClean="0">
+                <a:solidFill>
+                  <a:schemeClr val="tx1"/>
+                </a:solidFill>
+                <a:latin typeface="Consolas" pitchFamily="49" charset="0"/>
+                <a:cs typeface="Consolas" pitchFamily="49" charset="0"/>
+              </a:rPr>
+              <a:t>	</a:t>
+            </a:r>
+            <a:r>
+              <a:rPr lang="en-US" dirty="0" smtClean="0">
+                <a:solidFill>
+                  <a:schemeClr val="tx1"/>
+                </a:solidFill>
+                <a:latin typeface="Consolas" pitchFamily="49" charset="0"/>
+                <a:cs typeface="Consolas" pitchFamily="49" charset="0"/>
+              </a:rPr>
+              <a:t>std</a:t>
+            </a:r>
+            <a:r>
+              <a:rPr lang="en-US" dirty="0" smtClean="0">
+                <a:solidFill>
+                  <a:schemeClr val="tx1"/>
+                </a:solidFill>
+                <a:latin typeface="Consolas" pitchFamily="49" charset="0"/>
+                <a:cs typeface="Consolas" pitchFamily="49" charset="0"/>
+              </a:rPr>
+              <a:t>::</a:t>
             </a:r>
             <a:r>
               <a:rPr lang="en-US" dirty="0" err="1" smtClean="0">
@@ -8276,7 +8275,17 @@
                 <a:latin typeface="Consolas" pitchFamily="49" charset="0"/>
                 <a:cs typeface="Consolas" pitchFamily="49" charset="0"/>
               </a:rPr>
-              <a:t>std::</a:t>
+              <a:t>	std</a:t>
+            </a:r>
+            <a:r>
+              <a:rPr lang="en-US" dirty="0" smtClean="0">
+                <a:solidFill>
+                  <a:schemeClr val="tx1"/>
+                </a:solidFill>
+                <a:latin typeface="Consolas" pitchFamily="49" charset="0"/>
+                <a:cs typeface="Consolas" pitchFamily="49" charset="0"/>
+              </a:rPr>
+              <a:t>::</a:t>
             </a:r>
             <a:r>
               <a:rPr lang="en-US" dirty="0" err="1" smtClean="0">

--- a/lections/cpp_craft_lec_1_part_2_v1_2.pptx
+++ b/lections/cpp_craft_lec_1_part_2_v1_2.pptx
@@ -15,9 +15,9 @@
     <p:sldId id="271" r:id="rId9"/>
     <p:sldId id="263" r:id="rId10"/>
     <p:sldId id="264" r:id="rId11"/>
-    <p:sldId id="267" r:id="rId12"/>
-    <p:sldId id="268" r:id="rId13"/>
-    <p:sldId id="265" r:id="rId14"/>
+    <p:sldId id="268" r:id="rId12"/>
+    <p:sldId id="265" r:id="rId13"/>
+    <p:sldId id="267" r:id="rId14"/>
     <p:sldId id="269" r:id="rId15"/>
     <p:sldId id="270" r:id="rId16"/>
     <p:sldId id="272" r:id="rId17"/>
@@ -3289,21 +3289,74 @@
           <a:p>
             <a:r>
               <a:rPr lang="en-US" dirty="0" smtClean="0"/>
-              <a:t>resize() / reserve()</a:t>
-            </a:r>
-          </a:p>
-          <a:p>
+              <a:t>resize</a:t>
+            </a:r>
             <a:r>
               <a:rPr lang="en-US" dirty="0" smtClean="0"/>
-              <a:t>insert() / </a:t>
-            </a:r>
+              <a:t>( n, </a:t>
+            </a:r>
+            <a:r>
+              <a:rPr lang="en-US" dirty="0" err="1" smtClean="0"/>
+              <a:t>val</a:t>
+            </a:r>
+            <a:r>
+              <a:rPr lang="en-US" dirty="0" smtClean="0"/>
+              <a:t> ) </a:t>
+            </a:r>
+            <a:r>
+              <a:rPr lang="en-US" dirty="0" smtClean="0"/>
+              <a:t>/ reserve</a:t>
+            </a:r>
+            <a:r>
+              <a:rPr lang="en-US" dirty="0" smtClean="0"/>
+              <a:t>( n )</a:t>
+            </a:r>
+            <a:endParaRPr lang="en-US" dirty="0" smtClean="0"/>
+          </a:p>
+          <a:p>
             <a:r>
               <a:rPr lang="en-US" dirty="0" err="1" smtClean="0"/>
               <a:t>push_back</a:t>
             </a:r>
             <a:r>
               <a:rPr lang="ru-RU" dirty="0" smtClean="0"/>
-              <a:t>()</a:t>
+              <a:t>(</a:t>
+            </a:r>
+            <a:r>
+              <a:rPr lang="en-US" dirty="0" smtClean="0"/>
+              <a:t> </a:t>
+            </a:r>
+            <a:r>
+              <a:rPr lang="en-US" dirty="0" err="1" smtClean="0"/>
+              <a:t>val</a:t>
+            </a:r>
+            <a:r>
+              <a:rPr lang="en-US" dirty="0" smtClean="0"/>
+              <a:t> </a:t>
+            </a:r>
+            <a:r>
+              <a:rPr lang="ru-RU" dirty="0" smtClean="0"/>
+              <a:t>)</a:t>
+            </a:r>
+            <a:r>
+              <a:rPr lang="en-US" dirty="0" smtClean="0"/>
+              <a:t> </a:t>
+            </a:r>
+            <a:r>
+              <a:rPr lang="en-US" dirty="0" smtClean="0"/>
+              <a:t>/ </a:t>
+            </a:r>
+            <a:r>
+              <a:rPr lang="en-US" dirty="0" smtClean="0"/>
+              <a:t>insert( pos, </a:t>
+            </a:r>
+            <a:r>
+              <a:rPr lang="en-US" dirty="0" err="1" smtClean="0"/>
+              <a:t>val</a:t>
+            </a:r>
+            <a:r>
+              <a:rPr lang="en-US" dirty="0" smtClean="0"/>
+              <a:t> )</a:t>
             </a:r>
             <a:endParaRPr lang="en-US" dirty="0" smtClean="0"/>
           </a:p>
@@ -3464,7 +3517,27 @@
           <a:p>
             <a:r>
               <a:rPr lang="en-US" dirty="0" smtClean="0"/>
-              <a:t>std::list</a:t>
+              <a:t>std::</a:t>
+            </a:r>
+            <a:r>
+              <a:rPr lang="en-US" dirty="0" err="1" smtClean="0"/>
+              <a:t>iterator</a:t>
+            </a:r>
+            <a:r>
+              <a:rPr lang="en-US" dirty="0" smtClean="0"/>
+              <a:t> </a:t>
+            </a:r>
+            <a:r>
+              <a:rPr lang="ru-RU" dirty="0" smtClean="0"/>
+              <a:t>и </a:t>
+            </a:r>
+            <a:r>
+              <a:rPr lang="en-US" dirty="0" smtClean="0"/>
+              <a:t>std::</a:t>
+            </a:r>
+            <a:r>
+              <a:rPr lang="en-US" dirty="0" err="1" smtClean="0"/>
+              <a:t>const_iterator</a:t>
             </a:r>
             <a:endParaRPr lang="en-US" dirty="0"/>
           </a:p>
@@ -3472,100 +3545,298 @@
       </p:sp>
       <p:sp>
         <p:nvSpPr>
-          <p:cNvPr id="3" name="Content Placeholder 2"/>
-          <p:cNvSpPr>
-            <a:spLocks noGrp="1"/>
-          </p:cNvSpPr>
-          <p:nvPr>
-            <p:ph idx="1"/>
-          </p:nvPr>
-        </p:nvSpPr>
-        <p:spPr/>
-        <p:txBody>
-          <a:bodyPr>
-            <a:normAutofit/>
+          <p:cNvPr id="4" name="Прямоугольник 3"/>
+          <p:cNvSpPr/>
+          <p:nvPr/>
+        </p:nvSpPr>
+        <p:spPr>
+          <a:xfrm>
+            <a:off x="2819400" y="5943600"/>
+            <a:ext cx="6096000" cy="646331"/>
+          </a:xfrm>
+          <a:prstGeom prst="rect">
+            <a:avLst/>
+          </a:prstGeom>
+        </p:spPr>
+        <p:txBody>
+          <a:bodyPr wrap="square">
+            <a:spAutoFit/>
           </a:bodyPr>
           <a:lstStyle/>
           <a:p>
-            <a:r>
-              <a:rPr lang="en-US" dirty="0" smtClean="0"/>
-              <a:t>#include &lt;list&gt;</a:t>
-            </a:r>
-          </a:p>
-          <a:p>
-            <a:r>
-              <a:rPr lang="en-US" dirty="0" smtClean="0"/>
-              <a:t>size()</a:t>
-            </a:r>
-          </a:p>
-          <a:p>
-            <a:r>
-              <a:rPr lang="en-US" dirty="0" err="1" smtClean="0"/>
-              <a:t>push_back</a:t>
-            </a:r>
-            <a:r>
-              <a:rPr lang="en-US" dirty="0" smtClean="0"/>
-              <a:t>() / </a:t>
-            </a:r>
-            <a:r>
-              <a:rPr lang="en-US" dirty="0" err="1" smtClean="0"/>
-              <a:t>push_front</a:t>
-            </a:r>
-            <a:r>
-              <a:rPr lang="en-US" dirty="0" smtClean="0"/>
-              <a:t>()</a:t>
-            </a:r>
-          </a:p>
-          <a:p>
-            <a:r>
-              <a:rPr lang="en-US" dirty="0" err="1" smtClean="0"/>
-              <a:t>pop_back</a:t>
-            </a:r>
-            <a:r>
-              <a:rPr lang="en-US" dirty="0" smtClean="0"/>
-              <a:t>() / </a:t>
-            </a:r>
-            <a:r>
-              <a:rPr lang="en-US" dirty="0" err="1" smtClean="0"/>
-              <a:t>pop_front</a:t>
-            </a:r>
-            <a:r>
-              <a:rPr lang="en-US" dirty="0" smtClean="0"/>
-              <a:t>()</a:t>
-            </a:r>
-          </a:p>
-          <a:p>
-            <a:r>
-              <a:rPr lang="en-US" dirty="0" smtClean="0"/>
-              <a:t>splice</a:t>
-            </a:r>
-            <a:r>
-              <a:rPr lang="en-US" dirty="0" smtClean="0"/>
-              <a:t>()</a:t>
-            </a:r>
-          </a:p>
-          <a:p>
-            <a:r>
-              <a:rPr lang="en-US" dirty="0" smtClean="0"/>
-              <a:t>remove() / </a:t>
-            </a:r>
-            <a:r>
-              <a:rPr lang="en-US" dirty="0" err="1" smtClean="0"/>
-              <a:t>remove_if</a:t>
-            </a:r>
-            <a:r>
-              <a:rPr lang="en-US" dirty="0" smtClean="0"/>
-              <a:t>()</a:t>
-            </a:r>
-          </a:p>
-          <a:p>
-            <a:r>
-              <a:rPr lang="en-US" dirty="0" smtClean="0"/>
-              <a:t>begin() / end()</a:t>
-            </a:r>
-          </a:p>
-          <a:p>
-            <a:endParaRPr lang="en-US" dirty="0"/>
+            <a:pPr algn="r">
+              <a:buNone/>
+            </a:pPr>
+            <a:r>
+              <a:rPr lang="en-US" dirty="0" smtClean="0">
+                <a:hlinkClick r:id="rId2"/>
+              </a:rPr>
+              <a:t>http://www.cplusplus.com/reference/iterator/iterator/</a:t>
+            </a:r>
+            <a:endParaRPr lang="en-US" dirty="0" smtClean="0"/>
+          </a:p>
+          <a:p>
+            <a:pPr algn="r">
+              <a:buNone/>
+            </a:pPr>
+            <a:r>
+              <a:rPr lang="en-US" dirty="0" smtClean="0">
+                <a:hlinkClick r:id="rId3"/>
+              </a:rPr>
+              <a:t>http://www.cplusplus.com/reference/iterator/iterator_traits/</a:t>
+            </a:r>
+            <a:endParaRPr lang="en-US" dirty="0" smtClean="0"/>
+          </a:p>
+        </p:txBody>
+      </p:sp>
+      <p:cxnSp>
+        <p:nvCxnSpPr>
+          <p:cNvPr id="5" name="Прямая соединительная линия 4"/>
+          <p:cNvCxnSpPr/>
+          <p:nvPr/>
+        </p:nvCxnSpPr>
+        <p:spPr>
+          <a:xfrm>
+            <a:off x="3581400" y="5848290"/>
+            <a:ext cx="5181600" cy="0"/>
+          </a:xfrm>
+          <a:prstGeom prst="line">
+            <a:avLst/>
+          </a:prstGeom>
+        </p:spPr>
+        <p:style>
+          <a:lnRef idx="1">
+            <a:schemeClr val="accent1"/>
+          </a:lnRef>
+          <a:fillRef idx="0">
+            <a:schemeClr val="accent1"/>
+          </a:fillRef>
+          <a:effectRef idx="0">
+            <a:schemeClr val="accent1"/>
+          </a:effectRef>
+          <a:fontRef idx="minor">
+            <a:schemeClr val="tx1"/>
+          </a:fontRef>
+        </p:style>
+      </p:cxnSp>
+      <p:sp>
+        <p:nvSpPr>
+          <p:cNvPr id="6" name="Скругленный прямоугольник 5"/>
+          <p:cNvSpPr/>
+          <p:nvPr/>
+        </p:nvSpPr>
+        <p:spPr>
+          <a:xfrm>
+            <a:off x="228600" y="1600200"/>
+            <a:ext cx="8534400" cy="3810000"/>
+          </a:xfrm>
+          <a:prstGeom prst="roundRect">
+            <a:avLst/>
+          </a:prstGeom>
+          <a:solidFill>
+            <a:schemeClr val="bg2"/>
+          </a:solidFill>
+        </p:spPr>
+        <p:style>
+          <a:lnRef idx="2">
+            <a:schemeClr val="accent1">
+              <a:shade val="50000"/>
+            </a:schemeClr>
+          </a:lnRef>
+          <a:fillRef idx="1">
+            <a:schemeClr val="accent1"/>
+          </a:fillRef>
+          <a:effectRef idx="0">
+            <a:schemeClr val="accent1"/>
+          </a:effectRef>
+          <a:fontRef idx="minor">
+            <a:schemeClr val="lt1"/>
+          </a:fontRef>
+        </p:style>
+        <p:txBody>
+          <a:bodyPr rtlCol="0" anchor="ctr"/>
+          <a:lstStyle/>
+          <a:p>
+            <a:r>
+              <a:rPr lang="en-US" sz="2400" dirty="0" smtClean="0">
+                <a:solidFill>
+                  <a:schemeClr val="tx1"/>
+                </a:solidFill>
+                <a:latin typeface="Consolas" pitchFamily="49" charset="0"/>
+                <a:cs typeface="Consolas" pitchFamily="49" charset="0"/>
+              </a:rPr>
+              <a:t>std::vector&lt; </a:t>
+            </a:r>
+            <a:r>
+              <a:rPr lang="en-US" sz="2400" dirty="0" err="1" smtClean="0">
+                <a:solidFill>
+                  <a:schemeClr val="tx1"/>
+                </a:solidFill>
+                <a:latin typeface="Consolas" pitchFamily="49" charset="0"/>
+                <a:cs typeface="Consolas" pitchFamily="49" charset="0"/>
+              </a:rPr>
+              <a:t>int</a:t>
+            </a:r>
+            <a:r>
+              <a:rPr lang="en-US" sz="2400" dirty="0" smtClean="0">
+                <a:solidFill>
+                  <a:schemeClr val="tx1"/>
+                </a:solidFill>
+                <a:latin typeface="Consolas" pitchFamily="49" charset="0"/>
+                <a:cs typeface="Consolas" pitchFamily="49" charset="0"/>
+              </a:rPr>
+              <a:t> &gt; vi;</a:t>
+            </a:r>
+          </a:p>
+          <a:p>
+            <a:r>
+              <a:rPr lang="en-US" sz="2400" dirty="0" err="1" smtClean="0">
+                <a:solidFill>
+                  <a:schemeClr val="tx1"/>
+                </a:solidFill>
+                <a:latin typeface="Consolas" pitchFamily="49" charset="0"/>
+                <a:cs typeface="Consolas" pitchFamily="49" charset="0"/>
+              </a:rPr>
+              <a:t>vi.begin</a:t>
+            </a:r>
+            <a:r>
+              <a:rPr lang="en-US" sz="2400" dirty="0" smtClean="0">
+                <a:solidFill>
+                  <a:schemeClr val="tx1"/>
+                </a:solidFill>
+                <a:latin typeface="Consolas" pitchFamily="49" charset="0"/>
+                <a:cs typeface="Consolas" pitchFamily="49" charset="0"/>
+              </a:rPr>
+              <a:t>();</a:t>
+            </a:r>
+          </a:p>
+          <a:p>
+            <a:r>
+              <a:rPr lang="en-US" sz="2400" dirty="0" err="1" smtClean="0">
+                <a:solidFill>
+                  <a:schemeClr val="tx1"/>
+                </a:solidFill>
+                <a:latin typeface="Consolas" pitchFamily="49" charset="0"/>
+                <a:cs typeface="Consolas" pitchFamily="49" charset="0"/>
+              </a:rPr>
+              <a:t>vi.end</a:t>
+            </a:r>
+            <a:r>
+              <a:rPr lang="en-US" sz="2400" dirty="0" smtClean="0">
+                <a:solidFill>
+                  <a:schemeClr val="tx1"/>
+                </a:solidFill>
+                <a:latin typeface="Consolas" pitchFamily="49" charset="0"/>
+                <a:cs typeface="Consolas" pitchFamily="49" charset="0"/>
+              </a:rPr>
+              <a:t>();</a:t>
+            </a:r>
+          </a:p>
+          <a:p>
+            <a:endParaRPr lang="en-US" sz="2400" dirty="0" smtClean="0">
+              <a:solidFill>
+                <a:schemeClr val="tx1"/>
+              </a:solidFill>
+              <a:latin typeface="Consolas" pitchFamily="49" charset="0"/>
+              <a:cs typeface="Consolas" pitchFamily="49" charset="0"/>
+            </a:endParaRPr>
+          </a:p>
+          <a:p>
+            <a:r>
+              <a:rPr lang="en-US" sz="2400" dirty="0" err="1" smtClean="0">
+                <a:solidFill>
+                  <a:schemeClr val="tx1"/>
+                </a:solidFill>
+                <a:latin typeface="Consolas" pitchFamily="49" charset="0"/>
+                <a:cs typeface="Consolas" pitchFamily="49" charset="0"/>
+              </a:rPr>
+              <a:t>vi.rbegin</a:t>
+            </a:r>
+            <a:r>
+              <a:rPr lang="en-US" sz="2400" dirty="0" smtClean="0">
+                <a:solidFill>
+                  <a:schemeClr val="tx1"/>
+                </a:solidFill>
+                <a:latin typeface="Consolas" pitchFamily="49" charset="0"/>
+                <a:cs typeface="Consolas" pitchFamily="49" charset="0"/>
+              </a:rPr>
+              <a:t>();</a:t>
+            </a:r>
+          </a:p>
+          <a:p>
+            <a:r>
+              <a:rPr lang="en-US" sz="2400" dirty="0" err="1" smtClean="0">
+                <a:solidFill>
+                  <a:schemeClr val="tx1"/>
+                </a:solidFill>
+                <a:latin typeface="Consolas" pitchFamily="49" charset="0"/>
+                <a:cs typeface="Consolas" pitchFamily="49" charset="0"/>
+              </a:rPr>
+              <a:t>vi.rend</a:t>
+            </a:r>
+            <a:r>
+              <a:rPr lang="en-US" sz="2400" dirty="0" smtClean="0">
+                <a:solidFill>
+                  <a:schemeClr val="tx1"/>
+                </a:solidFill>
+                <a:latin typeface="Consolas" pitchFamily="49" charset="0"/>
+                <a:cs typeface="Consolas" pitchFamily="49" charset="0"/>
+              </a:rPr>
+              <a:t>();</a:t>
+            </a:r>
+          </a:p>
+          <a:p>
+            <a:endParaRPr lang="en-US" sz="2400" dirty="0">
+              <a:solidFill>
+                <a:schemeClr val="tx1"/>
+              </a:solidFill>
+              <a:latin typeface="Consolas" pitchFamily="49" charset="0"/>
+              <a:cs typeface="Consolas" pitchFamily="49" charset="0"/>
+            </a:endParaRPr>
+          </a:p>
+          <a:p>
+            <a:r>
+              <a:rPr lang="en-US" sz="2400" dirty="0" err="1" smtClean="0">
+                <a:solidFill>
+                  <a:schemeClr val="tx1"/>
+                </a:solidFill>
+                <a:latin typeface="Consolas" pitchFamily="49" charset="0"/>
+                <a:cs typeface="Consolas" pitchFamily="49" charset="0"/>
+              </a:rPr>
+              <a:t>vi.cbegin</a:t>
+            </a:r>
+            <a:r>
+              <a:rPr lang="en-US" sz="2400" dirty="0" smtClean="0">
+                <a:solidFill>
+                  <a:schemeClr val="tx1"/>
+                </a:solidFill>
+                <a:latin typeface="Consolas" pitchFamily="49" charset="0"/>
+                <a:cs typeface="Consolas" pitchFamily="49" charset="0"/>
+              </a:rPr>
+              <a:t>(); // C++0x</a:t>
+            </a:r>
+          </a:p>
+          <a:p>
+            <a:r>
+              <a:rPr lang="en-US" sz="2400" dirty="0" err="1" smtClean="0">
+                <a:solidFill>
+                  <a:schemeClr val="tx1"/>
+                </a:solidFill>
+                <a:latin typeface="Consolas" pitchFamily="49" charset="0"/>
+                <a:cs typeface="Consolas" pitchFamily="49" charset="0"/>
+              </a:rPr>
+              <a:t>vi.cend</a:t>
+            </a:r>
+            <a:r>
+              <a:rPr lang="en-US" sz="2400" dirty="0" smtClean="0">
+                <a:solidFill>
+                  <a:schemeClr val="tx1"/>
+                </a:solidFill>
+                <a:latin typeface="Consolas" pitchFamily="49" charset="0"/>
+                <a:cs typeface="Consolas" pitchFamily="49" charset="0"/>
+              </a:rPr>
+              <a:t>(); // C++0x</a:t>
+            </a:r>
           </a:p>
         </p:txBody>
       </p:sp>
@@ -3603,133 +3874,14 @@
       </p:grpSpPr>
       <p:sp>
         <p:nvSpPr>
-          <p:cNvPr id="2" name="Title 1"/>
-          <p:cNvSpPr>
-            <a:spLocks noGrp="1"/>
-          </p:cNvSpPr>
-          <p:nvPr>
-            <p:ph type="title"/>
-          </p:nvPr>
-        </p:nvSpPr>
-        <p:spPr/>
-        <p:txBody>
-          <a:bodyPr/>
-          <a:lstStyle/>
-          <a:p>
-            <a:r>
-              <a:rPr lang="en-US" dirty="0" smtClean="0"/>
-              <a:t>std::</a:t>
-            </a:r>
-            <a:r>
-              <a:rPr lang="en-US" dirty="0" err="1" smtClean="0"/>
-              <a:t>iterator</a:t>
-            </a:r>
-            <a:r>
-              <a:rPr lang="en-US" dirty="0" smtClean="0"/>
-              <a:t> </a:t>
-            </a:r>
-            <a:r>
-              <a:rPr lang="ru-RU" dirty="0" smtClean="0"/>
-              <a:t>и </a:t>
-            </a:r>
-            <a:r>
-              <a:rPr lang="en-US" dirty="0" smtClean="0"/>
-              <a:t>std::</a:t>
-            </a:r>
-            <a:r>
-              <a:rPr lang="en-US" dirty="0" err="1" smtClean="0"/>
-              <a:t>const_iterator</a:t>
-            </a:r>
-            <a:endParaRPr lang="en-US" dirty="0"/>
-          </a:p>
-        </p:txBody>
-      </p:sp>
-      <p:sp>
-        <p:nvSpPr>
-          <p:cNvPr id="4" name="Прямоугольник 3"/>
+          <p:cNvPr id="7" name="Скругленный прямоугольник 6"/>
           <p:cNvSpPr/>
           <p:nvPr/>
         </p:nvSpPr>
         <p:spPr>
           <a:xfrm>
-            <a:off x="2819400" y="5943600"/>
-            <a:ext cx="6096000" cy="646331"/>
-          </a:xfrm>
-          <a:prstGeom prst="rect">
-            <a:avLst/>
-          </a:prstGeom>
-        </p:spPr>
-        <p:txBody>
-          <a:bodyPr wrap="square">
-            <a:spAutoFit/>
-          </a:bodyPr>
-          <a:lstStyle/>
-          <a:p>
-            <a:pPr algn="r">
-              <a:buNone/>
-            </a:pPr>
-            <a:r>
-              <a:rPr lang="en-US" dirty="0" smtClean="0">
-                <a:hlinkClick r:id="rId2"/>
-              </a:rPr>
-              <a:t>http://www.cplusplus.com/reference/iterator/iterator/</a:t>
-            </a:r>
-            <a:endParaRPr lang="en-US" dirty="0" smtClean="0"/>
-          </a:p>
-          <a:p>
-            <a:pPr algn="r">
-              <a:buNone/>
-            </a:pPr>
-            <a:r>
-              <a:rPr lang="en-US" dirty="0" smtClean="0">
-                <a:hlinkClick r:id="rId3"/>
-              </a:rPr>
-              <a:t>http://www.cplusplus.com/reference/iterator/iterator_traits/</a:t>
-            </a:r>
-            <a:endParaRPr lang="en-US" dirty="0" smtClean="0"/>
-          </a:p>
-        </p:txBody>
-      </p:sp>
-      <p:cxnSp>
-        <p:nvCxnSpPr>
-          <p:cNvPr id="5" name="Прямая соединительная линия 4"/>
-          <p:cNvCxnSpPr/>
-          <p:nvPr/>
-        </p:nvCxnSpPr>
-        <p:spPr>
-          <a:xfrm>
-            <a:off x="3581400" y="5848290"/>
-            <a:ext cx="5181600" cy="0"/>
-          </a:xfrm>
-          <a:prstGeom prst="line">
-            <a:avLst/>
-          </a:prstGeom>
-        </p:spPr>
-        <p:style>
-          <a:lnRef idx="1">
-            <a:schemeClr val="accent1"/>
-          </a:lnRef>
-          <a:fillRef idx="0">
-            <a:schemeClr val="accent1"/>
-          </a:fillRef>
-          <a:effectRef idx="0">
-            <a:schemeClr val="accent1"/>
-          </a:effectRef>
-          <a:fontRef idx="minor">
-            <a:schemeClr val="tx1"/>
-          </a:fontRef>
-        </p:style>
-      </p:cxnSp>
-      <p:sp>
-        <p:nvSpPr>
-          <p:cNvPr id="6" name="Скругленный прямоугольник 5"/>
-          <p:cNvSpPr/>
-          <p:nvPr/>
-        </p:nvSpPr>
-        <p:spPr>
-          <a:xfrm>
-            <a:off x="228600" y="1600200"/>
-            <a:ext cx="8534400" cy="3810000"/>
+            <a:off x="228600" y="1676400"/>
+            <a:ext cx="8763000" cy="2819400"/>
           </a:xfrm>
           <a:prstGeom prst="roundRect">
             <a:avLst/>
@@ -3759,17 +3911,27 @@
           <a:lstStyle/>
           <a:p>
             <a:r>
-              <a:rPr lang="en-US" sz="2400" dirty="0" smtClean="0">
-                <a:solidFill>
-                  <a:schemeClr val="tx1"/>
-                </a:solidFill>
-                <a:latin typeface="Consolas" pitchFamily="49" charset="0"/>
-                <a:cs typeface="Consolas" pitchFamily="49" charset="0"/>
-              </a:rPr>
-              <a:t>std::vector&lt; </a:t>
-            </a:r>
-            <a:r>
-              <a:rPr lang="en-US" sz="2400" dirty="0" err="1" smtClean="0">
+              <a:rPr lang="en-US" dirty="0" err="1" smtClean="0">
+                <a:solidFill>
+                  <a:schemeClr val="tx1"/>
+                </a:solidFill>
+                <a:latin typeface="Consolas" pitchFamily="49" charset="0"/>
+                <a:cs typeface="Consolas" pitchFamily="49" charset="0"/>
+              </a:rPr>
+              <a:t>typedef</a:t>
+            </a:r>
+            <a:r>
+              <a:rPr lang="en-US" dirty="0" smtClean="0">
+                <a:solidFill>
+                  <a:schemeClr val="tx1"/>
+                </a:solidFill>
+                <a:latin typeface="Consolas" pitchFamily="49" charset="0"/>
+                <a:cs typeface="Consolas" pitchFamily="49" charset="0"/>
+              </a:rPr>
+              <a:t> std::vector&lt; </a:t>
+            </a:r>
+            <a:r>
+              <a:rPr lang="en-US" dirty="0" err="1" smtClean="0">
                 <a:solidFill>
                   <a:schemeClr val="tx1"/>
                 </a:solidFill>
@@ -3779,19 +3941,81 @@
               <a:t>int</a:t>
             </a:r>
             <a:r>
-              <a:rPr lang="en-US" sz="2400" dirty="0" smtClean="0">
-                <a:solidFill>
-                  <a:schemeClr val="tx1"/>
-                </a:solidFill>
-                <a:latin typeface="Consolas" pitchFamily="49" charset="0"/>
-                <a:cs typeface="Consolas" pitchFamily="49" charset="0"/>
-              </a:rPr>
-              <a:t> &gt; vi;</a:t>
-            </a:r>
-          </a:p>
-          <a:p>
-            <a:r>
-              <a:rPr lang="en-US" sz="2400" dirty="0" err="1" smtClean="0">
+              <a:rPr lang="en-US" dirty="0" smtClean="0">
+                <a:solidFill>
+                  <a:schemeClr val="tx1"/>
+                </a:solidFill>
+                <a:latin typeface="Consolas" pitchFamily="49" charset="0"/>
+                <a:cs typeface="Consolas" pitchFamily="49" charset="0"/>
+              </a:rPr>
+              <a:t> &gt; vector;</a:t>
+            </a:r>
+          </a:p>
+          <a:p>
+            <a:r>
+              <a:rPr lang="en-US" dirty="0" smtClean="0">
+                <a:solidFill>
+                  <a:schemeClr val="tx1"/>
+                </a:solidFill>
+                <a:latin typeface="Consolas" pitchFamily="49" charset="0"/>
+                <a:cs typeface="Consolas" pitchFamily="49" charset="0"/>
+              </a:rPr>
+              <a:t>vector vi( 10, 15 );</a:t>
+            </a:r>
+          </a:p>
+          <a:p>
+            <a:r>
+              <a:rPr lang="en-US" dirty="0" smtClean="0">
+                <a:solidFill>
+                  <a:schemeClr val="tx1"/>
+                </a:solidFill>
+                <a:latin typeface="Consolas" pitchFamily="49" charset="0"/>
+                <a:cs typeface="Consolas" pitchFamily="49" charset="0"/>
+              </a:rPr>
+              <a:t>for(vector::</a:t>
+            </a:r>
+            <a:r>
+              <a:rPr lang="en-US" dirty="0" err="1" smtClean="0">
+                <a:solidFill>
+                  <a:schemeClr val="tx1"/>
+                </a:solidFill>
+                <a:latin typeface="Consolas" pitchFamily="49" charset="0"/>
+                <a:cs typeface="Consolas" pitchFamily="49" charset="0"/>
+              </a:rPr>
+              <a:t>const_iterator</a:t>
+            </a:r>
+            <a:r>
+              <a:rPr lang="en-US" dirty="0" smtClean="0">
+                <a:solidFill>
+                  <a:schemeClr val="tx1"/>
+                </a:solidFill>
+                <a:latin typeface="Consolas" pitchFamily="49" charset="0"/>
+                <a:cs typeface="Consolas" pitchFamily="49" charset="0"/>
+              </a:rPr>
+              <a:t> </a:t>
+            </a:r>
+            <a:r>
+              <a:rPr lang="en-US" dirty="0" err="1" smtClean="0">
+                <a:solidFill>
+                  <a:schemeClr val="tx1"/>
+                </a:solidFill>
+                <a:latin typeface="Consolas" pitchFamily="49" charset="0"/>
+                <a:cs typeface="Consolas" pitchFamily="49" charset="0"/>
+              </a:rPr>
+              <a:t>i</a:t>
+            </a:r>
+            <a:r>
+              <a:rPr lang="en-US" dirty="0" smtClean="0">
+                <a:solidFill>
+                  <a:schemeClr val="tx1"/>
+                </a:solidFill>
+                <a:latin typeface="Consolas" pitchFamily="49" charset="0"/>
+                <a:cs typeface="Consolas" pitchFamily="49" charset="0"/>
+              </a:rPr>
+              <a:t> = </a:t>
+            </a:r>
+            <a:r>
+              <a:rPr lang="en-US" dirty="0" err="1" smtClean="0">
                 <a:solidFill>
                   <a:schemeClr val="tx1"/>
                 </a:solidFill>
@@ -3801,19 +4025,37 @@
               <a:t>vi.begin</a:t>
             </a:r>
             <a:r>
-              <a:rPr lang="en-US" sz="2400" dirty="0" smtClean="0">
-                <a:solidFill>
-                  <a:schemeClr val="tx1"/>
-                </a:solidFill>
-                <a:latin typeface="Consolas" pitchFamily="49" charset="0"/>
-                <a:cs typeface="Consolas" pitchFamily="49" charset="0"/>
-              </a:rPr>
-              <a:t>();</a:t>
-            </a:r>
-          </a:p>
-          <a:p>
-            <a:r>
-              <a:rPr lang="en-US" sz="2400" dirty="0" err="1" smtClean="0">
+              <a:rPr lang="en-US" dirty="0" smtClean="0">
+                <a:solidFill>
+                  <a:schemeClr val="tx1"/>
+                </a:solidFill>
+                <a:latin typeface="Consolas" pitchFamily="49" charset="0"/>
+                <a:cs typeface="Consolas" pitchFamily="49" charset="0"/>
+              </a:rPr>
+              <a:t>() ; </a:t>
+            </a:r>
+            <a:r>
+              <a:rPr lang="en-US" dirty="0" err="1" smtClean="0">
+                <a:solidFill>
+                  <a:schemeClr val="tx1"/>
+                </a:solidFill>
+                <a:latin typeface="Consolas" pitchFamily="49" charset="0"/>
+                <a:cs typeface="Consolas" pitchFamily="49" charset="0"/>
+              </a:rPr>
+              <a:t>i</a:t>
+            </a:r>
+            <a:r>
+              <a:rPr lang="en-US" dirty="0" smtClean="0">
+                <a:solidFill>
+                  <a:schemeClr val="tx1"/>
+                </a:solidFill>
+                <a:latin typeface="Consolas" pitchFamily="49" charset="0"/>
+                <a:cs typeface="Consolas" pitchFamily="49" charset="0"/>
+              </a:rPr>
+              <a:t> != </a:t>
+            </a:r>
+            <a:r>
+              <a:rPr lang="en-US" dirty="0" err="1" smtClean="0">
                 <a:solidFill>
                   <a:schemeClr val="tx1"/>
                 </a:solidFill>
@@ -3823,18 +4065,50 @@
               <a:t>vi.end</a:t>
             </a:r>
             <a:r>
-              <a:rPr lang="en-US" sz="2400" dirty="0" smtClean="0">
-                <a:solidFill>
-                  <a:schemeClr val="tx1"/>
-                </a:solidFill>
-                <a:latin typeface="Consolas" pitchFamily="49" charset="0"/>
-                <a:cs typeface="Consolas" pitchFamily="49" charset="0"/>
-              </a:rPr>
-              <a:t>();</a:t>
-            </a:r>
-          </a:p>
-          <a:p>
-            <a:endParaRPr lang="en-US" sz="2400" dirty="0" smtClean="0">
+              <a:rPr lang="en-US" dirty="0" smtClean="0">
+                <a:solidFill>
+                  <a:schemeClr val="tx1"/>
+                </a:solidFill>
+                <a:latin typeface="Consolas" pitchFamily="49" charset="0"/>
+                <a:cs typeface="Consolas" pitchFamily="49" charset="0"/>
+              </a:rPr>
+              <a:t>() ; ++</a:t>
+            </a:r>
+            <a:r>
+              <a:rPr lang="en-US" dirty="0" err="1" smtClean="0">
+                <a:solidFill>
+                  <a:schemeClr val="tx1"/>
+                </a:solidFill>
+                <a:latin typeface="Consolas" pitchFamily="49" charset="0"/>
+                <a:cs typeface="Consolas" pitchFamily="49" charset="0"/>
+              </a:rPr>
+              <a:t>i</a:t>
+            </a:r>
+            <a:r>
+              <a:rPr lang="en-US" dirty="0" smtClean="0">
+                <a:solidFill>
+                  <a:schemeClr val="tx1"/>
+                </a:solidFill>
+                <a:latin typeface="Consolas" pitchFamily="49" charset="0"/>
+                <a:cs typeface="Consolas" pitchFamily="49" charset="0"/>
+              </a:rPr>
+              <a:t> ) </a:t>
+            </a:r>
+          </a:p>
+          <a:p>
+            <a:r>
+              <a:rPr lang="en-US" dirty="0" smtClean="0">
+                <a:solidFill>
+                  <a:schemeClr val="tx1"/>
+                </a:solidFill>
+                <a:latin typeface="Consolas" pitchFamily="49" charset="0"/>
+                <a:cs typeface="Consolas" pitchFamily="49" charset="0"/>
+              </a:rPr>
+              <a:t>{}</a:t>
+            </a:r>
+          </a:p>
+          <a:p>
+            <a:endParaRPr lang="en-US" dirty="0" smtClean="0">
               <a:solidFill>
                 <a:schemeClr val="tx1"/>
               </a:solidFill>
@@ -3844,50 +4118,136 @@
           </a:p>
           <a:p>
             <a:r>
-              <a:rPr lang="en-US" sz="2400" dirty="0" err="1" smtClean="0">
-                <a:solidFill>
-                  <a:schemeClr val="tx1"/>
-                </a:solidFill>
-                <a:latin typeface="Consolas" pitchFamily="49" charset="0"/>
-                <a:cs typeface="Consolas" pitchFamily="49" charset="0"/>
-              </a:rPr>
-              <a:t>vi.rbegin</a:t>
-            </a:r>
-            <a:r>
-              <a:rPr lang="en-US" sz="2400" dirty="0" smtClean="0">
-                <a:solidFill>
-                  <a:schemeClr val="tx1"/>
-                </a:solidFill>
-                <a:latin typeface="Consolas" pitchFamily="49" charset="0"/>
-                <a:cs typeface="Consolas" pitchFamily="49" charset="0"/>
-              </a:rPr>
-              <a:t>();</a:t>
-            </a:r>
-          </a:p>
-          <a:p>
-            <a:r>
-              <a:rPr lang="en-US" sz="2400" dirty="0" err="1" smtClean="0">
-                <a:solidFill>
-                  <a:schemeClr val="tx1"/>
-                </a:solidFill>
-                <a:latin typeface="Consolas" pitchFamily="49" charset="0"/>
-                <a:cs typeface="Consolas" pitchFamily="49" charset="0"/>
-              </a:rPr>
-              <a:t>vi.rend</a:t>
-            </a:r>
-            <a:r>
-              <a:rPr lang="en-US" sz="2400" dirty="0" smtClean="0">
-                <a:solidFill>
-                  <a:schemeClr val="tx1"/>
-                </a:solidFill>
-                <a:latin typeface="Consolas" pitchFamily="49" charset="0"/>
-                <a:cs typeface="Consolas" pitchFamily="49" charset="0"/>
-              </a:rPr>
-              <a:t>();</a:t>
-            </a:r>
-          </a:p>
-          <a:p>
-            <a:endParaRPr lang="en-US" sz="2400" dirty="0">
+              <a:rPr lang="en-US" dirty="0" smtClean="0">
+                <a:solidFill>
+                  <a:schemeClr val="tx1"/>
+                </a:solidFill>
+                <a:latin typeface="Consolas" pitchFamily="49" charset="0"/>
+                <a:cs typeface="Consolas" pitchFamily="49" charset="0"/>
+              </a:rPr>
+              <a:t>for(vector::</a:t>
+            </a:r>
+            <a:r>
+              <a:rPr lang="en-US" dirty="0" err="1" smtClean="0">
+                <a:solidFill>
+                  <a:schemeClr val="tx1"/>
+                </a:solidFill>
+                <a:latin typeface="Consolas" pitchFamily="49" charset="0"/>
+                <a:cs typeface="Consolas" pitchFamily="49" charset="0"/>
+              </a:rPr>
+              <a:t>iterator</a:t>
+            </a:r>
+            <a:r>
+              <a:rPr lang="en-US" dirty="0" smtClean="0">
+                <a:solidFill>
+                  <a:schemeClr val="tx1"/>
+                </a:solidFill>
+                <a:latin typeface="Consolas" pitchFamily="49" charset="0"/>
+                <a:cs typeface="Consolas" pitchFamily="49" charset="0"/>
+              </a:rPr>
+              <a:t> </a:t>
+            </a:r>
+            <a:r>
+              <a:rPr lang="en-US" dirty="0" err="1" smtClean="0">
+                <a:solidFill>
+                  <a:schemeClr val="tx1"/>
+                </a:solidFill>
+                <a:latin typeface="Consolas" pitchFamily="49" charset="0"/>
+                <a:cs typeface="Consolas" pitchFamily="49" charset="0"/>
+              </a:rPr>
+              <a:t>i</a:t>
+            </a:r>
+            <a:r>
+              <a:rPr lang="en-US" dirty="0" smtClean="0">
+                <a:solidFill>
+                  <a:schemeClr val="tx1"/>
+                </a:solidFill>
+                <a:latin typeface="Consolas" pitchFamily="49" charset="0"/>
+                <a:cs typeface="Consolas" pitchFamily="49" charset="0"/>
+              </a:rPr>
+              <a:t> = </a:t>
+            </a:r>
+            <a:r>
+              <a:rPr lang="en-US" dirty="0" err="1" smtClean="0">
+                <a:solidFill>
+                  <a:schemeClr val="tx1"/>
+                </a:solidFill>
+                <a:latin typeface="Consolas" pitchFamily="49" charset="0"/>
+                <a:cs typeface="Consolas" pitchFamily="49" charset="0"/>
+              </a:rPr>
+              <a:t>vi.begin</a:t>
+            </a:r>
+            <a:r>
+              <a:rPr lang="en-US" dirty="0" smtClean="0">
+                <a:solidFill>
+                  <a:schemeClr val="tx1"/>
+                </a:solidFill>
+                <a:latin typeface="Consolas" pitchFamily="49" charset="0"/>
+                <a:cs typeface="Consolas" pitchFamily="49" charset="0"/>
+              </a:rPr>
+              <a:t>() ; </a:t>
+            </a:r>
+            <a:r>
+              <a:rPr lang="en-US" dirty="0" err="1" smtClean="0">
+                <a:solidFill>
+                  <a:schemeClr val="tx1"/>
+                </a:solidFill>
+                <a:latin typeface="Consolas" pitchFamily="49" charset="0"/>
+                <a:cs typeface="Consolas" pitchFamily="49" charset="0"/>
+              </a:rPr>
+              <a:t>i</a:t>
+            </a:r>
+            <a:r>
+              <a:rPr lang="en-US" dirty="0" smtClean="0">
+                <a:solidFill>
+                  <a:schemeClr val="tx1"/>
+                </a:solidFill>
+                <a:latin typeface="Consolas" pitchFamily="49" charset="0"/>
+                <a:cs typeface="Consolas" pitchFamily="49" charset="0"/>
+              </a:rPr>
+              <a:t> != </a:t>
+            </a:r>
+            <a:r>
+              <a:rPr lang="en-US" dirty="0" err="1" smtClean="0">
+                <a:solidFill>
+                  <a:schemeClr val="tx1"/>
+                </a:solidFill>
+                <a:latin typeface="Consolas" pitchFamily="49" charset="0"/>
+                <a:cs typeface="Consolas" pitchFamily="49" charset="0"/>
+              </a:rPr>
+              <a:t>vi.end</a:t>
+            </a:r>
+            <a:r>
+              <a:rPr lang="en-US" dirty="0" smtClean="0">
+                <a:solidFill>
+                  <a:schemeClr val="tx1"/>
+                </a:solidFill>
+                <a:latin typeface="Consolas" pitchFamily="49" charset="0"/>
+                <a:cs typeface="Consolas" pitchFamily="49" charset="0"/>
+              </a:rPr>
+              <a:t>() ; ++</a:t>
+            </a:r>
+            <a:r>
+              <a:rPr lang="en-US" dirty="0" err="1" smtClean="0">
+                <a:solidFill>
+                  <a:schemeClr val="tx1"/>
+                </a:solidFill>
+                <a:latin typeface="Consolas" pitchFamily="49" charset="0"/>
+                <a:cs typeface="Consolas" pitchFamily="49" charset="0"/>
+              </a:rPr>
+              <a:t>i</a:t>
+            </a:r>
+            <a:r>
+              <a:rPr lang="en-US" dirty="0" smtClean="0">
+                <a:solidFill>
+                  <a:schemeClr val="tx1"/>
+                </a:solidFill>
+                <a:latin typeface="Consolas" pitchFamily="49" charset="0"/>
+                <a:cs typeface="Consolas" pitchFamily="49" charset="0"/>
+              </a:rPr>
+              <a:t> ) </a:t>
+            </a:r>
+            <a:endParaRPr lang="ru-RU" dirty="0" smtClean="0">
               <a:solidFill>
                 <a:schemeClr val="tx1"/>
               </a:solidFill>
@@ -3897,47 +4257,103 @@
           </a:p>
           <a:p>
             <a:r>
-              <a:rPr lang="en-US" sz="2400" dirty="0" err="1" smtClean="0">
-                <a:solidFill>
-                  <a:schemeClr val="tx1"/>
-                </a:solidFill>
-                <a:latin typeface="Consolas" pitchFamily="49" charset="0"/>
-                <a:cs typeface="Consolas" pitchFamily="49" charset="0"/>
-              </a:rPr>
-              <a:t>vi.cbegin</a:t>
-            </a:r>
-            <a:r>
-              <a:rPr lang="en-US" sz="2400" dirty="0" smtClean="0">
-                <a:solidFill>
-                  <a:schemeClr val="tx1"/>
-                </a:solidFill>
-                <a:latin typeface="Consolas" pitchFamily="49" charset="0"/>
-                <a:cs typeface="Consolas" pitchFamily="49" charset="0"/>
-              </a:rPr>
-              <a:t>(); // C++0x</a:t>
-            </a:r>
-          </a:p>
-          <a:p>
-            <a:r>
-              <a:rPr lang="en-US" sz="2400" dirty="0" err="1" smtClean="0">
-                <a:solidFill>
-                  <a:schemeClr val="tx1"/>
-                </a:solidFill>
-                <a:latin typeface="Consolas" pitchFamily="49" charset="0"/>
-                <a:cs typeface="Consolas" pitchFamily="49" charset="0"/>
-              </a:rPr>
-              <a:t>vi.cend</a:t>
-            </a:r>
-            <a:r>
-              <a:rPr lang="en-US" sz="2400" dirty="0" smtClean="0">
-                <a:solidFill>
-                  <a:schemeClr val="tx1"/>
-                </a:solidFill>
-                <a:latin typeface="Consolas" pitchFamily="49" charset="0"/>
-                <a:cs typeface="Consolas" pitchFamily="49" charset="0"/>
-              </a:rPr>
-              <a:t>(); // C++0x</a:t>
-            </a:r>
+              <a:rPr lang="en-US" dirty="0" smtClean="0">
+                <a:solidFill>
+                  <a:schemeClr val="tx1"/>
+                </a:solidFill>
+                <a:latin typeface="Consolas" pitchFamily="49" charset="0"/>
+                <a:cs typeface="Consolas" pitchFamily="49" charset="0"/>
+              </a:rPr>
+              <a:t>{ </a:t>
+            </a:r>
+            <a:endParaRPr lang="ru-RU" dirty="0" smtClean="0">
+              <a:solidFill>
+                <a:schemeClr val="tx1"/>
+              </a:solidFill>
+              <a:latin typeface="Consolas" pitchFamily="49" charset="0"/>
+              <a:cs typeface="Consolas" pitchFamily="49" charset="0"/>
+            </a:endParaRPr>
+          </a:p>
+          <a:p>
+            <a:r>
+              <a:rPr lang="en-US" dirty="0" smtClean="0">
+                <a:solidFill>
+                  <a:schemeClr val="tx1"/>
+                </a:solidFill>
+                <a:latin typeface="Consolas" pitchFamily="49" charset="0"/>
+                <a:cs typeface="Consolas" pitchFamily="49" charset="0"/>
+              </a:rPr>
+              <a:t>*</a:t>
+            </a:r>
+            <a:r>
+              <a:rPr lang="en-US" dirty="0" err="1" smtClean="0">
+                <a:solidFill>
+                  <a:schemeClr val="tx1"/>
+                </a:solidFill>
+                <a:latin typeface="Consolas" pitchFamily="49" charset="0"/>
+                <a:cs typeface="Consolas" pitchFamily="49" charset="0"/>
+              </a:rPr>
+              <a:t>i</a:t>
+            </a:r>
+            <a:r>
+              <a:rPr lang="en-US" dirty="0" smtClean="0">
+                <a:solidFill>
+                  <a:schemeClr val="tx1"/>
+                </a:solidFill>
+                <a:latin typeface="Consolas" pitchFamily="49" charset="0"/>
+                <a:cs typeface="Consolas" pitchFamily="49" charset="0"/>
+              </a:rPr>
+              <a:t> = 4;</a:t>
+            </a:r>
+            <a:endParaRPr lang="ru-RU" dirty="0" smtClean="0">
+              <a:solidFill>
+                <a:schemeClr val="tx1"/>
+              </a:solidFill>
+              <a:latin typeface="Consolas" pitchFamily="49" charset="0"/>
+              <a:cs typeface="Consolas" pitchFamily="49" charset="0"/>
+            </a:endParaRPr>
+          </a:p>
+          <a:p>
+            <a:r>
+              <a:rPr lang="en-US" dirty="0" smtClean="0">
+                <a:solidFill>
+                  <a:schemeClr val="tx1"/>
+                </a:solidFill>
+                <a:latin typeface="Consolas" pitchFamily="49" charset="0"/>
+                <a:cs typeface="Consolas" pitchFamily="49" charset="0"/>
+              </a:rPr>
+              <a:t>}</a:t>
+            </a:r>
+            <a:endParaRPr lang="ru-RU" dirty="0" smtClean="0">
+              <a:solidFill>
+                <a:schemeClr val="tx1"/>
+              </a:solidFill>
+              <a:latin typeface="Consolas" pitchFamily="49" charset="0"/>
+              <a:cs typeface="Consolas" pitchFamily="49" charset="0"/>
+            </a:endParaRPr>
+          </a:p>
+        </p:txBody>
+      </p:sp>
+      <p:sp>
+        <p:nvSpPr>
+          <p:cNvPr id="2" name="Title 1"/>
+          <p:cNvSpPr>
+            <a:spLocks noGrp="1"/>
+          </p:cNvSpPr>
+          <p:nvPr>
+            <p:ph type="title"/>
+          </p:nvPr>
+        </p:nvSpPr>
+        <p:spPr/>
+        <p:txBody>
+          <a:bodyPr/>
+          <a:lstStyle/>
+          <a:p>
+            <a:r>
+              <a:rPr lang="ru-RU" dirty="0" smtClean="0"/>
+              <a:t>Циклы</a:t>
+            </a:r>
+            <a:endParaRPr lang="en-US" dirty="0"/>
           </a:p>
         </p:txBody>
       </p:sp>
@@ -3975,468 +4391,6 @@
       </p:grpSpPr>
       <p:sp>
         <p:nvSpPr>
-          <p:cNvPr id="7" name="Скругленный прямоугольник 6"/>
-          <p:cNvSpPr/>
-          <p:nvPr/>
-        </p:nvSpPr>
-        <p:spPr>
-          <a:xfrm>
-            <a:off x="228600" y="1676400"/>
-            <a:ext cx="8763000" cy="2819400"/>
-          </a:xfrm>
-          <a:prstGeom prst="roundRect">
-            <a:avLst/>
-          </a:prstGeom>
-          <a:solidFill>
-            <a:schemeClr val="bg2"/>
-          </a:solidFill>
-        </p:spPr>
-        <p:style>
-          <a:lnRef idx="2">
-            <a:schemeClr val="accent1">
-              <a:shade val="50000"/>
-            </a:schemeClr>
-          </a:lnRef>
-          <a:fillRef idx="1">
-            <a:schemeClr val="accent1"/>
-          </a:fillRef>
-          <a:effectRef idx="0">
-            <a:schemeClr val="accent1"/>
-          </a:effectRef>
-          <a:fontRef idx="minor">
-            <a:schemeClr val="lt1"/>
-          </a:fontRef>
-        </p:style>
-        <p:txBody>
-          <a:bodyPr rtlCol="0" anchor="ctr"/>
-          <a:lstStyle/>
-          <a:p>
-            <a:r>
-              <a:rPr lang="en-US" dirty="0" err="1" smtClean="0">
-                <a:solidFill>
-                  <a:schemeClr val="tx1"/>
-                </a:solidFill>
-                <a:latin typeface="Consolas" pitchFamily="49" charset="0"/>
-                <a:cs typeface="Consolas" pitchFamily="49" charset="0"/>
-              </a:rPr>
-              <a:t>typedef</a:t>
-            </a:r>
-            <a:r>
-              <a:rPr lang="en-US" dirty="0" smtClean="0">
-                <a:solidFill>
-                  <a:schemeClr val="tx1"/>
-                </a:solidFill>
-                <a:latin typeface="Consolas" pitchFamily="49" charset="0"/>
-                <a:cs typeface="Consolas" pitchFamily="49" charset="0"/>
-              </a:rPr>
-              <a:t> std::vector&lt; </a:t>
-            </a:r>
-            <a:r>
-              <a:rPr lang="en-US" dirty="0" err="1" smtClean="0">
-                <a:solidFill>
-                  <a:schemeClr val="tx1"/>
-                </a:solidFill>
-                <a:latin typeface="Consolas" pitchFamily="49" charset="0"/>
-                <a:cs typeface="Consolas" pitchFamily="49" charset="0"/>
-              </a:rPr>
-              <a:t>int</a:t>
-            </a:r>
-            <a:r>
-              <a:rPr lang="en-US" dirty="0" smtClean="0">
-                <a:solidFill>
-                  <a:schemeClr val="tx1"/>
-                </a:solidFill>
-                <a:latin typeface="Consolas" pitchFamily="49" charset="0"/>
-                <a:cs typeface="Consolas" pitchFamily="49" charset="0"/>
-              </a:rPr>
-              <a:t> &gt; vector;</a:t>
-            </a:r>
-          </a:p>
-          <a:p>
-            <a:r>
-              <a:rPr lang="en-US" dirty="0" smtClean="0">
-                <a:solidFill>
-                  <a:schemeClr val="tx1"/>
-                </a:solidFill>
-                <a:latin typeface="Consolas" pitchFamily="49" charset="0"/>
-                <a:cs typeface="Consolas" pitchFamily="49" charset="0"/>
-              </a:rPr>
-              <a:t>vector vi( 10, 15 );</a:t>
-            </a:r>
-          </a:p>
-          <a:p>
-            <a:r>
-              <a:rPr lang="en-US" dirty="0" smtClean="0">
-                <a:solidFill>
-                  <a:schemeClr val="tx1"/>
-                </a:solidFill>
-                <a:latin typeface="Consolas" pitchFamily="49" charset="0"/>
-                <a:cs typeface="Consolas" pitchFamily="49" charset="0"/>
-              </a:rPr>
-              <a:t>for(vector::</a:t>
-            </a:r>
-            <a:r>
-              <a:rPr lang="en-US" dirty="0" err="1" smtClean="0">
-                <a:solidFill>
-                  <a:schemeClr val="tx1"/>
-                </a:solidFill>
-                <a:latin typeface="Consolas" pitchFamily="49" charset="0"/>
-                <a:cs typeface="Consolas" pitchFamily="49" charset="0"/>
-              </a:rPr>
-              <a:t>const_iterator</a:t>
-            </a:r>
-            <a:r>
-              <a:rPr lang="en-US" dirty="0" smtClean="0">
-                <a:solidFill>
-                  <a:schemeClr val="tx1"/>
-                </a:solidFill>
-                <a:latin typeface="Consolas" pitchFamily="49" charset="0"/>
-                <a:cs typeface="Consolas" pitchFamily="49" charset="0"/>
-              </a:rPr>
-              <a:t> </a:t>
-            </a:r>
-            <a:r>
-              <a:rPr lang="en-US" dirty="0" err="1" smtClean="0">
-                <a:solidFill>
-                  <a:schemeClr val="tx1"/>
-                </a:solidFill>
-                <a:latin typeface="Consolas" pitchFamily="49" charset="0"/>
-                <a:cs typeface="Consolas" pitchFamily="49" charset="0"/>
-              </a:rPr>
-              <a:t>i</a:t>
-            </a:r>
-            <a:r>
-              <a:rPr lang="en-US" dirty="0" smtClean="0">
-                <a:solidFill>
-                  <a:schemeClr val="tx1"/>
-                </a:solidFill>
-                <a:latin typeface="Consolas" pitchFamily="49" charset="0"/>
-                <a:cs typeface="Consolas" pitchFamily="49" charset="0"/>
-              </a:rPr>
-              <a:t> = </a:t>
-            </a:r>
-            <a:r>
-              <a:rPr lang="en-US" dirty="0" err="1" smtClean="0">
-                <a:solidFill>
-                  <a:schemeClr val="tx1"/>
-                </a:solidFill>
-                <a:latin typeface="Consolas" pitchFamily="49" charset="0"/>
-                <a:cs typeface="Consolas" pitchFamily="49" charset="0"/>
-              </a:rPr>
-              <a:t>vi.begin</a:t>
-            </a:r>
-            <a:r>
-              <a:rPr lang="en-US" dirty="0" smtClean="0">
-                <a:solidFill>
-                  <a:schemeClr val="tx1"/>
-                </a:solidFill>
-                <a:latin typeface="Consolas" pitchFamily="49" charset="0"/>
-                <a:cs typeface="Consolas" pitchFamily="49" charset="0"/>
-              </a:rPr>
-              <a:t>() ; </a:t>
-            </a:r>
-            <a:r>
-              <a:rPr lang="en-US" dirty="0" err="1" smtClean="0">
-                <a:solidFill>
-                  <a:schemeClr val="tx1"/>
-                </a:solidFill>
-                <a:latin typeface="Consolas" pitchFamily="49" charset="0"/>
-                <a:cs typeface="Consolas" pitchFamily="49" charset="0"/>
-              </a:rPr>
-              <a:t>i</a:t>
-            </a:r>
-            <a:r>
-              <a:rPr lang="en-US" dirty="0" smtClean="0">
-                <a:solidFill>
-                  <a:schemeClr val="tx1"/>
-                </a:solidFill>
-                <a:latin typeface="Consolas" pitchFamily="49" charset="0"/>
-                <a:cs typeface="Consolas" pitchFamily="49" charset="0"/>
-              </a:rPr>
-              <a:t> != </a:t>
-            </a:r>
-            <a:r>
-              <a:rPr lang="en-US" dirty="0" err="1" smtClean="0">
-                <a:solidFill>
-                  <a:schemeClr val="tx1"/>
-                </a:solidFill>
-                <a:latin typeface="Consolas" pitchFamily="49" charset="0"/>
-                <a:cs typeface="Consolas" pitchFamily="49" charset="0"/>
-              </a:rPr>
-              <a:t>vi.end</a:t>
-            </a:r>
-            <a:r>
-              <a:rPr lang="en-US" dirty="0" smtClean="0">
-                <a:solidFill>
-                  <a:schemeClr val="tx1"/>
-                </a:solidFill>
-                <a:latin typeface="Consolas" pitchFamily="49" charset="0"/>
-                <a:cs typeface="Consolas" pitchFamily="49" charset="0"/>
-              </a:rPr>
-              <a:t>() ; ++</a:t>
-            </a:r>
-            <a:r>
-              <a:rPr lang="en-US" dirty="0" err="1" smtClean="0">
-                <a:solidFill>
-                  <a:schemeClr val="tx1"/>
-                </a:solidFill>
-                <a:latin typeface="Consolas" pitchFamily="49" charset="0"/>
-                <a:cs typeface="Consolas" pitchFamily="49" charset="0"/>
-              </a:rPr>
-              <a:t>i</a:t>
-            </a:r>
-            <a:r>
-              <a:rPr lang="en-US" dirty="0" smtClean="0">
-                <a:solidFill>
-                  <a:schemeClr val="tx1"/>
-                </a:solidFill>
-                <a:latin typeface="Consolas" pitchFamily="49" charset="0"/>
-                <a:cs typeface="Consolas" pitchFamily="49" charset="0"/>
-              </a:rPr>
-              <a:t> ) </a:t>
-            </a:r>
-          </a:p>
-          <a:p>
-            <a:r>
-              <a:rPr lang="en-US" dirty="0" smtClean="0">
-                <a:solidFill>
-                  <a:schemeClr val="tx1"/>
-                </a:solidFill>
-                <a:latin typeface="Consolas" pitchFamily="49" charset="0"/>
-                <a:cs typeface="Consolas" pitchFamily="49" charset="0"/>
-              </a:rPr>
-              <a:t>{}</a:t>
-            </a:r>
-          </a:p>
-          <a:p>
-            <a:endParaRPr lang="en-US" dirty="0" smtClean="0">
-              <a:solidFill>
-                <a:schemeClr val="tx1"/>
-              </a:solidFill>
-              <a:latin typeface="Consolas" pitchFamily="49" charset="0"/>
-              <a:cs typeface="Consolas" pitchFamily="49" charset="0"/>
-            </a:endParaRPr>
-          </a:p>
-          <a:p>
-            <a:r>
-              <a:rPr lang="en-US" dirty="0" smtClean="0">
-                <a:solidFill>
-                  <a:schemeClr val="tx1"/>
-                </a:solidFill>
-                <a:latin typeface="Consolas" pitchFamily="49" charset="0"/>
-                <a:cs typeface="Consolas" pitchFamily="49" charset="0"/>
-              </a:rPr>
-              <a:t>for(vector::</a:t>
-            </a:r>
-            <a:r>
-              <a:rPr lang="en-US" dirty="0" err="1" smtClean="0">
-                <a:solidFill>
-                  <a:schemeClr val="tx1"/>
-                </a:solidFill>
-                <a:latin typeface="Consolas" pitchFamily="49" charset="0"/>
-                <a:cs typeface="Consolas" pitchFamily="49" charset="0"/>
-              </a:rPr>
-              <a:t>iterator</a:t>
-            </a:r>
-            <a:r>
-              <a:rPr lang="en-US" dirty="0" smtClean="0">
-                <a:solidFill>
-                  <a:schemeClr val="tx1"/>
-                </a:solidFill>
-                <a:latin typeface="Consolas" pitchFamily="49" charset="0"/>
-                <a:cs typeface="Consolas" pitchFamily="49" charset="0"/>
-              </a:rPr>
-              <a:t> </a:t>
-            </a:r>
-            <a:r>
-              <a:rPr lang="en-US" dirty="0" err="1" smtClean="0">
-                <a:solidFill>
-                  <a:schemeClr val="tx1"/>
-                </a:solidFill>
-                <a:latin typeface="Consolas" pitchFamily="49" charset="0"/>
-                <a:cs typeface="Consolas" pitchFamily="49" charset="0"/>
-              </a:rPr>
-              <a:t>i</a:t>
-            </a:r>
-            <a:r>
-              <a:rPr lang="en-US" dirty="0" smtClean="0">
-                <a:solidFill>
-                  <a:schemeClr val="tx1"/>
-                </a:solidFill>
-                <a:latin typeface="Consolas" pitchFamily="49" charset="0"/>
-                <a:cs typeface="Consolas" pitchFamily="49" charset="0"/>
-              </a:rPr>
-              <a:t> = </a:t>
-            </a:r>
-            <a:r>
-              <a:rPr lang="en-US" dirty="0" err="1" smtClean="0">
-                <a:solidFill>
-                  <a:schemeClr val="tx1"/>
-                </a:solidFill>
-                <a:latin typeface="Consolas" pitchFamily="49" charset="0"/>
-                <a:cs typeface="Consolas" pitchFamily="49" charset="0"/>
-              </a:rPr>
-              <a:t>vi.begin</a:t>
-            </a:r>
-            <a:r>
-              <a:rPr lang="en-US" dirty="0" smtClean="0">
-                <a:solidFill>
-                  <a:schemeClr val="tx1"/>
-                </a:solidFill>
-                <a:latin typeface="Consolas" pitchFamily="49" charset="0"/>
-                <a:cs typeface="Consolas" pitchFamily="49" charset="0"/>
-              </a:rPr>
-              <a:t>() ; </a:t>
-            </a:r>
-            <a:r>
-              <a:rPr lang="en-US" dirty="0" err="1" smtClean="0">
-                <a:solidFill>
-                  <a:schemeClr val="tx1"/>
-                </a:solidFill>
-                <a:latin typeface="Consolas" pitchFamily="49" charset="0"/>
-                <a:cs typeface="Consolas" pitchFamily="49" charset="0"/>
-              </a:rPr>
-              <a:t>i</a:t>
-            </a:r>
-            <a:r>
-              <a:rPr lang="en-US" dirty="0" smtClean="0">
-                <a:solidFill>
-                  <a:schemeClr val="tx1"/>
-                </a:solidFill>
-                <a:latin typeface="Consolas" pitchFamily="49" charset="0"/>
-                <a:cs typeface="Consolas" pitchFamily="49" charset="0"/>
-              </a:rPr>
-              <a:t> != </a:t>
-            </a:r>
-            <a:r>
-              <a:rPr lang="en-US" dirty="0" err="1" smtClean="0">
-                <a:solidFill>
-                  <a:schemeClr val="tx1"/>
-                </a:solidFill>
-                <a:latin typeface="Consolas" pitchFamily="49" charset="0"/>
-                <a:cs typeface="Consolas" pitchFamily="49" charset="0"/>
-              </a:rPr>
-              <a:t>vi.end</a:t>
-            </a:r>
-            <a:r>
-              <a:rPr lang="en-US" dirty="0" smtClean="0">
-                <a:solidFill>
-                  <a:schemeClr val="tx1"/>
-                </a:solidFill>
-                <a:latin typeface="Consolas" pitchFamily="49" charset="0"/>
-                <a:cs typeface="Consolas" pitchFamily="49" charset="0"/>
-              </a:rPr>
-              <a:t>() ; ++</a:t>
-            </a:r>
-            <a:r>
-              <a:rPr lang="en-US" dirty="0" err="1" smtClean="0">
-                <a:solidFill>
-                  <a:schemeClr val="tx1"/>
-                </a:solidFill>
-                <a:latin typeface="Consolas" pitchFamily="49" charset="0"/>
-                <a:cs typeface="Consolas" pitchFamily="49" charset="0"/>
-              </a:rPr>
-              <a:t>i</a:t>
-            </a:r>
-            <a:r>
-              <a:rPr lang="en-US" dirty="0" smtClean="0">
-                <a:solidFill>
-                  <a:schemeClr val="tx1"/>
-                </a:solidFill>
-                <a:latin typeface="Consolas" pitchFamily="49" charset="0"/>
-                <a:cs typeface="Consolas" pitchFamily="49" charset="0"/>
-              </a:rPr>
-              <a:t> ) </a:t>
-            </a:r>
-            <a:endParaRPr lang="ru-RU" dirty="0" smtClean="0">
-              <a:solidFill>
-                <a:schemeClr val="tx1"/>
-              </a:solidFill>
-              <a:latin typeface="Consolas" pitchFamily="49" charset="0"/>
-              <a:cs typeface="Consolas" pitchFamily="49" charset="0"/>
-            </a:endParaRPr>
-          </a:p>
-          <a:p>
-            <a:r>
-              <a:rPr lang="en-US" dirty="0" smtClean="0">
-                <a:solidFill>
-                  <a:schemeClr val="tx1"/>
-                </a:solidFill>
-                <a:latin typeface="Consolas" pitchFamily="49" charset="0"/>
-                <a:cs typeface="Consolas" pitchFamily="49" charset="0"/>
-              </a:rPr>
-              <a:t>{ </a:t>
-            </a:r>
-            <a:endParaRPr lang="ru-RU" dirty="0" smtClean="0">
-              <a:solidFill>
-                <a:schemeClr val="tx1"/>
-              </a:solidFill>
-              <a:latin typeface="Consolas" pitchFamily="49" charset="0"/>
-              <a:cs typeface="Consolas" pitchFamily="49" charset="0"/>
-            </a:endParaRPr>
-          </a:p>
-          <a:p>
-            <a:r>
-              <a:rPr lang="en-US" dirty="0" smtClean="0">
-                <a:solidFill>
-                  <a:schemeClr val="tx1"/>
-                </a:solidFill>
-                <a:latin typeface="Consolas" pitchFamily="49" charset="0"/>
-                <a:cs typeface="Consolas" pitchFamily="49" charset="0"/>
-              </a:rPr>
-              <a:t>*</a:t>
-            </a:r>
-            <a:r>
-              <a:rPr lang="en-US" dirty="0" err="1" smtClean="0">
-                <a:solidFill>
-                  <a:schemeClr val="tx1"/>
-                </a:solidFill>
-                <a:latin typeface="Consolas" pitchFamily="49" charset="0"/>
-                <a:cs typeface="Consolas" pitchFamily="49" charset="0"/>
-              </a:rPr>
-              <a:t>i</a:t>
-            </a:r>
-            <a:r>
-              <a:rPr lang="en-US" dirty="0" smtClean="0">
-                <a:solidFill>
-                  <a:schemeClr val="tx1"/>
-                </a:solidFill>
-                <a:latin typeface="Consolas" pitchFamily="49" charset="0"/>
-                <a:cs typeface="Consolas" pitchFamily="49" charset="0"/>
-              </a:rPr>
-              <a:t> = 4;</a:t>
-            </a:r>
-            <a:endParaRPr lang="ru-RU" dirty="0" smtClean="0">
-              <a:solidFill>
-                <a:schemeClr val="tx1"/>
-              </a:solidFill>
-              <a:latin typeface="Consolas" pitchFamily="49" charset="0"/>
-              <a:cs typeface="Consolas" pitchFamily="49" charset="0"/>
-            </a:endParaRPr>
-          </a:p>
-          <a:p>
-            <a:r>
-              <a:rPr lang="en-US" dirty="0" smtClean="0">
-                <a:solidFill>
-                  <a:schemeClr val="tx1"/>
-                </a:solidFill>
-                <a:latin typeface="Consolas" pitchFamily="49" charset="0"/>
-                <a:cs typeface="Consolas" pitchFamily="49" charset="0"/>
-              </a:rPr>
-              <a:t>}</a:t>
-            </a:r>
-            <a:endParaRPr lang="ru-RU" dirty="0" smtClean="0">
-              <a:solidFill>
-                <a:schemeClr val="tx1"/>
-              </a:solidFill>
-              <a:latin typeface="Consolas" pitchFamily="49" charset="0"/>
-              <a:cs typeface="Consolas" pitchFamily="49" charset="0"/>
-            </a:endParaRPr>
-          </a:p>
-        </p:txBody>
-      </p:sp>
-      <p:sp>
-        <p:nvSpPr>
           <p:cNvPr id="2" name="Title 1"/>
           <p:cNvSpPr>
             <a:spLocks noGrp="1"/>
@@ -4451,9 +4405,138 @@
           <a:lstStyle/>
           <a:p>
             <a:r>
-              <a:rPr lang="ru-RU" dirty="0" smtClean="0"/>
-              <a:t>Циклы</a:t>
-            </a:r>
+              <a:rPr lang="en-US" dirty="0" smtClean="0"/>
+              <a:t>std::list</a:t>
+            </a:r>
+            <a:endParaRPr lang="en-US" dirty="0"/>
+          </a:p>
+        </p:txBody>
+      </p:sp>
+      <p:sp>
+        <p:nvSpPr>
+          <p:cNvPr id="3" name="Content Placeholder 2"/>
+          <p:cNvSpPr>
+            <a:spLocks noGrp="1"/>
+          </p:cNvSpPr>
+          <p:nvPr>
+            <p:ph idx="1"/>
+          </p:nvPr>
+        </p:nvSpPr>
+        <p:spPr/>
+        <p:txBody>
+          <a:bodyPr>
+            <a:normAutofit/>
+          </a:bodyPr>
+          <a:lstStyle/>
+          <a:p>
+            <a:r>
+              <a:rPr lang="en-US" dirty="0" smtClean="0"/>
+              <a:t>#include &lt;list&gt;</a:t>
+            </a:r>
+          </a:p>
+          <a:p>
+            <a:r>
+              <a:rPr lang="en-US" dirty="0" smtClean="0"/>
+              <a:t>size()</a:t>
+            </a:r>
+          </a:p>
+          <a:p>
+            <a:r>
+              <a:rPr lang="en-US" dirty="0" err="1" smtClean="0"/>
+              <a:t>push_back</a:t>
+            </a:r>
+            <a:r>
+              <a:rPr lang="en-US" dirty="0" smtClean="0"/>
+              <a:t>() / </a:t>
+            </a:r>
+            <a:r>
+              <a:rPr lang="en-US" dirty="0" err="1" smtClean="0"/>
+              <a:t>push_front</a:t>
+            </a:r>
+            <a:r>
+              <a:rPr lang="en-US" dirty="0" smtClean="0"/>
+              <a:t>()</a:t>
+            </a:r>
+          </a:p>
+          <a:p>
+            <a:r>
+              <a:rPr lang="en-US" dirty="0" err="1" smtClean="0"/>
+              <a:t>pop_back</a:t>
+            </a:r>
+            <a:r>
+              <a:rPr lang="en-US" dirty="0" smtClean="0"/>
+              <a:t>() / </a:t>
+            </a:r>
+            <a:r>
+              <a:rPr lang="en-US" dirty="0" err="1" smtClean="0"/>
+              <a:t>pop_front</a:t>
+            </a:r>
+            <a:r>
+              <a:rPr lang="en-US" dirty="0" smtClean="0"/>
+              <a:t>()</a:t>
+            </a:r>
+          </a:p>
+          <a:p>
+            <a:r>
+              <a:rPr lang="en-US" dirty="0" smtClean="0"/>
+              <a:t>splice</a:t>
+            </a:r>
+            <a:r>
+              <a:rPr lang="en-US" dirty="0" smtClean="0"/>
+              <a:t>( it, list )</a:t>
+            </a:r>
+            <a:endParaRPr lang="en-US" dirty="0" smtClean="0"/>
+          </a:p>
+          <a:p>
+            <a:r>
+              <a:rPr lang="en-US" dirty="0" smtClean="0"/>
+              <a:t>remove</a:t>
+            </a:r>
+            <a:r>
+              <a:rPr lang="en-US" dirty="0" smtClean="0"/>
+              <a:t>( </a:t>
+            </a:r>
+            <a:r>
+              <a:rPr lang="en-US" dirty="0" err="1" smtClean="0"/>
+              <a:t>val</a:t>
+            </a:r>
+            <a:r>
+              <a:rPr lang="en-US" dirty="0" smtClean="0"/>
+              <a:t> ) </a:t>
+            </a:r>
+            <a:r>
+              <a:rPr lang="en-US" dirty="0" smtClean="0"/>
+              <a:t>/ </a:t>
+            </a:r>
+            <a:r>
+              <a:rPr lang="en-US" dirty="0" err="1" smtClean="0"/>
+              <a:t>remove_if</a:t>
+            </a:r>
+            <a:r>
+              <a:rPr lang="en-US" dirty="0" smtClean="0"/>
+              <a:t>( </a:t>
+            </a:r>
+            <a:r>
+              <a:rPr lang="en-US" dirty="0" err="1" smtClean="0"/>
+              <a:t>pred</a:t>
+            </a:r>
+            <a:r>
+              <a:rPr lang="en-US" dirty="0" smtClean="0"/>
+              <a:t> </a:t>
+            </a:r>
+            <a:r>
+              <a:rPr lang="en-US" dirty="0" smtClean="0"/>
+              <a:t>)</a:t>
+            </a:r>
+            <a:endParaRPr lang="en-US" dirty="0" smtClean="0"/>
+          </a:p>
+          <a:p>
+            <a:r>
+              <a:rPr lang="en-US" dirty="0" smtClean="0"/>
+              <a:t>begin() / end()</a:t>
+            </a:r>
+          </a:p>
+          <a:p>
             <a:endParaRPr lang="en-US" dirty="0"/>
           </a:p>
         </p:txBody>
@@ -5344,34 +5427,34 @@
           </a:p>
           <a:p>
             <a:r>
-              <a:rPr lang="ru-RU" sz="2400" b="1" dirty="0" smtClean="0"/>
+              <a:rPr lang="ru-RU" sz="2400" dirty="0" smtClean="0"/>
               <a:t>Умные указатели в </a:t>
             </a:r>
             <a:r>
-              <a:rPr lang="en-US" sz="2400" b="1" dirty="0" smtClean="0"/>
+              <a:rPr lang="en-US" sz="2400" dirty="0" smtClean="0"/>
               <a:t>C++: boost::</a:t>
             </a:r>
             <a:r>
-              <a:rPr lang="en-US" sz="2400" b="1" dirty="0" err="1" smtClean="0"/>
+              <a:rPr lang="en-US" sz="2400" dirty="0" err="1" smtClean="0"/>
               <a:t>shared_ptr</a:t>
             </a:r>
             <a:r>
-              <a:rPr lang="en-US" sz="2400" b="1" dirty="0" smtClean="0"/>
+              <a:rPr lang="en-US" sz="2400" dirty="0" smtClean="0"/>
               <a:t>, boost::</a:t>
             </a:r>
             <a:r>
-              <a:rPr lang="en-US" sz="2400" b="1" dirty="0" err="1" smtClean="0"/>
+              <a:rPr lang="en-US" sz="2400" dirty="0" err="1" smtClean="0"/>
               <a:t>weak_ptr</a:t>
             </a:r>
             <a:r>
-              <a:rPr lang="en-US" sz="2400" b="1" dirty="0" smtClean="0"/>
+              <a:rPr lang="en-US" sz="2400" dirty="0" smtClean="0"/>
               <a:t>, boost::</a:t>
             </a:r>
             <a:r>
-              <a:rPr lang="en-US" sz="2400" b="1" dirty="0" err="1" smtClean="0"/>
+              <a:rPr lang="en-US" sz="2400" dirty="0" err="1" smtClean="0"/>
               <a:t>intrusive_ptr</a:t>
             </a:r>
-            <a:endParaRPr lang="en-US" sz="2400" b="1" dirty="0" smtClean="0"/>
+            <a:endParaRPr lang="en-US" sz="2400" dirty="0" smtClean="0"/>
           </a:p>
           <a:p>
             <a:pPr indent="-1588">
@@ -8121,7 +8204,17 @@
                 <a:latin typeface="Consolas" pitchFamily="49" charset="0"/>
                 <a:cs typeface="Consolas" pitchFamily="49" charset="0"/>
               </a:rPr>
-              <a:t>::in | </a:t>
+              <a:t>::in | 	std::</a:t>
+            </a:r>
+            <a:r>
+              <a:rPr lang="en-US" dirty="0" err="1" smtClean="0">
+                <a:solidFill>
+                  <a:schemeClr val="tx1"/>
+                </a:solidFill>
+                <a:latin typeface="Consolas" pitchFamily="49" charset="0"/>
+                <a:cs typeface="Consolas" pitchFamily="49" charset="0"/>
+              </a:rPr>
+              <a:t>fstream</a:t>
             </a:r>
             <a:r>
               <a:rPr lang="en-US" dirty="0" smtClean="0">
@@ -8131,8 +8224,10 @@
                 <a:latin typeface="Consolas" pitchFamily="49" charset="0"/>
                 <a:cs typeface="Consolas" pitchFamily="49" charset="0"/>
               </a:rPr>
-              <a:t>	</a:t>
-            </a:r>
+              <a:t>::binary );</a:t>
+            </a:r>
+          </a:p>
+          <a:p>
             <a:r>
               <a:rPr lang="en-US" dirty="0" smtClean="0">
                 <a:solidFill>
@@ -8141,7 +8236,17 @@
                 <a:latin typeface="Consolas" pitchFamily="49" charset="0"/>
                 <a:cs typeface="Consolas" pitchFamily="49" charset="0"/>
               </a:rPr>
-              <a:t>std</a:t>
+              <a:t>std::</a:t>
+            </a:r>
+            <a:r>
+              <a:rPr lang="en-US" dirty="0" err="1" smtClean="0">
+                <a:solidFill>
+                  <a:schemeClr val="tx1"/>
+                </a:solidFill>
+                <a:latin typeface="Consolas" pitchFamily="49" charset="0"/>
+                <a:cs typeface="Consolas" pitchFamily="49" charset="0"/>
+              </a:rPr>
+              <a:t>fstream</a:t>
             </a:r>
             <a:r>
               <a:rPr lang="en-US" dirty="0" smtClean="0">
@@ -8151,7 +8256,7 @@
                 <a:latin typeface="Consolas" pitchFamily="49" charset="0"/>
                 <a:cs typeface="Consolas" pitchFamily="49" charset="0"/>
               </a:rPr>
-              <a:t>::</a:t>
+              <a:t> </a:t>
             </a:r>
             <a:r>
               <a:rPr lang="en-US" dirty="0" err="1" smtClean="0">
@@ -8161,6 +8266,46 @@
                 <a:latin typeface="Consolas" pitchFamily="49" charset="0"/>
                 <a:cs typeface="Consolas" pitchFamily="49" charset="0"/>
               </a:rPr>
+              <a:t>output_file</a:t>
+            </a:r>
+            <a:r>
+              <a:rPr lang="en-US" dirty="0" smtClean="0">
+                <a:solidFill>
+                  <a:schemeClr val="tx1"/>
+                </a:solidFill>
+                <a:latin typeface="Consolas" pitchFamily="49" charset="0"/>
+                <a:cs typeface="Consolas" pitchFamily="49" charset="0"/>
+              </a:rPr>
+              <a:t>( “</a:t>
+            </a:r>
+            <a:r>
+              <a:rPr lang="en-US" dirty="0" err="1" smtClean="0">
+                <a:solidFill>
+                  <a:schemeClr val="tx1"/>
+                </a:solidFill>
+                <a:latin typeface="Consolas" pitchFamily="49" charset="0"/>
+                <a:cs typeface="Consolas" pitchFamily="49" charset="0"/>
+              </a:rPr>
+              <a:t>outfile_name</a:t>
+            </a:r>
+            <a:r>
+              <a:rPr lang="en-US" dirty="0" smtClean="0">
+                <a:solidFill>
+                  <a:schemeClr val="tx1"/>
+                </a:solidFill>
+                <a:latin typeface="Consolas" pitchFamily="49" charset="0"/>
+                <a:cs typeface="Consolas" pitchFamily="49" charset="0"/>
+              </a:rPr>
+              <a:t>”, std::</a:t>
+            </a:r>
+            <a:r>
+              <a:rPr lang="en-US" dirty="0" err="1" smtClean="0">
+                <a:solidFill>
+                  <a:schemeClr val="tx1"/>
+                </a:solidFill>
+                <a:latin typeface="Consolas" pitchFamily="49" charset="0"/>
+                <a:cs typeface="Consolas" pitchFamily="49" charset="0"/>
+              </a:rPr>
               <a:t>fstream</a:t>
             </a:r>
             <a:r>
@@ -8171,7 +8316,7 @@
                 <a:latin typeface="Consolas" pitchFamily="49" charset="0"/>
                 <a:cs typeface="Consolas" pitchFamily="49" charset="0"/>
               </a:rPr>
-              <a:t>::binary );</a:t>
+              <a:t>::out |</a:t>
             </a:r>
           </a:p>
           <a:p>
@@ -8183,109 +8328,7 @@
                 <a:latin typeface="Consolas" pitchFamily="49" charset="0"/>
                 <a:cs typeface="Consolas" pitchFamily="49" charset="0"/>
               </a:rPr>
-              <a:t>std::</a:t>
-            </a:r>
-            <a:r>
-              <a:rPr lang="en-US" dirty="0" err="1" smtClean="0">
-                <a:solidFill>
-                  <a:schemeClr val="tx1"/>
-                </a:solidFill>
-                <a:latin typeface="Consolas" pitchFamily="49" charset="0"/>
-                <a:cs typeface="Consolas" pitchFamily="49" charset="0"/>
-              </a:rPr>
-              <a:t>fstream</a:t>
-            </a:r>
-            <a:r>
-              <a:rPr lang="en-US" dirty="0" smtClean="0">
-                <a:solidFill>
-                  <a:schemeClr val="tx1"/>
-                </a:solidFill>
-                <a:latin typeface="Consolas" pitchFamily="49" charset="0"/>
-                <a:cs typeface="Consolas" pitchFamily="49" charset="0"/>
-              </a:rPr>
-              <a:t> </a:t>
-            </a:r>
-            <a:r>
-              <a:rPr lang="en-US" dirty="0" err="1" smtClean="0">
-                <a:solidFill>
-                  <a:schemeClr val="tx1"/>
-                </a:solidFill>
-                <a:latin typeface="Consolas" pitchFamily="49" charset="0"/>
-                <a:cs typeface="Consolas" pitchFamily="49" charset="0"/>
-              </a:rPr>
-              <a:t>output_file</a:t>
-            </a:r>
-            <a:r>
-              <a:rPr lang="en-US" dirty="0" smtClean="0">
-                <a:solidFill>
-                  <a:schemeClr val="tx1"/>
-                </a:solidFill>
-                <a:latin typeface="Consolas" pitchFamily="49" charset="0"/>
-                <a:cs typeface="Consolas" pitchFamily="49" charset="0"/>
-              </a:rPr>
-              <a:t>( “</a:t>
-            </a:r>
-            <a:r>
-              <a:rPr lang="en-US" dirty="0" err="1" smtClean="0">
-                <a:solidFill>
-                  <a:schemeClr val="tx1"/>
-                </a:solidFill>
-                <a:latin typeface="Consolas" pitchFamily="49" charset="0"/>
-                <a:cs typeface="Consolas" pitchFamily="49" charset="0"/>
-              </a:rPr>
-              <a:t>outfile_name</a:t>
-            </a:r>
-            <a:r>
-              <a:rPr lang="en-US" dirty="0" smtClean="0">
-                <a:solidFill>
-                  <a:schemeClr val="tx1"/>
-                </a:solidFill>
-                <a:latin typeface="Consolas" pitchFamily="49" charset="0"/>
-                <a:cs typeface="Consolas" pitchFamily="49" charset="0"/>
-              </a:rPr>
-              <a:t>”, std::</a:t>
-            </a:r>
-            <a:r>
-              <a:rPr lang="en-US" dirty="0" err="1" smtClean="0">
-                <a:solidFill>
-                  <a:schemeClr val="tx1"/>
-                </a:solidFill>
-                <a:latin typeface="Consolas" pitchFamily="49" charset="0"/>
-                <a:cs typeface="Consolas" pitchFamily="49" charset="0"/>
-              </a:rPr>
-              <a:t>fstream</a:t>
-            </a:r>
-            <a:r>
-              <a:rPr lang="en-US" dirty="0" smtClean="0">
-                <a:solidFill>
-                  <a:schemeClr val="tx1"/>
-                </a:solidFill>
-                <a:latin typeface="Consolas" pitchFamily="49" charset="0"/>
-                <a:cs typeface="Consolas" pitchFamily="49" charset="0"/>
-              </a:rPr>
-              <a:t>::out |</a:t>
-            </a:r>
-          </a:p>
-          <a:p>
-            <a:r>
-              <a:rPr lang="en-US" dirty="0" smtClean="0">
-                <a:solidFill>
-                  <a:schemeClr val="tx1"/>
-                </a:solidFill>
-                <a:latin typeface="Consolas" pitchFamily="49" charset="0"/>
-                <a:cs typeface="Consolas" pitchFamily="49" charset="0"/>
-              </a:rPr>
-              <a:t>	std</a:t>
-            </a:r>
-            <a:r>
-              <a:rPr lang="en-US" dirty="0" smtClean="0">
-                <a:solidFill>
-                  <a:schemeClr val="tx1"/>
-                </a:solidFill>
-                <a:latin typeface="Consolas" pitchFamily="49" charset="0"/>
-                <a:cs typeface="Consolas" pitchFamily="49" charset="0"/>
-              </a:rPr>
-              <a:t>::</a:t>
+              <a:t>	std::</a:t>
             </a:r>
             <a:r>
               <a:rPr lang="en-US" dirty="0" err="1" smtClean="0">

--- a/lections/cpp_craft_lec_1_part_2_v1_2.pptx
+++ b/lections/cpp_craft_lec_1_part_2_v1_2.pptx
@@ -3139,11 +3139,23 @@
           <a:p>
             <a:r>
               <a:rPr lang="ru-RU" sz="2800" dirty="0"/>
-              <a:t>Системы ввода </a:t>
+              <a:t>Системы </a:t>
             </a:r>
             <a:r>
               <a:rPr lang="ru-RU" sz="2800" dirty="0" smtClean="0"/>
-              <a:t>вывода. Использование </a:t>
+              <a:t>ввода</a:t>
+            </a:r>
+            <a:r>
+              <a:rPr lang="en-US" sz="2800" dirty="0" smtClean="0"/>
+              <a:t>-</a:t>
+            </a:r>
+            <a:r>
+              <a:rPr lang="ru-RU" sz="2800" dirty="0" smtClean="0"/>
+              <a:t>вывода</a:t>
+            </a:r>
+            <a:r>
+              <a:rPr lang="ru-RU" sz="2800" dirty="0" smtClean="0"/>
+              <a:t>. Использование </a:t>
             </a:r>
             <a:r>
               <a:rPr lang="en-US" sz="2800" dirty="0"/>
@@ -3289,11 +3301,7 @@
           <a:p>
             <a:r>
               <a:rPr lang="en-US" dirty="0" smtClean="0"/>
-              <a:t>resize</a:t>
-            </a:r>
-            <a:r>
-              <a:rPr lang="en-US" dirty="0" smtClean="0"/>
-              <a:t>( n, </a:t>
+              <a:t>resize( n, </a:t>
             </a:r>
             <a:r>
               <a:rPr lang="en-US" dirty="0" err="1" smtClean="0"/>
@@ -3301,17 +3309,8 @@
             </a:r>
             <a:r>
               <a:rPr lang="en-US" dirty="0" smtClean="0"/>
-              <a:t> ) </a:t>
-            </a:r>
-            <a:r>
-              <a:rPr lang="en-US" dirty="0" smtClean="0"/>
-              <a:t>/ reserve</a:t>
-            </a:r>
-            <a:r>
-              <a:rPr lang="en-US" dirty="0" smtClean="0"/>
-              <a:t>( n )</a:t>
-            </a:r>
-            <a:endParaRPr lang="en-US" dirty="0" smtClean="0"/>
+              <a:t> ) / reserve( n )</a:t>
+            </a:r>
           </a:p>
           <a:p>
             <a:r>
@@ -3340,15 +3339,7 @@
             </a:r>
             <a:r>
               <a:rPr lang="en-US" dirty="0" smtClean="0"/>
-              <a:t> </a:t>
-            </a:r>
-            <a:r>
-              <a:rPr lang="en-US" dirty="0" smtClean="0"/>
-              <a:t>/ </a:t>
-            </a:r>
-            <a:r>
-              <a:rPr lang="en-US" dirty="0" smtClean="0"/>
-              <a:t>insert( pos, </a:t>
+              <a:t> / insert( pos, </a:t>
             </a:r>
             <a:r>
               <a:rPr lang="en-US" dirty="0" err="1" smtClean="0"/>
@@ -3358,7 +3349,6 @@
               <a:rPr lang="en-US" dirty="0" smtClean="0"/>
               <a:t> )</a:t>
             </a:r>
-            <a:endParaRPr lang="en-US" dirty="0" smtClean="0"/>
           </a:p>
           <a:p>
             <a:r>
@@ -4350,8 +4340,28 @@
           <a:lstStyle/>
           <a:p>
             <a:r>
+              <a:rPr lang="en-US" dirty="0" smtClean="0"/>
+              <a:t>std::</a:t>
+            </a:r>
+            <a:r>
+              <a:rPr lang="en-US" dirty="0" err="1" smtClean="0"/>
+              <a:t>iterator</a:t>
+            </a:r>
+            <a:r>
+              <a:rPr lang="en-US" dirty="0" smtClean="0"/>
+              <a:t> </a:t>
+            </a:r>
+            <a:r>
               <a:rPr lang="ru-RU" dirty="0" smtClean="0"/>
-              <a:t>Циклы</a:t>
+              <a:t>и </a:t>
+            </a:r>
+            <a:r>
+              <a:rPr lang="en-US" dirty="0" smtClean="0"/>
+              <a:t>std::</a:t>
+            </a:r>
+            <a:r>
+              <a:rPr lang="en-US" dirty="0" err="1" smtClean="0"/>
+              <a:t>const_iterator</a:t>
             </a:r>
             <a:endParaRPr lang="en-US" dirty="0"/>
           </a:p>
@@ -4479,18 +4489,25 @@
           <a:p>
             <a:r>
               <a:rPr lang="en-US" dirty="0" smtClean="0"/>
-              <a:t>splice</a:t>
-            </a:r>
+              <a:t>splice( it, list )</a:t>
+            </a:r>
+          </a:p>
+          <a:p>
             <a:r>
               <a:rPr lang="en-US" dirty="0" smtClean="0"/>
-              <a:t>( it, list )</a:t>
-            </a:r>
-            <a:endParaRPr lang="en-US" dirty="0" smtClean="0"/>
-          </a:p>
-          <a:p>
+              <a:t>remove( </a:t>
+            </a:r>
+            <a:r>
+              <a:rPr lang="en-US" dirty="0" err="1" smtClean="0"/>
+              <a:t>val</a:t>
+            </a:r>
             <a:r>
               <a:rPr lang="en-US" dirty="0" smtClean="0"/>
-              <a:t>remove</a:t>
+              <a:t> ) / </a:t>
+            </a:r>
+            <a:r>
+              <a:rPr lang="en-US" dirty="0" err="1" smtClean="0"/>
+              <a:t>remove_if</a:t>
             </a:r>
             <a:r>
               <a:rPr lang="en-US" dirty="0" smtClean="0"/>
@@ -4498,37 +4515,12 @@
             </a:r>
             <a:r>
               <a:rPr lang="en-US" dirty="0" err="1" smtClean="0"/>
-              <a:t>val</a:t>
+              <a:t>pred</a:t>
             </a:r>
             <a:r>
               <a:rPr lang="en-US" dirty="0" smtClean="0"/>
-              <a:t> ) </a:t>
-            </a:r>
-            <a:r>
-              <a:rPr lang="en-US" dirty="0" smtClean="0"/>
-              <a:t>/ </a:t>
-            </a:r>
-            <a:r>
-              <a:rPr lang="en-US" dirty="0" err="1" smtClean="0"/>
-              <a:t>remove_if</a:t>
-            </a:r>
-            <a:r>
-              <a:rPr lang="en-US" dirty="0" smtClean="0"/>
-              <a:t>( </a:t>
-            </a:r>
-            <a:r>
-              <a:rPr lang="en-US" dirty="0" err="1" smtClean="0"/>
-              <a:t>pred</a:t>
-            </a:r>
-            <a:r>
-              <a:rPr lang="en-US" dirty="0" smtClean="0"/>
-              <a:t> </a:t>
-            </a:r>
-            <a:r>
-              <a:rPr lang="en-US" dirty="0" smtClean="0"/>
-              <a:t>)</a:t>
-            </a:r>
-            <a:endParaRPr lang="en-US" dirty="0" smtClean="0"/>
+              <a:t> )</a:t>
+            </a:r>
           </a:p>
           <a:p>
             <a:r>
@@ -5567,7 +5559,52 @@
             </a:r>
             <a:r>
               <a:rPr lang="ru-RU" dirty="0" smtClean="0"/>
-              <a:t>– объявление (только один раз )</a:t>
+              <a:t>– объявление (только один раз </a:t>
+            </a:r>
+            <a:r>
+              <a:rPr lang="ru-RU" dirty="0" smtClean="0"/>
+              <a:t>)</a:t>
+            </a:r>
+            <a:endParaRPr lang="en-US" dirty="0" smtClean="0"/>
+          </a:p>
+          <a:p>
+            <a:endParaRPr lang="en-US" dirty="0" smtClean="0"/>
+          </a:p>
+          <a:p>
+            <a:pPr>
+              <a:buNone/>
+            </a:pPr>
+            <a:r>
+              <a:rPr lang="en-US" smtClean="0"/>
+              <a:t>  	</a:t>
+            </a:r>
+            <a:r>
+              <a:rPr lang="en-US" dirty="0" smtClean="0"/>
+              <a:t>			</a:t>
+            </a:r>
+            <a:r>
+              <a:rPr lang="en-US" b="1" dirty="0" smtClean="0"/>
+              <a:t>O</a:t>
+            </a:r>
+            <a:r>
+              <a:rPr lang="en-US" dirty="0" smtClean="0"/>
+              <a:t>ne </a:t>
+            </a:r>
+            <a:r>
+              <a:rPr lang="en-US" b="1" dirty="0" smtClean="0"/>
+              <a:t>D</a:t>
+            </a:r>
+            <a:r>
+              <a:rPr lang="en-US" dirty="0" smtClean="0"/>
+              <a:t>efinition </a:t>
+            </a:r>
+            <a:r>
+              <a:rPr lang="en-US" b="1" dirty="0" smtClean="0"/>
+              <a:t>R</a:t>
+            </a:r>
+            <a:r>
+              <a:rPr lang="en-US" dirty="0" smtClean="0"/>
+              <a:t>ule</a:t>
             </a:r>
             <a:endParaRPr lang="en-US" dirty="0" smtClean="0"/>
           </a:p>
@@ -7984,7 +8021,7 @@
         </p:nvSpPr>
         <p:spPr>
           <a:xfrm>
-            <a:off x="4263332" y="6096000"/>
+            <a:off x="4267200" y="6248400"/>
             <a:ext cx="4575868" cy="369332"/>
           </a:xfrm>
           <a:prstGeom prst="rect">
@@ -8015,7 +8052,7 @@
         </p:nvCxnSpPr>
         <p:spPr>
           <a:xfrm>
-            <a:off x="3429000" y="6019800"/>
+            <a:off x="3505200" y="6172200"/>
             <a:ext cx="5181600" cy="0"/>
           </a:xfrm>
           <a:prstGeom prst="line">
